--- a/summary1.pptx
+++ b/summary1.pptx
@@ -5,19 +5,20 @@
     <p:sldMasterId id="2147483648" r:id="rId1"/>
   </p:sldMasterIdLst>
   <p:notesMasterIdLst>
-    <p:notesMasterId r:id="rId9"/>
+    <p:notesMasterId r:id="rId10"/>
   </p:notesMasterIdLst>
   <p:handoutMasterIdLst>
-    <p:handoutMasterId r:id="rId10"/>
+    <p:handoutMasterId r:id="rId11"/>
   </p:handoutMasterIdLst>
   <p:sldIdLst>
     <p:sldId id="256" r:id="rId2"/>
     <p:sldId id="257" r:id="rId3"/>
     <p:sldId id="260" r:id="rId4"/>
     <p:sldId id="261" r:id="rId5"/>
-    <p:sldId id="262" r:id="rId6"/>
-    <p:sldId id="258" r:id="rId7"/>
-    <p:sldId id="259" r:id="rId8"/>
+    <p:sldId id="263" r:id="rId6"/>
+    <p:sldId id="262" r:id="rId7"/>
+    <p:sldId id="258" r:id="rId8"/>
+    <p:sldId id="259" r:id="rId9"/>
   </p:sldIdLst>
   <p:sldSz cx="12192000" cy="6858000"/>
   <p:notesSz cx="6858000" cy="9144000"/>
@@ -5290,6 +5291,131 @@
       </p:sp>
       <p:sp>
         <p:nvSpPr>
+          <p:cNvPr id="9" name="Content Placeholder 2">
+            <a:extLst>
+              <a:ext uri="{FF2B5EF4-FFF2-40B4-BE49-F238E27FC236}">
+                <a16:creationId xmlns:a16="http://schemas.microsoft.com/office/drawing/2014/main" id="{9145EAC4-E97B-C34A-A9C2-3EABEA6636EA}"/>
+              </a:ext>
+            </a:extLst>
+          </p:cNvPr>
+          <p:cNvSpPr>
+            <a:spLocks noGrp="1"/>
+          </p:cNvSpPr>
+          <p:nvPr>
+            <p:ph idx="1"/>
+          </p:nvPr>
+        </p:nvSpPr>
+        <p:spPr>
+          <a:xfrm>
+            <a:off x="838200" y="1825625"/>
+            <a:ext cx="10515600" cy="4351338"/>
+          </a:xfrm>
+        </p:spPr>
+        <p:txBody>
+          <a:bodyPr/>
+          <a:lstStyle/>
+          <a:p>
+            <a:pPr>
+              <a:buClr>
+                <a:schemeClr val="bg1"/>
+              </a:buClr>
+              <a:buSzPct val="100000"/>
+              <a:buFont typeface="System Font Regular"/>
+              <a:buChar char="&gt;"/>
+            </a:pPr>
+            <a:r>
+              <a:rPr lang="en-US" dirty="0">
+                <a:solidFill>
+                  <a:schemeClr val="bg1"/>
+                </a:solidFill>
+              </a:rPr>
+              <a:t>But how about the underlying hardware architecture? </a:t>
+            </a:r>
+          </a:p>
+          <a:p>
+            <a:pPr lvl="1">
+              <a:buClr>
+                <a:schemeClr val="bg1"/>
+              </a:buClr>
+              <a:buSzPct val="100000"/>
+              <a:buFont typeface="Wingdings" pitchFamily="2" charset="2"/>
+              <a:buChar char="Ø"/>
+            </a:pPr>
+            <a:r>
+              <a:rPr lang="en-US" dirty="0">
+                <a:solidFill>
+                  <a:schemeClr val="bg1"/>
+                </a:solidFill>
+              </a:rPr>
+              <a:t>All your threat models are based on the assumption that the underlying architecture is secure enough to support these upper structure</a:t>
+            </a:r>
+            <a:r>
+              <a:rPr lang="zh-CN" altLang="en-US" dirty="0">
+                <a:solidFill>
+                  <a:schemeClr val="bg1"/>
+                </a:solidFill>
+              </a:rPr>
+              <a:t> </a:t>
+            </a:r>
+            <a:r>
+              <a:rPr lang="en-US" altLang="zh-CN" dirty="0">
+                <a:solidFill>
+                  <a:schemeClr val="bg1"/>
+                </a:solidFill>
+              </a:rPr>
+              <a:t>security</a:t>
+            </a:r>
+            <a:r>
+              <a:rPr lang="zh-CN" altLang="en-US" dirty="0">
+                <a:solidFill>
+                  <a:schemeClr val="bg1"/>
+                </a:solidFill>
+              </a:rPr>
+              <a:t> </a:t>
+            </a:r>
+            <a:r>
+              <a:rPr lang="en-US" altLang="zh-CN" dirty="0">
+                <a:solidFill>
+                  <a:schemeClr val="bg1"/>
+                </a:solidFill>
+              </a:rPr>
+              <a:t>techniques.</a:t>
+            </a:r>
+            <a:br>
+              <a:rPr lang="en-US" altLang="zh-CN" dirty="0">
+                <a:solidFill>
+                  <a:schemeClr val="bg1"/>
+                </a:solidFill>
+              </a:rPr>
+            </a:br>
+            <a:endParaRPr lang="en-US" altLang="zh-CN" dirty="0">
+              <a:solidFill>
+                <a:schemeClr val="bg1"/>
+              </a:solidFill>
+            </a:endParaRPr>
+          </a:p>
+          <a:p>
+            <a:pPr>
+              <a:buClr>
+                <a:schemeClr val="bg1"/>
+              </a:buClr>
+              <a:buSzPct val="100000"/>
+              <a:buFont typeface="System Font Regular"/>
+              <a:buChar char="&gt;"/>
+            </a:pPr>
+            <a:r>
+              <a:rPr lang="en-US" dirty="0">
+                <a:solidFill>
+                  <a:schemeClr val="bg1"/>
+                </a:solidFill>
+              </a:rPr>
+              <a:t>Well, it’s intuitively secure enough though, with many years’ demonstration in universal implementations. So there's no need to be paranoid.</a:t>
+            </a:r>
+          </a:p>
+        </p:txBody>
+      </p:sp>
+      <p:sp>
+        <p:nvSpPr>
           <p:cNvPr id="4" name="Date Placeholder 3">
             <a:extLst>
               <a:ext uri="{FF2B5EF4-FFF2-40B4-BE49-F238E27FC236}">
@@ -5392,136 +5518,6 @@
               <a:t>4</a:t>
             </a:fld>
             <a:endParaRPr lang="en-CN" dirty="0">
-              <a:solidFill>
-                <a:schemeClr val="bg1"/>
-              </a:solidFill>
-            </a:endParaRPr>
-          </a:p>
-        </p:txBody>
-      </p:sp>
-      <p:pic>
-        <p:nvPicPr>
-          <p:cNvPr id="8" name="Picture 7" descr="A person sitting on a couch holding a cup and a cell phone&#10;&#10;Description automatically generated with low confidence">
-            <a:extLst>
-              <a:ext uri="{FF2B5EF4-FFF2-40B4-BE49-F238E27FC236}">
-                <a16:creationId xmlns:a16="http://schemas.microsoft.com/office/drawing/2014/main" id="{4094878E-42CD-3642-8EC5-0938DF30E65D}"/>
-              </a:ext>
-            </a:extLst>
-          </p:cNvPr>
-          <p:cNvPicPr>
-            <a:picLocks noChangeAspect="1"/>
-          </p:cNvPicPr>
-          <p:nvPr/>
-        </p:nvPicPr>
-        <p:blipFill>
-          <a:blip r:embed="rId2"/>
-          <a:stretch>
-            <a:fillRect/>
-          </a:stretch>
-        </p:blipFill>
-        <p:spPr>
-          <a:xfrm>
-            <a:off x="6698586" y="2889793"/>
-            <a:ext cx="5112414" cy="3968207"/>
-          </a:xfrm>
-          <a:prstGeom prst="rect">
-            <a:avLst/>
-          </a:prstGeom>
-        </p:spPr>
-      </p:pic>
-      <p:sp>
-        <p:nvSpPr>
-          <p:cNvPr id="9" name="Content Placeholder 2">
-            <a:extLst>
-              <a:ext uri="{FF2B5EF4-FFF2-40B4-BE49-F238E27FC236}">
-                <a16:creationId xmlns:a16="http://schemas.microsoft.com/office/drawing/2014/main" id="{9145EAC4-E97B-C34A-A9C2-3EABEA6636EA}"/>
-              </a:ext>
-            </a:extLst>
-          </p:cNvPr>
-          <p:cNvSpPr>
-            <a:spLocks noGrp="1"/>
-          </p:cNvSpPr>
-          <p:nvPr>
-            <p:ph idx="1"/>
-          </p:nvPr>
-        </p:nvSpPr>
-        <p:spPr>
-          <a:xfrm>
-            <a:off x="838200" y="1825625"/>
-            <a:ext cx="10515600" cy="4351338"/>
-          </a:xfrm>
-        </p:spPr>
-        <p:txBody>
-          <a:bodyPr/>
-          <a:lstStyle/>
-          <a:p>
-            <a:pPr>
-              <a:buClr>
-                <a:schemeClr val="bg1"/>
-              </a:buClr>
-              <a:buSzPct val="100000"/>
-              <a:buFont typeface="System Font Regular"/>
-              <a:buChar char="&gt;"/>
-            </a:pPr>
-            <a:r>
-              <a:rPr lang="en-US" dirty="0">
-                <a:solidFill>
-                  <a:schemeClr val="bg1"/>
-                </a:solidFill>
-              </a:rPr>
-              <a:t>But how about the underlying hardware architecture? </a:t>
-            </a:r>
-          </a:p>
-          <a:p>
-            <a:pPr lvl="1">
-              <a:buClr>
-                <a:schemeClr val="bg1"/>
-              </a:buClr>
-              <a:buSzPct val="100000"/>
-              <a:buFont typeface="System Font Regular"/>
-              <a:buChar char="&gt;"/>
-            </a:pPr>
-            <a:r>
-              <a:rPr lang="en-US" dirty="0">
-                <a:solidFill>
-                  <a:schemeClr val="bg1"/>
-                </a:solidFill>
-              </a:rPr>
-              <a:t>All your threat models are based on the assumption that the underlying architecture is secure enough to support these upper structure</a:t>
-            </a:r>
-            <a:r>
-              <a:rPr lang="zh-CN" altLang="en-US" dirty="0">
-                <a:solidFill>
-                  <a:schemeClr val="bg1"/>
-                </a:solidFill>
-              </a:rPr>
-              <a:t> </a:t>
-            </a:r>
-            <a:r>
-              <a:rPr lang="en-US" altLang="zh-CN" dirty="0">
-                <a:solidFill>
-                  <a:schemeClr val="bg1"/>
-                </a:solidFill>
-              </a:rPr>
-              <a:t>security</a:t>
-            </a:r>
-            <a:r>
-              <a:rPr lang="zh-CN" altLang="en-US" dirty="0">
-                <a:solidFill>
-                  <a:schemeClr val="bg1"/>
-                </a:solidFill>
-              </a:rPr>
-              <a:t> </a:t>
-            </a:r>
-            <a:r>
-              <a:rPr lang="en-US" altLang="zh-CN" dirty="0">
-                <a:solidFill>
-                  <a:schemeClr val="bg1"/>
-                </a:solidFill>
-              </a:rPr>
-              <a:t>techniques.</a:t>
-            </a:r>
-            <a:endParaRPr lang="en-US" dirty="0">
               <a:solidFill>
                 <a:schemeClr val="bg1"/>
               </a:solidFill>
@@ -5607,59 +5603,82 @@
       </p:sp>
       <p:sp>
         <p:nvSpPr>
-          <p:cNvPr id="3" name="Content Placeholder 2">
-            <a:extLst>
-              <a:ext uri="{FF2B5EF4-FFF2-40B4-BE49-F238E27FC236}">
-                <a16:creationId xmlns:a16="http://schemas.microsoft.com/office/drawing/2014/main" id="{E870FD49-7022-DE44-BC47-AB21B5FCA533}"/>
-              </a:ext>
-            </a:extLst>
-          </p:cNvPr>
-          <p:cNvSpPr>
-            <a:spLocks noGrp="1"/>
-          </p:cNvSpPr>
-          <p:nvPr>
-            <p:ph idx="1"/>
-          </p:nvPr>
-        </p:nvSpPr>
-        <p:spPr/>
-        <p:txBody>
-          <a:bodyPr/>
-          <a:lstStyle/>
-          <a:p>
-            <a:pPr>
-              <a:buClr>
-                <a:schemeClr val="bg1"/>
-              </a:buClr>
-              <a:buSzPct val="100000"/>
-              <a:buFont typeface="System Font Regular"/>
-              <a:buChar char="&gt;"/>
-            </a:pPr>
-            <a:r>
-              <a:rPr lang="en-US" dirty="0">
+          <p:cNvPr id="10" name="TextBox 9">
+            <a:extLst>
+              <a:ext uri="{FF2B5EF4-FFF2-40B4-BE49-F238E27FC236}">
+                <a16:creationId xmlns:a16="http://schemas.microsoft.com/office/drawing/2014/main" id="{13DCBC5A-1319-2344-8EF0-8E87E7A2533B}"/>
+              </a:ext>
+            </a:extLst>
+          </p:cNvPr>
+          <p:cNvSpPr txBox="1"/>
+          <p:nvPr/>
+        </p:nvSpPr>
+        <p:spPr>
+          <a:xfrm>
+            <a:off x="4068842" y="3013501"/>
+            <a:ext cx="4054315" cy="830997"/>
+          </a:xfrm>
+          <a:prstGeom prst="rect">
+            <a:avLst/>
+          </a:prstGeom>
+          <a:noFill/>
+        </p:spPr>
+        <p:txBody>
+          <a:bodyPr wrap="none" rtlCol="0">
+            <a:spAutoFit/>
+          </a:bodyPr>
+          <a:lstStyle/>
+          <a:p>
+            <a:r>
+              <a:rPr lang="en-US" sz="4800" dirty="0" err="1">
                 <a:solidFill>
                   <a:schemeClr val="bg1"/>
                 </a:solidFill>
+                <a:latin typeface="Heiti SC Medium" pitchFamily="2" charset="-128"/>
+                <a:ea typeface="Heiti SC Medium" pitchFamily="2" charset="-128"/>
               </a:rPr>
-              <a:t>Is the threat models really all-round?</a:t>
-            </a:r>
-          </a:p>
-          <a:p>
-            <a:pPr lvl="1">
-              <a:buClr>
-                <a:schemeClr val="bg1"/>
-              </a:buClr>
-              <a:buSzPct val="100000"/>
-              <a:buFont typeface="Wingdings" pitchFamily="2" charset="2"/>
-              <a:buChar char="Ø"/>
-            </a:pPr>
-            <a:endParaRPr lang="en-US" dirty="0">
+              <a:t>RowHammer</a:t>
+            </a:r>
+            <a:endParaRPr sz="4800" dirty="0">
               <a:solidFill>
                 <a:schemeClr val="bg1"/>
               </a:solidFill>
+              <a:latin typeface="Heiti SC Medium" pitchFamily="2" charset="-128"/>
+              <a:ea typeface="Heiti SC Medium" pitchFamily="2" charset="-128"/>
             </a:endParaRPr>
           </a:p>
         </p:txBody>
       </p:sp>
+      <p:pic>
+        <p:nvPicPr>
+          <p:cNvPr id="8" name="Picture 7" descr="A person sitting on a couch holding a cup and a cell phone&#10;&#10;Description automatically generated with low confidence">
+            <a:extLst>
+              <a:ext uri="{FF2B5EF4-FFF2-40B4-BE49-F238E27FC236}">
+                <a16:creationId xmlns:a16="http://schemas.microsoft.com/office/drawing/2014/main" id="{4094878E-42CD-3642-8EC5-0938DF30E65D}"/>
+              </a:ext>
+            </a:extLst>
+          </p:cNvPr>
+          <p:cNvPicPr>
+            <a:picLocks noChangeAspect="1"/>
+          </p:cNvPicPr>
+          <p:nvPr/>
+        </p:nvPicPr>
+        <p:blipFill>
+          <a:blip r:embed="rId2"/>
+          <a:stretch>
+            <a:fillRect/>
+          </a:stretch>
+        </p:blipFill>
+        <p:spPr>
+          <a:xfrm>
+            <a:off x="3539792" y="1690688"/>
+            <a:ext cx="5112414" cy="3968207"/>
+          </a:xfrm>
+          <a:prstGeom prst="rect">
+            <a:avLst/>
+          </a:prstGeom>
+        </p:spPr>
+      </p:pic>
       <p:sp>
         <p:nvSpPr>
           <p:cNvPr id="4" name="Date Placeholder 3">
@@ -5774,13 +5793,83 @@
     </p:spTree>
     <p:extLst>
       <p:ext uri="{BB962C8B-B14F-4D97-AF65-F5344CB8AC3E}">
-        <p14:creationId xmlns:p14="http://schemas.microsoft.com/office/powerpoint/2010/main" val="2594831196"/>
+        <p14:creationId xmlns:p14="http://schemas.microsoft.com/office/powerpoint/2010/main" val="2999678692"/>
       </p:ext>
     </p:extLst>
   </p:cSld>
   <p:clrMapOvr>
     <a:masterClrMapping/>
   </p:clrMapOvr>
+  <p:timing>
+    <p:tnLst>
+      <p:par>
+        <p:cTn id="1" dur="indefinite" restart="never" nodeType="tmRoot">
+          <p:childTnLst>
+            <p:seq concurrent="1" nextAc="seek">
+              <p:cTn id="2" dur="indefinite" nodeType="mainSeq">
+                <p:childTnLst>
+                  <p:par>
+                    <p:cTn id="3" fill="hold">
+                      <p:stCondLst>
+                        <p:cond delay="indefinite"/>
+                      </p:stCondLst>
+                      <p:childTnLst>
+                        <p:par>
+                          <p:cTn id="4" fill="hold">
+                            <p:stCondLst>
+                              <p:cond delay="0"/>
+                            </p:stCondLst>
+                            <p:childTnLst>
+                              <p:par>
+                                <p:cTn id="5" presetID="0" presetClass="path" presetSubtype="0" accel="50000" decel="50000" fill="hold" nodeType="clickEffect">
+                                  <p:stCondLst>
+                                    <p:cond delay="0"/>
+                                  </p:stCondLst>
+                                  <p:childTnLst>
+                                    <p:animMotion origin="layout" path="M -0.00039 3.7037E-7 L -0.06367 0.00833 L 0.07721 0.0287 L -0.06133 0.07153 L 0.07018 0.10903 L -0.05755 0.16181 L 0.09102 0.24074 L -0.09935 0.3287 L 0.14167 0.43218 C 0.04427 0.48356 -0.05352 0.61875 -0.15091 0.67037 C -0.04479 0.70069 0.08112 0.94421 0.18776 0.97477 " pathEditMode="relative" rAng="0" ptsTypes="AAAAAAAAAAA">
+                                      <p:cBhvr>
+                                        <p:cTn id="6" dur="2000" fill="hold"/>
+                                        <p:tgtEl>
+                                          <p:spTgt spid="8"/>
+                                        </p:tgtEl>
+                                        <p:attrNameLst>
+                                          <p:attrName>ppt_x</p:attrName>
+                                          <p:attrName>ppt_y</p:attrName>
+                                        </p:attrNameLst>
+                                      </p:cBhvr>
+                                      <p:rCtr x="1875" y="48727"/>
+                                    </p:animMotion>
+                                  </p:childTnLst>
+                                </p:cTn>
+                              </p:par>
+                            </p:childTnLst>
+                          </p:cTn>
+                        </p:par>
+                      </p:childTnLst>
+                    </p:cTn>
+                  </p:par>
+                </p:childTnLst>
+              </p:cTn>
+              <p:prevCondLst>
+                <p:cond evt="onPrev" delay="0">
+                  <p:tgtEl>
+                    <p:sldTgt/>
+                  </p:tgtEl>
+                </p:cond>
+              </p:prevCondLst>
+              <p:nextCondLst>
+                <p:cond evt="onNext" delay="0">
+                  <p:tgtEl>
+                    <p:sldTgt/>
+                  </p:tgtEl>
+                </p:cond>
+              </p:nextCondLst>
+            </p:seq>
+          </p:childTnLst>
+        </p:cTn>
+      </p:par>
+    </p:tnLst>
+  </p:timing>
 </p:sld>
 </file>
 
@@ -5837,7 +5926,7 @@
                   <a:schemeClr val="bg1"/>
                 </a:solidFill>
               </a:rPr>
-              <a:t>DRAM Background: Organization</a:t>
+              <a:t>Risks in Our Comfort Zone</a:t>
             </a:r>
             <a:endParaRPr b="1" dirty="0">
               <a:solidFill>
@@ -5877,12 +5966,20 @@
               <a:buChar char="&gt;"/>
             </a:pPr>
             <a:r>
+              <a:rPr lang="en-US" dirty="0" err="1">
+                <a:solidFill>
+                  <a:schemeClr val="bg1"/>
+                </a:solidFill>
+              </a:rPr>
+              <a:t>RowHammer</a:t>
+            </a:r>
+            <a:r>
               <a:rPr lang="en-US" dirty="0">
                 <a:solidFill>
                   <a:schemeClr val="bg1"/>
                 </a:solidFill>
               </a:rPr>
-              <a:t>How to describe a DRAM address of a bit?</a:t>
+              <a:t> can break through most of software security mechanisms.</a:t>
             </a:r>
           </a:p>
           <a:p>
@@ -5900,8 +5997,98 @@
                   <a:schemeClr val="bg1"/>
                 </a:solidFill>
               </a:rPr>
-              <a:t>a 6-tuple of the form &lt;channel, DIMM, rank, bank, row, column&gt;</a:t>
-            </a:r>
+              <a:t>Authority control: flip authority control bits to obtain authority.</a:t>
+            </a:r>
+          </a:p>
+          <a:p>
+            <a:pPr lvl="1">
+              <a:buClr>
+                <a:schemeClr val="bg1"/>
+              </a:buClr>
+              <a:buSzPct val="100000"/>
+              <a:buFont typeface="Wingdings" pitchFamily="2" charset="2"/>
+              <a:buChar char="Ø"/>
+            </a:pPr>
+            <a:r>
+              <a:rPr lang="en-US" dirty="0">
+                <a:solidFill>
+                  <a:schemeClr val="bg1"/>
+                </a:solidFill>
+              </a:rPr>
+              <a:t>Privilege control: flip instruction bits to escalate privilege.</a:t>
+            </a:r>
+          </a:p>
+          <a:p>
+            <a:pPr lvl="1">
+              <a:buClr>
+                <a:schemeClr val="bg1"/>
+              </a:buClr>
+              <a:buSzPct val="100000"/>
+              <a:buFont typeface="Wingdings" pitchFamily="2" charset="2"/>
+              <a:buChar char="Ø"/>
+            </a:pPr>
+            <a:r>
+              <a:rPr lang="en-US" dirty="0">
+                <a:solidFill>
+                  <a:schemeClr val="bg1"/>
+                </a:solidFill>
+              </a:rPr>
+              <a:t>Process isolation</a:t>
+            </a:r>
+            <a:r>
+              <a:rPr lang="zh-CN" altLang="en-US" dirty="0">
+                <a:solidFill>
+                  <a:schemeClr val="bg1"/>
+                </a:solidFill>
+              </a:rPr>
+              <a:t> </a:t>
+            </a:r>
+            <a:r>
+              <a:rPr lang="en-US" altLang="zh-CN" dirty="0">
+                <a:solidFill>
+                  <a:schemeClr val="bg1"/>
+                </a:solidFill>
+              </a:rPr>
+              <a:t>and sandbox</a:t>
+            </a:r>
+            <a:r>
+              <a:rPr lang="en-US" dirty="0">
+                <a:solidFill>
+                  <a:schemeClr val="bg1"/>
+                </a:solidFill>
+              </a:rPr>
+              <a:t>: easily corrupt process in adjacent rows by bit flips.</a:t>
+            </a:r>
+          </a:p>
+          <a:p>
+            <a:pPr lvl="1">
+              <a:buClr>
+                <a:schemeClr val="bg1"/>
+              </a:buClr>
+              <a:buSzPct val="100000"/>
+              <a:buFont typeface="Wingdings" pitchFamily="2" charset="2"/>
+              <a:buChar char="Ø"/>
+            </a:pPr>
+            <a:r>
+              <a:rPr lang="en-US" dirty="0">
+                <a:solidFill>
+                  <a:schemeClr val="bg1"/>
+                </a:solidFill>
+              </a:rPr>
+              <a:t>Digital signature and cryptosystems: flip bits in public key to factorize it easily and get the private key.</a:t>
+            </a:r>
+            <a:br>
+              <a:rPr lang="en-US" dirty="0">
+                <a:solidFill>
+                  <a:schemeClr val="bg1"/>
+                </a:solidFill>
+              </a:rPr>
+            </a:br>
+            <a:endParaRPr lang="en-US" dirty="0">
+              <a:solidFill>
+                <a:schemeClr val="bg1"/>
+              </a:solidFill>
+            </a:endParaRPr>
           </a:p>
           <a:p>
             <a:pPr>
@@ -5912,6 +6099,23 @@
               <a:buFont typeface="System Font Regular"/>
               <a:buChar char="&gt;"/>
             </a:pPr>
+            <a:r>
+              <a:rPr lang="en-US" dirty="0">
+                <a:solidFill>
+                  <a:schemeClr val="bg1"/>
+                </a:solidFill>
+              </a:rPr>
+              <a:t>No comfort zone now, so get up and go to work </a:t>
+            </a:r>
+            <a:r>
+              <a:rPr lang="en-US" dirty="0">
+                <a:solidFill>
+                  <a:schemeClr val="bg1"/>
+                </a:solidFill>
+                <a:sym typeface="Wingdings" pitchFamily="2" charset="2"/>
+              </a:rPr>
+              <a:t>:-)</a:t>
+            </a:r>
             <a:endParaRPr lang="en-US" dirty="0">
               <a:solidFill>
                 <a:schemeClr val="bg1"/>
@@ -6034,7 +6238,7 @@
     </p:spTree>
     <p:extLst>
       <p:ext uri="{BB962C8B-B14F-4D97-AF65-F5344CB8AC3E}">
-        <p14:creationId xmlns:p14="http://schemas.microsoft.com/office/powerpoint/2010/main" val="1705034234"/>
+        <p14:creationId xmlns:p14="http://schemas.microsoft.com/office/powerpoint/2010/main" val="2594831196"/>
       </p:ext>
     </p:extLst>
   </p:cSld>
@@ -6282,6 +6486,266 @@
                 </a:solidFill>
               </a:rPr>
               <a:t>7</a:t>
+            </a:fld>
+            <a:endParaRPr lang="en-CN" dirty="0">
+              <a:solidFill>
+                <a:schemeClr val="bg1"/>
+              </a:solidFill>
+            </a:endParaRPr>
+          </a:p>
+        </p:txBody>
+      </p:sp>
+    </p:spTree>
+    <p:extLst>
+      <p:ext uri="{BB962C8B-B14F-4D97-AF65-F5344CB8AC3E}">
+        <p14:creationId xmlns:p14="http://schemas.microsoft.com/office/powerpoint/2010/main" val="1705034234"/>
+      </p:ext>
+    </p:extLst>
+  </p:cSld>
+  <p:clrMapOvr>
+    <a:masterClrMapping/>
+  </p:clrMapOvr>
+</p:sld>
+</file>
+
+<file path=ppt/slides/slide8.xml><?xml version="1.0" encoding="utf-8"?>
+<p:sld xmlns:a="http://schemas.openxmlformats.org/drawingml/2006/main" xmlns:r="http://schemas.openxmlformats.org/officeDocument/2006/relationships" xmlns:p="http://schemas.openxmlformats.org/presentationml/2006/main">
+  <p:cSld>
+    <p:bg>
+      <p:bgPr>
+        <a:solidFill>
+          <a:schemeClr val="tx1"/>
+        </a:solidFill>
+        <a:effectLst/>
+      </p:bgPr>
+    </p:bg>
+    <p:spTree>
+      <p:nvGrpSpPr>
+        <p:cNvPr id="1" name=""/>
+        <p:cNvGrpSpPr/>
+        <p:nvPr/>
+      </p:nvGrpSpPr>
+      <p:grpSpPr>
+        <a:xfrm>
+          <a:off x="0" y="0"/>
+          <a:ext cx="0" cy="0"/>
+          <a:chOff x="0" y="0"/>
+          <a:chExt cx="0" cy="0"/>
+        </a:xfrm>
+      </p:grpSpPr>
+      <p:sp>
+        <p:nvSpPr>
+          <p:cNvPr id="2" name="Title 1">
+            <a:extLst>
+              <a:ext uri="{FF2B5EF4-FFF2-40B4-BE49-F238E27FC236}">
+                <a16:creationId xmlns:a16="http://schemas.microsoft.com/office/drawing/2014/main" id="{1E677DB8-E1E5-794A-88C5-4BABA330C591}"/>
+              </a:ext>
+            </a:extLst>
+          </p:cNvPr>
+          <p:cNvSpPr>
+            <a:spLocks noGrp="1"/>
+          </p:cNvSpPr>
+          <p:nvPr>
+            <p:ph type="title"/>
+          </p:nvPr>
+        </p:nvSpPr>
+        <p:spPr/>
+        <p:txBody>
+          <a:bodyPr/>
+          <a:lstStyle/>
+          <a:p>
+            <a:pPr algn="ctr"/>
+            <a:r>
+              <a:rPr lang="en-CN" b="1" dirty="0">
+                <a:solidFill>
+                  <a:schemeClr val="bg1"/>
+                </a:solidFill>
+              </a:rPr>
+              <a:t>DRAM Background: Organization</a:t>
+            </a:r>
+            <a:endParaRPr b="1" dirty="0">
+              <a:solidFill>
+                <a:schemeClr val="bg1"/>
+              </a:solidFill>
+            </a:endParaRPr>
+          </a:p>
+        </p:txBody>
+      </p:sp>
+      <p:sp>
+        <p:nvSpPr>
+          <p:cNvPr id="3" name="Content Placeholder 2">
+            <a:extLst>
+              <a:ext uri="{FF2B5EF4-FFF2-40B4-BE49-F238E27FC236}">
+                <a16:creationId xmlns:a16="http://schemas.microsoft.com/office/drawing/2014/main" id="{E870FD49-7022-DE44-BC47-AB21B5FCA533}"/>
+              </a:ext>
+            </a:extLst>
+          </p:cNvPr>
+          <p:cNvSpPr>
+            <a:spLocks noGrp="1"/>
+          </p:cNvSpPr>
+          <p:nvPr>
+            <p:ph idx="1"/>
+          </p:nvPr>
+        </p:nvSpPr>
+        <p:spPr/>
+        <p:txBody>
+          <a:bodyPr/>
+          <a:lstStyle/>
+          <a:p>
+            <a:pPr>
+              <a:buClr>
+                <a:schemeClr val="bg1"/>
+              </a:buClr>
+              <a:buSzPct val="100000"/>
+              <a:buFont typeface="System Font Regular"/>
+              <a:buChar char="&gt;"/>
+            </a:pPr>
+            <a:r>
+              <a:rPr lang="en-US" dirty="0">
+                <a:solidFill>
+                  <a:schemeClr val="bg1"/>
+                </a:solidFill>
+              </a:rPr>
+              <a:t>How to describe a DRAM address of a bit?</a:t>
+            </a:r>
+          </a:p>
+          <a:p>
+            <a:pPr lvl="1">
+              <a:buClr>
+                <a:schemeClr val="bg1"/>
+              </a:buClr>
+              <a:buSzPct val="100000"/>
+              <a:buFont typeface="Wingdings" pitchFamily="2" charset="2"/>
+              <a:buChar char="Ø"/>
+            </a:pPr>
+            <a:r>
+              <a:rPr lang="en-US" dirty="0">
+                <a:solidFill>
+                  <a:schemeClr val="bg1"/>
+                </a:solidFill>
+              </a:rPr>
+              <a:t>a 6-tuple of the form &lt;channel, DIMM, rank, bank, row, column&gt;</a:t>
+            </a:r>
+          </a:p>
+          <a:p>
+            <a:pPr>
+              <a:buClr>
+                <a:schemeClr val="bg1"/>
+              </a:buClr>
+              <a:buSzPct val="100000"/>
+              <a:buFont typeface="System Font Regular"/>
+              <a:buChar char="&gt;"/>
+            </a:pPr>
+            <a:endParaRPr lang="en-US" dirty="0">
+              <a:solidFill>
+                <a:schemeClr val="bg1"/>
+              </a:solidFill>
+            </a:endParaRPr>
+          </a:p>
+        </p:txBody>
+      </p:sp>
+      <p:sp>
+        <p:nvSpPr>
+          <p:cNvPr id="4" name="Date Placeholder 3">
+            <a:extLst>
+              <a:ext uri="{FF2B5EF4-FFF2-40B4-BE49-F238E27FC236}">
+                <a16:creationId xmlns:a16="http://schemas.microsoft.com/office/drawing/2014/main" id="{D94934F8-B110-3C44-AE95-87FA7846C571}"/>
+              </a:ext>
+            </a:extLst>
+          </p:cNvPr>
+          <p:cNvSpPr>
+            <a:spLocks noGrp="1"/>
+          </p:cNvSpPr>
+          <p:nvPr>
+            <p:ph type="dt" sz="half" idx="10"/>
+          </p:nvPr>
+        </p:nvSpPr>
+        <p:spPr/>
+        <p:txBody>
+          <a:bodyPr/>
+          <a:lstStyle/>
+          <a:p>
+            <a:fld id="{D845548B-896B-4443-A799-EFD372AE4086}" type="datetime1">
+              <a:rPr lang="en-US" smtClean="0">
+                <a:solidFill>
+                  <a:schemeClr val="bg1"/>
+                </a:solidFill>
+              </a:rPr>
+              <a:t>12/20/20</a:t>
+            </a:fld>
+            <a:endParaRPr lang="en-CN" dirty="0">
+              <a:solidFill>
+                <a:schemeClr val="bg1"/>
+              </a:solidFill>
+            </a:endParaRPr>
+          </a:p>
+        </p:txBody>
+      </p:sp>
+      <p:sp>
+        <p:nvSpPr>
+          <p:cNvPr id="5" name="Footer Placeholder 4">
+            <a:extLst>
+              <a:ext uri="{FF2B5EF4-FFF2-40B4-BE49-F238E27FC236}">
+                <a16:creationId xmlns:a16="http://schemas.microsoft.com/office/drawing/2014/main" id="{809AF835-7846-924F-950D-492C801472AC}"/>
+              </a:ext>
+            </a:extLst>
+          </p:cNvPr>
+          <p:cNvSpPr>
+            <a:spLocks noGrp="1"/>
+          </p:cNvSpPr>
+          <p:nvPr>
+            <p:ph type="ftr" sz="quarter" idx="11"/>
+          </p:nvPr>
+        </p:nvSpPr>
+        <p:spPr/>
+        <p:txBody>
+          <a:bodyPr/>
+          <a:lstStyle/>
+          <a:p>
+            <a:r>
+              <a:rPr lang="en-US" dirty="0">
+                <a:solidFill>
+                  <a:schemeClr val="bg1"/>
+                </a:solidFill>
+              </a:rPr>
+              <a:t>CARAS Lab</a:t>
+            </a:r>
+            <a:endParaRPr lang="en-CN" dirty="0">
+              <a:solidFill>
+                <a:schemeClr val="bg1"/>
+              </a:solidFill>
+            </a:endParaRPr>
+          </a:p>
+        </p:txBody>
+      </p:sp>
+      <p:sp>
+        <p:nvSpPr>
+          <p:cNvPr id="6" name="Slide Number Placeholder 5">
+            <a:extLst>
+              <a:ext uri="{FF2B5EF4-FFF2-40B4-BE49-F238E27FC236}">
+                <a16:creationId xmlns:a16="http://schemas.microsoft.com/office/drawing/2014/main" id="{5B5F2698-1CAD-CA4D-BFCC-FD50373115BB}"/>
+              </a:ext>
+            </a:extLst>
+          </p:cNvPr>
+          <p:cNvSpPr>
+            <a:spLocks noGrp="1"/>
+          </p:cNvSpPr>
+          <p:nvPr>
+            <p:ph type="sldNum" sz="quarter" idx="12"/>
+          </p:nvPr>
+        </p:nvSpPr>
+        <p:spPr/>
+        <p:txBody>
+          <a:bodyPr/>
+          <a:lstStyle/>
+          <a:p>
+            <a:fld id="{5996DFBF-FD8F-6F45-AB3E-FF7BF960061F}" type="slidenum">
+              <a:rPr lang="en-CN" smtClean="0">
+                <a:solidFill>
+                  <a:schemeClr val="bg1"/>
+                </a:solidFill>
+              </a:rPr>
+              <a:t>8</a:t>
             </a:fld>
             <a:endParaRPr lang="en-CN" dirty="0">
               <a:solidFill>

--- a/summary1.pptx
+++ b/summary1.pptx
@@ -1,24 +1,34 @@
 
 <file path=ppt/presentation.xml><?xml version="1.0" encoding="utf-8"?>
-<p:presentation xmlns:a="http://schemas.openxmlformats.org/drawingml/2006/main" xmlns:r="http://schemas.openxmlformats.org/officeDocument/2006/relationships" xmlns:p="http://schemas.openxmlformats.org/presentationml/2006/main" showSpecialPlsOnTitleSld="0" saveSubsetFonts="1" autoCompressPictures="0">
+<p:presentation xmlns:a="http://schemas.openxmlformats.org/drawingml/2006/main" xmlns:r="http://schemas.openxmlformats.org/officeDocument/2006/relationships" xmlns:p="http://schemas.openxmlformats.org/presentationml/2006/main" saveSubsetFonts="1" autoCompressPictures="0">
   <p:sldMasterIdLst>
     <p:sldMasterId id="2147483648" r:id="rId1"/>
   </p:sldMasterIdLst>
   <p:notesMasterIdLst>
-    <p:notesMasterId r:id="rId10"/>
+    <p:notesMasterId r:id="rId20"/>
   </p:notesMasterIdLst>
   <p:handoutMasterIdLst>
-    <p:handoutMasterId r:id="rId11"/>
+    <p:handoutMasterId r:id="rId21"/>
   </p:handoutMasterIdLst>
   <p:sldIdLst>
     <p:sldId id="256" r:id="rId2"/>
     <p:sldId id="257" r:id="rId3"/>
-    <p:sldId id="260" r:id="rId4"/>
-    <p:sldId id="261" r:id="rId5"/>
-    <p:sldId id="263" r:id="rId6"/>
-    <p:sldId id="262" r:id="rId7"/>
-    <p:sldId id="258" r:id="rId8"/>
-    <p:sldId id="259" r:id="rId9"/>
+    <p:sldId id="264" r:id="rId4"/>
+    <p:sldId id="260" r:id="rId5"/>
+    <p:sldId id="261" r:id="rId6"/>
+    <p:sldId id="263" r:id="rId7"/>
+    <p:sldId id="262" r:id="rId8"/>
+    <p:sldId id="265" r:id="rId9"/>
+    <p:sldId id="258" r:id="rId10"/>
+    <p:sldId id="259" r:id="rId11"/>
+    <p:sldId id="267" r:id="rId12"/>
+    <p:sldId id="268" r:id="rId13"/>
+    <p:sldId id="269" r:id="rId14"/>
+    <p:sldId id="271" r:id="rId15"/>
+    <p:sldId id="270" r:id="rId16"/>
+    <p:sldId id="272" r:id="rId17"/>
+    <p:sldId id="273" r:id="rId18"/>
+    <p:sldId id="266" r:id="rId19"/>
   </p:sldIdLst>
   <p:sldSz cx="12192000" cy="6858000"/>
   <p:notesSz cx="6858000" cy="9144000"/>
@@ -117,6 +127,11 @@
       </a:defRPr>
     </a:lvl9pPr>
   </p:defaultTextStyle>
+  <p:extLst>
+    <p:ext uri="{EFAFB233-063F-42B5-8137-9DF3F51BA10A}">
+      <p15:sldGuideLst xmlns:p15="http://schemas.microsoft.com/office/powerpoint/2012/main"/>
+    </p:ext>
+  </p:extLst>
 </p:presentation>
 </file>
 
@@ -721,6 +736,67 @@
     <p:extLst>
       <p:ext uri="{BB962C8B-B14F-4D97-AF65-F5344CB8AC3E}">
         <p14:creationId xmlns:p14="http://schemas.microsoft.com/office/powerpoint/2010/main" val="1530626416"/>
+      </p:ext>
+    </p:extLst>
+  </p:cSld>
+  <p:clrMapOvr>
+    <a:masterClrMapping/>
+  </p:clrMapOvr>
+</p:notes>
+</file>
+
+<file path=ppt/notesSlides/notesSlide2.xml><?xml version="1.0" encoding="utf-8"?>
+<p:notes xmlns:a="http://schemas.openxmlformats.org/drawingml/2006/main" xmlns:r="http://schemas.openxmlformats.org/officeDocument/2006/relationships" xmlns:p="http://schemas.openxmlformats.org/presentationml/2006/main">
+  <p:cSld>
+    <p:spTree>
+      <p:nvGrpSpPr>
+        <p:cNvPr id="1" name=""/>
+        <p:cNvGrpSpPr/>
+        <p:nvPr/>
+      </p:nvGrpSpPr>
+      <p:grpSpPr>
+        <a:xfrm>
+          <a:off x="0" y="0"/>
+          <a:ext cx="0" cy="0"/>
+          <a:chOff x="0" y="0"/>
+          <a:chExt cx="0" cy="0"/>
+        </a:xfrm>
+      </p:grpSpPr>
+      <p:sp>
+        <p:nvSpPr>
+          <p:cNvPr id="2" name="Slide Image Placeholder 1"/>
+          <p:cNvSpPr>
+            <a:spLocks noGrp="1" noRot="1" noChangeAspect="1"/>
+          </p:cNvSpPr>
+          <p:nvPr>
+            <p:ph type="sldImg"/>
+          </p:nvPr>
+        </p:nvSpPr>
+        <p:spPr/>
+      </p:sp>
+      <p:sp>
+        <p:nvSpPr>
+          <p:cNvPr id="3" name="Notes Placeholder 2"/>
+          <p:cNvSpPr>
+            <a:spLocks noGrp="1"/>
+          </p:cNvSpPr>
+          <p:nvPr>
+            <p:ph type="body" idx="1"/>
+          </p:nvPr>
+        </p:nvSpPr>
+        <p:spPr/>
+        <p:txBody>
+          <a:bodyPr/>
+          <a:lstStyle/>
+          <a:p>
+            <a:endParaRPr dirty="0"/>
+          </a:p>
+        </p:txBody>
+      </p:sp>
+    </p:spTree>
+    <p:extLst>
+      <p:ext uri="{BB962C8B-B14F-4D97-AF65-F5344CB8AC3E}">
+        <p14:creationId xmlns:p14="http://schemas.microsoft.com/office/powerpoint/2010/main" val="3529115646"/>
       </p:ext>
     </p:extLst>
   </p:cSld>
@@ -4520,6 +4596,3348 @@
 </p:sld>
 </file>
 
+<file path=ppt/slides/slide10.xml><?xml version="1.0" encoding="utf-8"?>
+<p:sld xmlns:a="http://schemas.openxmlformats.org/drawingml/2006/main" xmlns:r="http://schemas.openxmlformats.org/officeDocument/2006/relationships" xmlns:p="http://schemas.openxmlformats.org/presentationml/2006/main">
+  <p:cSld>
+    <p:bg>
+      <p:bgPr>
+        <a:solidFill>
+          <a:schemeClr val="tx1"/>
+        </a:solidFill>
+        <a:effectLst/>
+      </p:bgPr>
+    </p:bg>
+    <p:spTree>
+      <p:nvGrpSpPr>
+        <p:cNvPr id="1" name=""/>
+        <p:cNvGrpSpPr/>
+        <p:nvPr/>
+      </p:nvGrpSpPr>
+      <p:grpSpPr>
+        <a:xfrm>
+          <a:off x="0" y="0"/>
+          <a:ext cx="0" cy="0"/>
+          <a:chOff x="0" y="0"/>
+          <a:chExt cx="0" cy="0"/>
+        </a:xfrm>
+      </p:grpSpPr>
+      <p:sp>
+        <p:nvSpPr>
+          <p:cNvPr id="2" name="Title 1">
+            <a:extLst>
+              <a:ext uri="{FF2B5EF4-FFF2-40B4-BE49-F238E27FC236}">
+                <a16:creationId xmlns:a16="http://schemas.microsoft.com/office/drawing/2014/main" id="{1E677DB8-E1E5-794A-88C5-4BABA330C591}"/>
+              </a:ext>
+            </a:extLst>
+          </p:cNvPr>
+          <p:cNvSpPr>
+            <a:spLocks noGrp="1"/>
+          </p:cNvSpPr>
+          <p:nvPr>
+            <p:ph type="title"/>
+          </p:nvPr>
+        </p:nvSpPr>
+        <p:spPr/>
+        <p:txBody>
+          <a:bodyPr/>
+          <a:lstStyle/>
+          <a:p>
+            <a:pPr algn="ctr"/>
+            <a:r>
+              <a:rPr lang="en-CN" b="1" dirty="0">
+                <a:solidFill>
+                  <a:schemeClr val="bg1"/>
+                </a:solidFill>
+              </a:rPr>
+              <a:t>DRAM Background: Organization</a:t>
+            </a:r>
+            <a:endParaRPr b="1" dirty="0">
+              <a:solidFill>
+                <a:schemeClr val="bg1"/>
+              </a:solidFill>
+            </a:endParaRPr>
+          </a:p>
+        </p:txBody>
+      </p:sp>
+      <p:sp>
+        <p:nvSpPr>
+          <p:cNvPr id="3" name="Content Placeholder 2">
+            <a:extLst>
+              <a:ext uri="{FF2B5EF4-FFF2-40B4-BE49-F238E27FC236}">
+                <a16:creationId xmlns:a16="http://schemas.microsoft.com/office/drawing/2014/main" id="{E870FD49-7022-DE44-BC47-AB21B5FCA533}"/>
+              </a:ext>
+            </a:extLst>
+          </p:cNvPr>
+          <p:cNvSpPr>
+            <a:spLocks noGrp="1"/>
+          </p:cNvSpPr>
+          <p:nvPr>
+            <p:ph idx="1"/>
+          </p:nvPr>
+        </p:nvSpPr>
+        <p:spPr/>
+        <p:txBody>
+          <a:bodyPr/>
+          <a:lstStyle/>
+          <a:p>
+            <a:pPr>
+              <a:buClr>
+                <a:schemeClr val="bg1"/>
+              </a:buClr>
+              <a:buSzPct val="100000"/>
+              <a:buFont typeface="System Font Regular"/>
+              <a:buChar char="&gt;"/>
+            </a:pPr>
+            <a:r>
+              <a:rPr lang="en-US" dirty="0">
+                <a:solidFill>
+                  <a:schemeClr val="bg1"/>
+                </a:solidFill>
+              </a:rPr>
+              <a:t>Take a closer look to the cells.</a:t>
+            </a:r>
+          </a:p>
+          <a:p>
+            <a:pPr>
+              <a:buClr>
+                <a:schemeClr val="bg1"/>
+              </a:buClr>
+              <a:buSzPct val="100000"/>
+              <a:buFont typeface="System Font Regular"/>
+              <a:buChar char="&gt;"/>
+            </a:pPr>
+            <a:endParaRPr lang="en-US" dirty="0">
+              <a:solidFill>
+                <a:schemeClr val="bg1"/>
+              </a:solidFill>
+            </a:endParaRPr>
+          </a:p>
+        </p:txBody>
+      </p:sp>
+      <p:sp>
+        <p:nvSpPr>
+          <p:cNvPr id="4" name="Date Placeholder 3">
+            <a:extLst>
+              <a:ext uri="{FF2B5EF4-FFF2-40B4-BE49-F238E27FC236}">
+                <a16:creationId xmlns:a16="http://schemas.microsoft.com/office/drawing/2014/main" id="{D94934F8-B110-3C44-AE95-87FA7846C571}"/>
+              </a:ext>
+            </a:extLst>
+          </p:cNvPr>
+          <p:cNvSpPr>
+            <a:spLocks noGrp="1"/>
+          </p:cNvSpPr>
+          <p:nvPr>
+            <p:ph type="dt" sz="half" idx="10"/>
+          </p:nvPr>
+        </p:nvSpPr>
+        <p:spPr/>
+        <p:txBody>
+          <a:bodyPr/>
+          <a:lstStyle/>
+          <a:p>
+            <a:fld id="{D845548B-896B-4443-A799-EFD372AE4086}" type="datetime1">
+              <a:rPr lang="en-US" smtClean="0">
+                <a:solidFill>
+                  <a:schemeClr val="bg1"/>
+                </a:solidFill>
+              </a:rPr>
+              <a:t>12/20/20</a:t>
+            </a:fld>
+            <a:endParaRPr lang="en-CN" dirty="0">
+              <a:solidFill>
+                <a:schemeClr val="bg1"/>
+              </a:solidFill>
+            </a:endParaRPr>
+          </a:p>
+        </p:txBody>
+      </p:sp>
+      <p:sp>
+        <p:nvSpPr>
+          <p:cNvPr id="5" name="Footer Placeholder 4">
+            <a:extLst>
+              <a:ext uri="{FF2B5EF4-FFF2-40B4-BE49-F238E27FC236}">
+                <a16:creationId xmlns:a16="http://schemas.microsoft.com/office/drawing/2014/main" id="{809AF835-7846-924F-950D-492C801472AC}"/>
+              </a:ext>
+            </a:extLst>
+          </p:cNvPr>
+          <p:cNvSpPr>
+            <a:spLocks noGrp="1"/>
+          </p:cNvSpPr>
+          <p:nvPr>
+            <p:ph type="ftr" sz="quarter" idx="11"/>
+          </p:nvPr>
+        </p:nvSpPr>
+        <p:spPr/>
+        <p:txBody>
+          <a:bodyPr/>
+          <a:lstStyle/>
+          <a:p>
+            <a:r>
+              <a:rPr lang="en-US" dirty="0">
+                <a:solidFill>
+                  <a:schemeClr val="bg1"/>
+                </a:solidFill>
+              </a:rPr>
+              <a:t>CARAS Lab</a:t>
+            </a:r>
+            <a:endParaRPr lang="en-CN" dirty="0">
+              <a:solidFill>
+                <a:schemeClr val="bg1"/>
+              </a:solidFill>
+            </a:endParaRPr>
+          </a:p>
+        </p:txBody>
+      </p:sp>
+      <p:sp>
+        <p:nvSpPr>
+          <p:cNvPr id="6" name="Slide Number Placeholder 5">
+            <a:extLst>
+              <a:ext uri="{FF2B5EF4-FFF2-40B4-BE49-F238E27FC236}">
+                <a16:creationId xmlns:a16="http://schemas.microsoft.com/office/drawing/2014/main" id="{5B5F2698-1CAD-CA4D-BFCC-FD50373115BB}"/>
+              </a:ext>
+            </a:extLst>
+          </p:cNvPr>
+          <p:cNvSpPr>
+            <a:spLocks noGrp="1"/>
+          </p:cNvSpPr>
+          <p:nvPr>
+            <p:ph type="sldNum" sz="quarter" idx="12"/>
+          </p:nvPr>
+        </p:nvSpPr>
+        <p:spPr/>
+        <p:txBody>
+          <a:bodyPr/>
+          <a:lstStyle/>
+          <a:p>
+            <a:fld id="{5996DFBF-FD8F-6F45-AB3E-FF7BF960061F}" type="slidenum">
+              <a:rPr lang="en-CN" smtClean="0">
+                <a:solidFill>
+                  <a:schemeClr val="bg1"/>
+                </a:solidFill>
+              </a:rPr>
+              <a:t>10</a:t>
+            </a:fld>
+            <a:endParaRPr lang="en-CN" dirty="0">
+              <a:solidFill>
+                <a:schemeClr val="bg1"/>
+              </a:solidFill>
+            </a:endParaRPr>
+          </a:p>
+        </p:txBody>
+      </p:sp>
+      <p:pic>
+        <p:nvPicPr>
+          <p:cNvPr id="8" name="Picture 7" descr="Diagram&#10;&#10;Description automatically generated">
+            <a:extLst>
+              <a:ext uri="{FF2B5EF4-FFF2-40B4-BE49-F238E27FC236}">
+                <a16:creationId xmlns:a16="http://schemas.microsoft.com/office/drawing/2014/main" id="{A1DB4534-E8B3-2C48-B7DC-055BDAD79347}"/>
+              </a:ext>
+            </a:extLst>
+          </p:cNvPr>
+          <p:cNvPicPr>
+            <a:picLocks noChangeAspect="1"/>
+          </p:cNvPicPr>
+          <p:nvPr/>
+        </p:nvPicPr>
+        <p:blipFill>
+          <a:blip r:embed="rId2"/>
+          <a:stretch>
+            <a:fillRect/>
+          </a:stretch>
+        </p:blipFill>
+        <p:spPr>
+          <a:xfrm>
+            <a:off x="3081517" y="2764971"/>
+            <a:ext cx="6028966" cy="2960914"/>
+          </a:xfrm>
+          <a:prstGeom prst="rect">
+            <a:avLst/>
+          </a:prstGeom>
+        </p:spPr>
+      </p:pic>
+    </p:spTree>
+    <p:extLst>
+      <p:ext uri="{BB962C8B-B14F-4D97-AF65-F5344CB8AC3E}">
+        <p14:creationId xmlns:p14="http://schemas.microsoft.com/office/powerpoint/2010/main" val="2891233841"/>
+      </p:ext>
+    </p:extLst>
+  </p:cSld>
+  <p:clrMapOvr>
+    <a:masterClrMapping/>
+  </p:clrMapOvr>
+</p:sld>
+</file>
+
+<file path=ppt/slides/slide11.xml><?xml version="1.0" encoding="utf-8"?>
+<p:sld xmlns:a="http://schemas.openxmlformats.org/drawingml/2006/main" xmlns:r="http://schemas.openxmlformats.org/officeDocument/2006/relationships" xmlns:p="http://schemas.openxmlformats.org/presentationml/2006/main">
+  <p:cSld>
+    <p:bg>
+      <p:bgPr>
+        <a:solidFill>
+          <a:schemeClr val="tx1"/>
+        </a:solidFill>
+        <a:effectLst/>
+      </p:bgPr>
+    </p:bg>
+    <p:spTree>
+      <p:nvGrpSpPr>
+        <p:cNvPr id="1" name=""/>
+        <p:cNvGrpSpPr/>
+        <p:nvPr/>
+      </p:nvGrpSpPr>
+      <p:grpSpPr>
+        <a:xfrm>
+          <a:off x="0" y="0"/>
+          <a:ext cx="0" cy="0"/>
+          <a:chOff x="0" y="0"/>
+          <a:chExt cx="0" cy="0"/>
+        </a:xfrm>
+      </p:grpSpPr>
+      <p:sp>
+        <p:nvSpPr>
+          <p:cNvPr id="2" name="Title 1">
+            <a:extLst>
+              <a:ext uri="{FF2B5EF4-FFF2-40B4-BE49-F238E27FC236}">
+                <a16:creationId xmlns:a16="http://schemas.microsoft.com/office/drawing/2014/main" id="{1E677DB8-E1E5-794A-88C5-4BABA330C591}"/>
+              </a:ext>
+            </a:extLst>
+          </p:cNvPr>
+          <p:cNvSpPr>
+            <a:spLocks noGrp="1"/>
+          </p:cNvSpPr>
+          <p:nvPr>
+            <p:ph type="title"/>
+          </p:nvPr>
+        </p:nvSpPr>
+        <p:spPr/>
+        <p:txBody>
+          <a:bodyPr/>
+          <a:lstStyle/>
+          <a:p>
+            <a:pPr algn="ctr"/>
+            <a:r>
+              <a:rPr lang="en-CN" b="1" dirty="0">
+                <a:solidFill>
+                  <a:schemeClr val="bg1"/>
+                </a:solidFill>
+              </a:rPr>
+              <a:t>DRAM Background: Operation</a:t>
+            </a:r>
+            <a:endParaRPr b="1" dirty="0">
+              <a:solidFill>
+                <a:schemeClr val="bg1"/>
+              </a:solidFill>
+            </a:endParaRPr>
+          </a:p>
+        </p:txBody>
+      </p:sp>
+      <p:sp>
+        <p:nvSpPr>
+          <p:cNvPr id="3" name="Content Placeholder 2">
+            <a:extLst>
+              <a:ext uri="{FF2B5EF4-FFF2-40B4-BE49-F238E27FC236}">
+                <a16:creationId xmlns:a16="http://schemas.microsoft.com/office/drawing/2014/main" id="{E870FD49-7022-DE44-BC47-AB21B5FCA533}"/>
+              </a:ext>
+            </a:extLst>
+          </p:cNvPr>
+          <p:cNvSpPr>
+            <a:spLocks noGrp="1"/>
+          </p:cNvSpPr>
+          <p:nvPr>
+            <p:ph idx="1"/>
+          </p:nvPr>
+        </p:nvSpPr>
+        <p:spPr/>
+        <p:txBody>
+          <a:bodyPr/>
+          <a:lstStyle/>
+          <a:p>
+            <a:pPr>
+              <a:buClr>
+                <a:schemeClr val="bg1"/>
+              </a:buClr>
+              <a:buSzPct val="100000"/>
+              <a:buFont typeface="System Font Regular"/>
+              <a:buChar char="&gt;"/>
+            </a:pPr>
+            <a:r>
+              <a:rPr lang="en-US" dirty="0">
+                <a:solidFill>
+                  <a:schemeClr val="bg1"/>
+                </a:solidFill>
+              </a:rPr>
+              <a:t>Activation, restoration and </a:t>
+            </a:r>
+            <a:r>
+              <a:rPr lang="en-US" dirty="0" err="1">
+                <a:solidFill>
+                  <a:schemeClr val="bg1"/>
+                </a:solidFill>
+              </a:rPr>
+              <a:t>precharge</a:t>
+            </a:r>
+            <a:r>
+              <a:rPr lang="en-US" dirty="0">
+                <a:solidFill>
+                  <a:schemeClr val="bg1"/>
+                </a:solidFill>
+              </a:rPr>
+              <a:t>.</a:t>
+            </a:r>
+          </a:p>
+        </p:txBody>
+      </p:sp>
+      <p:sp>
+        <p:nvSpPr>
+          <p:cNvPr id="4" name="Date Placeholder 3">
+            <a:extLst>
+              <a:ext uri="{FF2B5EF4-FFF2-40B4-BE49-F238E27FC236}">
+                <a16:creationId xmlns:a16="http://schemas.microsoft.com/office/drawing/2014/main" id="{D94934F8-B110-3C44-AE95-87FA7846C571}"/>
+              </a:ext>
+            </a:extLst>
+          </p:cNvPr>
+          <p:cNvSpPr>
+            <a:spLocks noGrp="1"/>
+          </p:cNvSpPr>
+          <p:nvPr>
+            <p:ph type="dt" sz="half" idx="10"/>
+          </p:nvPr>
+        </p:nvSpPr>
+        <p:spPr/>
+        <p:txBody>
+          <a:bodyPr/>
+          <a:lstStyle/>
+          <a:p>
+            <a:fld id="{D845548B-896B-4443-A799-EFD372AE4086}" type="datetime1">
+              <a:rPr lang="en-US" smtClean="0">
+                <a:solidFill>
+                  <a:schemeClr val="bg1"/>
+                </a:solidFill>
+              </a:rPr>
+              <a:t>12/20/20</a:t>
+            </a:fld>
+            <a:endParaRPr lang="en-CN" dirty="0">
+              <a:solidFill>
+                <a:schemeClr val="bg1"/>
+              </a:solidFill>
+            </a:endParaRPr>
+          </a:p>
+        </p:txBody>
+      </p:sp>
+      <p:sp>
+        <p:nvSpPr>
+          <p:cNvPr id="5" name="Footer Placeholder 4">
+            <a:extLst>
+              <a:ext uri="{FF2B5EF4-FFF2-40B4-BE49-F238E27FC236}">
+                <a16:creationId xmlns:a16="http://schemas.microsoft.com/office/drawing/2014/main" id="{809AF835-7846-924F-950D-492C801472AC}"/>
+              </a:ext>
+            </a:extLst>
+          </p:cNvPr>
+          <p:cNvSpPr>
+            <a:spLocks noGrp="1"/>
+          </p:cNvSpPr>
+          <p:nvPr>
+            <p:ph type="ftr" sz="quarter" idx="11"/>
+          </p:nvPr>
+        </p:nvSpPr>
+        <p:spPr/>
+        <p:txBody>
+          <a:bodyPr/>
+          <a:lstStyle/>
+          <a:p>
+            <a:r>
+              <a:rPr lang="en-US" dirty="0">
+                <a:solidFill>
+                  <a:schemeClr val="bg1"/>
+                </a:solidFill>
+              </a:rPr>
+              <a:t>CARAS Lab</a:t>
+            </a:r>
+            <a:endParaRPr lang="en-CN" dirty="0">
+              <a:solidFill>
+                <a:schemeClr val="bg1"/>
+              </a:solidFill>
+            </a:endParaRPr>
+          </a:p>
+        </p:txBody>
+      </p:sp>
+      <p:sp>
+        <p:nvSpPr>
+          <p:cNvPr id="6" name="Slide Number Placeholder 5">
+            <a:extLst>
+              <a:ext uri="{FF2B5EF4-FFF2-40B4-BE49-F238E27FC236}">
+                <a16:creationId xmlns:a16="http://schemas.microsoft.com/office/drawing/2014/main" id="{5B5F2698-1CAD-CA4D-BFCC-FD50373115BB}"/>
+              </a:ext>
+            </a:extLst>
+          </p:cNvPr>
+          <p:cNvSpPr>
+            <a:spLocks noGrp="1"/>
+          </p:cNvSpPr>
+          <p:nvPr>
+            <p:ph type="sldNum" sz="quarter" idx="12"/>
+          </p:nvPr>
+        </p:nvSpPr>
+        <p:spPr/>
+        <p:txBody>
+          <a:bodyPr/>
+          <a:lstStyle/>
+          <a:p>
+            <a:fld id="{5996DFBF-FD8F-6F45-AB3E-FF7BF960061F}" type="slidenum">
+              <a:rPr lang="en-CN" smtClean="0">
+                <a:solidFill>
+                  <a:schemeClr val="bg1"/>
+                </a:solidFill>
+              </a:rPr>
+              <a:t>11</a:t>
+            </a:fld>
+            <a:endParaRPr lang="en-CN" dirty="0">
+              <a:solidFill>
+                <a:schemeClr val="bg1"/>
+              </a:solidFill>
+            </a:endParaRPr>
+          </a:p>
+        </p:txBody>
+      </p:sp>
+      <p:pic>
+        <p:nvPicPr>
+          <p:cNvPr id="9" name="Picture 8" descr="Diagram&#10;&#10;Description automatically generated">
+            <a:extLst>
+              <a:ext uri="{FF2B5EF4-FFF2-40B4-BE49-F238E27FC236}">
+                <a16:creationId xmlns:a16="http://schemas.microsoft.com/office/drawing/2014/main" id="{4ECE0856-1BFF-CC47-84AD-E8E8B3A15A65}"/>
+              </a:ext>
+            </a:extLst>
+          </p:cNvPr>
+          <p:cNvPicPr>
+            <a:picLocks noChangeAspect="1"/>
+          </p:cNvPicPr>
+          <p:nvPr/>
+        </p:nvPicPr>
+        <p:blipFill>
+          <a:blip r:embed="rId3"/>
+          <a:stretch>
+            <a:fillRect/>
+          </a:stretch>
+        </p:blipFill>
+        <p:spPr>
+          <a:xfrm>
+            <a:off x="2869923" y="2601685"/>
+            <a:ext cx="6452153" cy="3443515"/>
+          </a:xfrm>
+          <a:prstGeom prst="rect">
+            <a:avLst/>
+          </a:prstGeom>
+        </p:spPr>
+      </p:pic>
+    </p:spTree>
+    <p:extLst>
+      <p:ext uri="{BB962C8B-B14F-4D97-AF65-F5344CB8AC3E}">
+        <p14:creationId xmlns:p14="http://schemas.microsoft.com/office/powerpoint/2010/main" val="4293499590"/>
+      </p:ext>
+    </p:extLst>
+  </p:cSld>
+  <p:clrMapOvr>
+    <a:masterClrMapping/>
+  </p:clrMapOvr>
+</p:sld>
+</file>
+
+<file path=ppt/slides/slide12.xml><?xml version="1.0" encoding="utf-8"?>
+<p:sld xmlns:a="http://schemas.openxmlformats.org/drawingml/2006/main" xmlns:r="http://schemas.openxmlformats.org/officeDocument/2006/relationships" xmlns:p="http://schemas.openxmlformats.org/presentationml/2006/main">
+  <p:cSld>
+    <p:bg>
+      <p:bgPr>
+        <a:solidFill>
+          <a:schemeClr val="tx1"/>
+        </a:solidFill>
+        <a:effectLst/>
+      </p:bgPr>
+    </p:bg>
+    <p:spTree>
+      <p:nvGrpSpPr>
+        <p:cNvPr id="1" name=""/>
+        <p:cNvGrpSpPr/>
+        <p:nvPr/>
+      </p:nvGrpSpPr>
+      <p:grpSpPr>
+        <a:xfrm>
+          <a:off x="0" y="0"/>
+          <a:ext cx="0" cy="0"/>
+          <a:chOff x="0" y="0"/>
+          <a:chExt cx="0" cy="0"/>
+        </a:xfrm>
+      </p:grpSpPr>
+      <p:sp>
+        <p:nvSpPr>
+          <p:cNvPr id="2" name="Title 1">
+            <a:extLst>
+              <a:ext uri="{FF2B5EF4-FFF2-40B4-BE49-F238E27FC236}">
+                <a16:creationId xmlns:a16="http://schemas.microsoft.com/office/drawing/2014/main" id="{1E677DB8-E1E5-794A-88C5-4BABA330C591}"/>
+              </a:ext>
+            </a:extLst>
+          </p:cNvPr>
+          <p:cNvSpPr>
+            <a:spLocks noGrp="1"/>
+          </p:cNvSpPr>
+          <p:nvPr>
+            <p:ph type="title"/>
+          </p:nvPr>
+        </p:nvSpPr>
+        <p:spPr>
+          <a:xfrm>
+            <a:off x="838200" y="2766218"/>
+            <a:ext cx="10515600" cy="1325563"/>
+          </a:xfrm>
+        </p:spPr>
+        <p:txBody>
+          <a:bodyPr/>
+          <a:lstStyle/>
+          <a:p>
+            <a:pPr algn="ctr"/>
+            <a:r>
+              <a:rPr lang="en-US" b="1" dirty="0">
+                <a:solidFill>
+                  <a:schemeClr val="bg1"/>
+                </a:solidFill>
+              </a:rPr>
+              <a:t>Disturbance Error Phenomenon -&gt; </a:t>
+            </a:r>
+            <a:r>
+              <a:rPr lang="en-US" b="1" dirty="0" err="1">
+                <a:solidFill>
+                  <a:schemeClr val="bg1"/>
+                </a:solidFill>
+              </a:rPr>
+              <a:t>RowHammer</a:t>
+            </a:r>
+            <a:endParaRPr b="1" dirty="0">
+              <a:solidFill>
+                <a:schemeClr val="bg1"/>
+              </a:solidFill>
+            </a:endParaRPr>
+          </a:p>
+        </p:txBody>
+      </p:sp>
+      <p:sp>
+        <p:nvSpPr>
+          <p:cNvPr id="3" name="Footer Placeholder 2">
+            <a:extLst>
+              <a:ext uri="{FF2B5EF4-FFF2-40B4-BE49-F238E27FC236}">
+                <a16:creationId xmlns:a16="http://schemas.microsoft.com/office/drawing/2014/main" id="{F9FE3F41-73E8-EC4C-B83E-D35DA5C00A06}"/>
+              </a:ext>
+            </a:extLst>
+          </p:cNvPr>
+          <p:cNvSpPr>
+            <a:spLocks noGrp="1"/>
+          </p:cNvSpPr>
+          <p:nvPr>
+            <p:ph type="ftr" sz="quarter" idx="11"/>
+          </p:nvPr>
+        </p:nvSpPr>
+        <p:spPr/>
+        <p:txBody>
+          <a:bodyPr/>
+          <a:lstStyle/>
+          <a:p>
+            <a:r>
+              <a:rPr lang="en-US"/>
+              <a:t>CARAS Lab</a:t>
+            </a:r>
+            <a:endParaRPr lang="en-CN"/>
+          </a:p>
+        </p:txBody>
+      </p:sp>
+    </p:spTree>
+    <p:extLst>
+      <p:ext uri="{BB962C8B-B14F-4D97-AF65-F5344CB8AC3E}">
+        <p14:creationId xmlns:p14="http://schemas.microsoft.com/office/powerpoint/2010/main" val="1291289242"/>
+      </p:ext>
+    </p:extLst>
+  </p:cSld>
+  <p:clrMapOvr>
+    <a:masterClrMapping/>
+  </p:clrMapOvr>
+</p:sld>
+</file>
+
+<file path=ppt/slides/slide13.xml><?xml version="1.0" encoding="utf-8"?>
+<p:sld xmlns:a="http://schemas.openxmlformats.org/drawingml/2006/main" xmlns:r="http://schemas.openxmlformats.org/officeDocument/2006/relationships" xmlns:p="http://schemas.openxmlformats.org/presentationml/2006/main">
+  <p:cSld>
+    <p:bg>
+      <p:bgPr>
+        <a:solidFill>
+          <a:schemeClr val="tx1"/>
+        </a:solidFill>
+        <a:effectLst/>
+      </p:bgPr>
+    </p:bg>
+    <p:spTree>
+      <p:nvGrpSpPr>
+        <p:cNvPr id="1" name=""/>
+        <p:cNvGrpSpPr/>
+        <p:nvPr/>
+      </p:nvGrpSpPr>
+      <p:grpSpPr>
+        <a:xfrm>
+          <a:off x="0" y="0"/>
+          <a:ext cx="0" cy="0"/>
+          <a:chOff x="0" y="0"/>
+          <a:chExt cx="0" cy="0"/>
+        </a:xfrm>
+      </p:grpSpPr>
+      <p:sp>
+        <p:nvSpPr>
+          <p:cNvPr id="2" name="Title 1">
+            <a:extLst>
+              <a:ext uri="{FF2B5EF4-FFF2-40B4-BE49-F238E27FC236}">
+                <a16:creationId xmlns:a16="http://schemas.microsoft.com/office/drawing/2014/main" id="{1E677DB8-E1E5-794A-88C5-4BABA330C591}"/>
+              </a:ext>
+            </a:extLst>
+          </p:cNvPr>
+          <p:cNvSpPr>
+            <a:spLocks noGrp="1"/>
+          </p:cNvSpPr>
+          <p:nvPr>
+            <p:ph type="title"/>
+          </p:nvPr>
+        </p:nvSpPr>
+        <p:spPr/>
+        <p:txBody>
+          <a:bodyPr/>
+          <a:lstStyle/>
+          <a:p>
+            <a:pPr algn="ctr"/>
+            <a:r>
+              <a:rPr lang="en-US" b="1" dirty="0">
+                <a:solidFill>
+                  <a:schemeClr val="bg1"/>
+                </a:solidFill>
+              </a:rPr>
+              <a:t>Disturbance Error Phenomenon</a:t>
+            </a:r>
+            <a:endParaRPr b="1" dirty="0">
+              <a:solidFill>
+                <a:schemeClr val="bg1"/>
+              </a:solidFill>
+            </a:endParaRPr>
+          </a:p>
+        </p:txBody>
+      </p:sp>
+      <p:sp>
+        <p:nvSpPr>
+          <p:cNvPr id="3" name="Content Placeholder 2">
+            <a:extLst>
+              <a:ext uri="{FF2B5EF4-FFF2-40B4-BE49-F238E27FC236}">
+                <a16:creationId xmlns:a16="http://schemas.microsoft.com/office/drawing/2014/main" id="{E870FD49-7022-DE44-BC47-AB21B5FCA533}"/>
+              </a:ext>
+            </a:extLst>
+          </p:cNvPr>
+          <p:cNvSpPr>
+            <a:spLocks noGrp="1"/>
+          </p:cNvSpPr>
+          <p:nvPr>
+            <p:ph idx="1"/>
+          </p:nvPr>
+        </p:nvSpPr>
+        <p:spPr/>
+        <p:txBody>
+          <a:bodyPr/>
+          <a:lstStyle/>
+          <a:p>
+            <a:pPr>
+              <a:buClr>
+                <a:schemeClr val="bg1"/>
+              </a:buClr>
+              <a:buSzPct val="100000"/>
+              <a:buFont typeface="System Font Regular"/>
+              <a:buChar char="&gt;"/>
+            </a:pPr>
+            <a:r>
+              <a:rPr lang="en-US" dirty="0">
+                <a:solidFill>
+                  <a:schemeClr val="bg1"/>
+                </a:solidFill>
+              </a:rPr>
+              <a:t>DRAM cells leak charge all the time, so refreshed in a certain interval.</a:t>
+            </a:r>
+            <a:br>
+              <a:rPr lang="en-US" dirty="0">
+                <a:solidFill>
+                  <a:schemeClr val="bg1"/>
+                </a:solidFill>
+              </a:rPr>
+            </a:br>
+            <a:endParaRPr lang="en-US" dirty="0">
+              <a:solidFill>
+                <a:schemeClr val="bg1"/>
+              </a:solidFill>
+            </a:endParaRPr>
+          </a:p>
+          <a:p>
+            <a:pPr>
+              <a:buClr>
+                <a:schemeClr val="bg1"/>
+              </a:buClr>
+              <a:buSzPct val="100000"/>
+              <a:buFont typeface="System Font Regular"/>
+              <a:buChar char="&gt;"/>
+            </a:pPr>
+            <a:r>
+              <a:rPr lang="en-US" dirty="0">
+                <a:solidFill>
+                  <a:schemeClr val="bg1"/>
+                </a:solidFill>
+              </a:rPr>
+              <a:t>Repeated toggling of a DRAM row’s </a:t>
+            </a:r>
+            <a:r>
+              <a:rPr lang="en-US" dirty="0" err="1">
+                <a:solidFill>
+                  <a:schemeClr val="bg1"/>
+                </a:solidFill>
+              </a:rPr>
+              <a:t>wordline</a:t>
+            </a:r>
+            <a:r>
+              <a:rPr lang="en-US" dirty="0">
+                <a:solidFill>
+                  <a:schemeClr val="bg1"/>
+                </a:solidFill>
+              </a:rPr>
+              <a:t> stresses inter-cell coupling effects that </a:t>
+            </a:r>
+            <a:r>
+              <a:rPr lang="en-US" b="1" dirty="0">
+                <a:solidFill>
+                  <a:schemeClr val="bg1"/>
+                </a:solidFill>
+              </a:rPr>
+              <a:t>accelerate charge leakage </a:t>
+            </a:r>
+            <a:r>
+              <a:rPr lang="en-US" dirty="0">
+                <a:solidFill>
+                  <a:schemeClr val="bg1"/>
+                </a:solidFill>
+              </a:rPr>
+              <a:t>from nearby rows. When such a cell loses too much charge in a refresh interval, it experiences a disturbance error.</a:t>
+            </a:r>
+          </a:p>
+        </p:txBody>
+      </p:sp>
+      <p:sp>
+        <p:nvSpPr>
+          <p:cNvPr id="4" name="Date Placeholder 3">
+            <a:extLst>
+              <a:ext uri="{FF2B5EF4-FFF2-40B4-BE49-F238E27FC236}">
+                <a16:creationId xmlns:a16="http://schemas.microsoft.com/office/drawing/2014/main" id="{D94934F8-B110-3C44-AE95-87FA7846C571}"/>
+              </a:ext>
+            </a:extLst>
+          </p:cNvPr>
+          <p:cNvSpPr>
+            <a:spLocks noGrp="1"/>
+          </p:cNvSpPr>
+          <p:nvPr>
+            <p:ph type="dt" sz="half" idx="10"/>
+          </p:nvPr>
+        </p:nvSpPr>
+        <p:spPr/>
+        <p:txBody>
+          <a:bodyPr/>
+          <a:lstStyle/>
+          <a:p>
+            <a:fld id="{D845548B-896B-4443-A799-EFD372AE4086}" type="datetime1">
+              <a:rPr lang="en-US" smtClean="0">
+                <a:solidFill>
+                  <a:schemeClr val="bg1"/>
+                </a:solidFill>
+              </a:rPr>
+              <a:t>12/20/20</a:t>
+            </a:fld>
+            <a:endParaRPr lang="en-CN" dirty="0">
+              <a:solidFill>
+                <a:schemeClr val="bg1"/>
+              </a:solidFill>
+            </a:endParaRPr>
+          </a:p>
+        </p:txBody>
+      </p:sp>
+      <p:sp>
+        <p:nvSpPr>
+          <p:cNvPr id="5" name="Footer Placeholder 4">
+            <a:extLst>
+              <a:ext uri="{FF2B5EF4-FFF2-40B4-BE49-F238E27FC236}">
+                <a16:creationId xmlns:a16="http://schemas.microsoft.com/office/drawing/2014/main" id="{809AF835-7846-924F-950D-492C801472AC}"/>
+              </a:ext>
+            </a:extLst>
+          </p:cNvPr>
+          <p:cNvSpPr>
+            <a:spLocks noGrp="1"/>
+          </p:cNvSpPr>
+          <p:nvPr>
+            <p:ph type="ftr" sz="quarter" idx="11"/>
+          </p:nvPr>
+        </p:nvSpPr>
+        <p:spPr/>
+        <p:txBody>
+          <a:bodyPr/>
+          <a:lstStyle/>
+          <a:p>
+            <a:r>
+              <a:rPr lang="en-US" dirty="0">
+                <a:solidFill>
+                  <a:schemeClr val="bg1"/>
+                </a:solidFill>
+              </a:rPr>
+              <a:t>CARAS Lab</a:t>
+            </a:r>
+            <a:endParaRPr lang="en-CN" dirty="0">
+              <a:solidFill>
+                <a:schemeClr val="bg1"/>
+              </a:solidFill>
+            </a:endParaRPr>
+          </a:p>
+        </p:txBody>
+      </p:sp>
+      <p:sp>
+        <p:nvSpPr>
+          <p:cNvPr id="6" name="Slide Number Placeholder 5">
+            <a:extLst>
+              <a:ext uri="{FF2B5EF4-FFF2-40B4-BE49-F238E27FC236}">
+                <a16:creationId xmlns:a16="http://schemas.microsoft.com/office/drawing/2014/main" id="{5B5F2698-1CAD-CA4D-BFCC-FD50373115BB}"/>
+              </a:ext>
+            </a:extLst>
+          </p:cNvPr>
+          <p:cNvSpPr>
+            <a:spLocks noGrp="1"/>
+          </p:cNvSpPr>
+          <p:nvPr>
+            <p:ph type="sldNum" sz="quarter" idx="12"/>
+          </p:nvPr>
+        </p:nvSpPr>
+        <p:spPr/>
+        <p:txBody>
+          <a:bodyPr/>
+          <a:lstStyle/>
+          <a:p>
+            <a:fld id="{5996DFBF-FD8F-6F45-AB3E-FF7BF960061F}" type="slidenum">
+              <a:rPr lang="en-CN" smtClean="0">
+                <a:solidFill>
+                  <a:schemeClr val="bg1"/>
+                </a:solidFill>
+              </a:rPr>
+              <a:t>13</a:t>
+            </a:fld>
+            <a:endParaRPr lang="en-CN" dirty="0">
+              <a:solidFill>
+                <a:schemeClr val="bg1"/>
+              </a:solidFill>
+            </a:endParaRPr>
+          </a:p>
+        </p:txBody>
+      </p:sp>
+    </p:spTree>
+    <p:extLst>
+      <p:ext uri="{BB962C8B-B14F-4D97-AF65-F5344CB8AC3E}">
+        <p14:creationId xmlns:p14="http://schemas.microsoft.com/office/powerpoint/2010/main" val="3946287394"/>
+      </p:ext>
+    </p:extLst>
+  </p:cSld>
+  <p:clrMapOvr>
+    <a:masterClrMapping/>
+  </p:clrMapOvr>
+</p:sld>
+</file>
+
+<file path=ppt/slides/slide14.xml><?xml version="1.0" encoding="utf-8"?>
+<p:sld xmlns:a="http://schemas.openxmlformats.org/drawingml/2006/main" xmlns:r="http://schemas.openxmlformats.org/officeDocument/2006/relationships" xmlns:p="http://schemas.openxmlformats.org/presentationml/2006/main">
+  <p:cSld>
+    <p:bg>
+      <p:bgPr>
+        <a:solidFill>
+          <a:schemeClr val="tx1"/>
+        </a:solidFill>
+        <a:effectLst/>
+      </p:bgPr>
+    </p:bg>
+    <p:spTree>
+      <p:nvGrpSpPr>
+        <p:cNvPr id="1" name=""/>
+        <p:cNvGrpSpPr/>
+        <p:nvPr/>
+      </p:nvGrpSpPr>
+      <p:grpSpPr>
+        <a:xfrm>
+          <a:off x="0" y="0"/>
+          <a:ext cx="0" cy="0"/>
+          <a:chOff x="0" y="0"/>
+          <a:chExt cx="0" cy="0"/>
+        </a:xfrm>
+      </p:grpSpPr>
+      <p:sp>
+        <p:nvSpPr>
+          <p:cNvPr id="2" name="Title 1">
+            <a:extLst>
+              <a:ext uri="{FF2B5EF4-FFF2-40B4-BE49-F238E27FC236}">
+                <a16:creationId xmlns:a16="http://schemas.microsoft.com/office/drawing/2014/main" id="{1E677DB8-E1E5-794A-88C5-4BABA330C591}"/>
+              </a:ext>
+            </a:extLst>
+          </p:cNvPr>
+          <p:cNvSpPr>
+            <a:spLocks noGrp="1"/>
+          </p:cNvSpPr>
+          <p:nvPr>
+            <p:ph type="title"/>
+          </p:nvPr>
+        </p:nvSpPr>
+        <p:spPr/>
+        <p:txBody>
+          <a:bodyPr/>
+          <a:lstStyle/>
+          <a:p>
+            <a:pPr algn="ctr"/>
+            <a:r>
+              <a:rPr lang="en-US" b="1" dirty="0">
+                <a:solidFill>
+                  <a:schemeClr val="bg1"/>
+                </a:solidFill>
+              </a:rPr>
+              <a:t>Disturbance Error Phenomenon</a:t>
+            </a:r>
+            <a:endParaRPr b="1" dirty="0">
+              <a:solidFill>
+                <a:schemeClr val="bg1"/>
+              </a:solidFill>
+            </a:endParaRPr>
+          </a:p>
+        </p:txBody>
+      </p:sp>
+      <p:sp>
+        <p:nvSpPr>
+          <p:cNvPr id="4" name="Date Placeholder 3">
+            <a:extLst>
+              <a:ext uri="{FF2B5EF4-FFF2-40B4-BE49-F238E27FC236}">
+                <a16:creationId xmlns:a16="http://schemas.microsoft.com/office/drawing/2014/main" id="{D94934F8-B110-3C44-AE95-87FA7846C571}"/>
+              </a:ext>
+            </a:extLst>
+          </p:cNvPr>
+          <p:cNvSpPr>
+            <a:spLocks noGrp="1"/>
+          </p:cNvSpPr>
+          <p:nvPr>
+            <p:ph type="dt" sz="half" idx="10"/>
+          </p:nvPr>
+        </p:nvSpPr>
+        <p:spPr/>
+        <p:txBody>
+          <a:bodyPr/>
+          <a:lstStyle/>
+          <a:p>
+            <a:fld id="{D845548B-896B-4443-A799-EFD372AE4086}" type="datetime1">
+              <a:rPr lang="en-US" smtClean="0">
+                <a:solidFill>
+                  <a:schemeClr val="bg1"/>
+                </a:solidFill>
+              </a:rPr>
+              <a:t>12/20/20</a:t>
+            </a:fld>
+            <a:endParaRPr lang="en-CN" dirty="0">
+              <a:solidFill>
+                <a:schemeClr val="bg1"/>
+              </a:solidFill>
+            </a:endParaRPr>
+          </a:p>
+        </p:txBody>
+      </p:sp>
+      <p:sp>
+        <p:nvSpPr>
+          <p:cNvPr id="5" name="Footer Placeholder 4">
+            <a:extLst>
+              <a:ext uri="{FF2B5EF4-FFF2-40B4-BE49-F238E27FC236}">
+                <a16:creationId xmlns:a16="http://schemas.microsoft.com/office/drawing/2014/main" id="{809AF835-7846-924F-950D-492C801472AC}"/>
+              </a:ext>
+            </a:extLst>
+          </p:cNvPr>
+          <p:cNvSpPr>
+            <a:spLocks noGrp="1"/>
+          </p:cNvSpPr>
+          <p:nvPr>
+            <p:ph type="ftr" sz="quarter" idx="11"/>
+          </p:nvPr>
+        </p:nvSpPr>
+        <p:spPr/>
+        <p:txBody>
+          <a:bodyPr/>
+          <a:lstStyle/>
+          <a:p>
+            <a:r>
+              <a:rPr lang="en-US" dirty="0">
+                <a:solidFill>
+                  <a:schemeClr val="bg1"/>
+                </a:solidFill>
+              </a:rPr>
+              <a:t>CARAS Lab</a:t>
+            </a:r>
+            <a:endParaRPr lang="en-CN" dirty="0">
+              <a:solidFill>
+                <a:schemeClr val="bg1"/>
+              </a:solidFill>
+            </a:endParaRPr>
+          </a:p>
+        </p:txBody>
+      </p:sp>
+      <p:sp>
+        <p:nvSpPr>
+          <p:cNvPr id="6" name="Slide Number Placeholder 5">
+            <a:extLst>
+              <a:ext uri="{FF2B5EF4-FFF2-40B4-BE49-F238E27FC236}">
+                <a16:creationId xmlns:a16="http://schemas.microsoft.com/office/drawing/2014/main" id="{5B5F2698-1CAD-CA4D-BFCC-FD50373115BB}"/>
+              </a:ext>
+            </a:extLst>
+          </p:cNvPr>
+          <p:cNvSpPr>
+            <a:spLocks noGrp="1"/>
+          </p:cNvSpPr>
+          <p:nvPr>
+            <p:ph type="sldNum" sz="quarter" idx="12"/>
+          </p:nvPr>
+        </p:nvSpPr>
+        <p:spPr/>
+        <p:txBody>
+          <a:bodyPr/>
+          <a:lstStyle/>
+          <a:p>
+            <a:fld id="{5996DFBF-FD8F-6F45-AB3E-FF7BF960061F}" type="slidenum">
+              <a:rPr lang="en-CN" smtClean="0">
+                <a:solidFill>
+                  <a:schemeClr val="bg1"/>
+                </a:solidFill>
+              </a:rPr>
+              <a:t>14</a:t>
+            </a:fld>
+            <a:endParaRPr lang="en-CN" dirty="0">
+              <a:solidFill>
+                <a:schemeClr val="bg1"/>
+              </a:solidFill>
+            </a:endParaRPr>
+          </a:p>
+        </p:txBody>
+      </p:sp>
+      <p:pic>
+        <p:nvPicPr>
+          <p:cNvPr id="9" name="Picture 8" descr="Chart&#10;&#10;Description automatically generated">
+            <a:extLst>
+              <a:ext uri="{FF2B5EF4-FFF2-40B4-BE49-F238E27FC236}">
+                <a16:creationId xmlns:a16="http://schemas.microsoft.com/office/drawing/2014/main" id="{41E7376A-AA17-E840-A46E-8810CE7B573A}"/>
+              </a:ext>
+            </a:extLst>
+          </p:cNvPr>
+          <p:cNvPicPr>
+            <a:picLocks noChangeAspect="1"/>
+          </p:cNvPicPr>
+          <p:nvPr/>
+        </p:nvPicPr>
+        <p:blipFill>
+          <a:blip r:embed="rId2"/>
+          <a:stretch>
+            <a:fillRect/>
+          </a:stretch>
+        </p:blipFill>
+        <p:spPr>
+          <a:xfrm>
+            <a:off x="2697077" y="1948542"/>
+            <a:ext cx="4831243" cy="3799114"/>
+          </a:xfrm>
+          <a:prstGeom prst="rect">
+            <a:avLst/>
+          </a:prstGeom>
+        </p:spPr>
+      </p:pic>
+      <p:sp>
+        <p:nvSpPr>
+          <p:cNvPr id="10" name="Left Arrow 9">
+            <a:extLst>
+              <a:ext uri="{FF2B5EF4-FFF2-40B4-BE49-F238E27FC236}">
+                <a16:creationId xmlns:a16="http://schemas.microsoft.com/office/drawing/2014/main" id="{9F0F87AA-DD2D-B348-A5D6-500C875273E2}"/>
+              </a:ext>
+            </a:extLst>
+          </p:cNvPr>
+          <p:cNvSpPr/>
+          <p:nvPr/>
+        </p:nvSpPr>
+        <p:spPr>
+          <a:xfrm>
+            <a:off x="7587342" y="3429000"/>
+            <a:ext cx="1132115" cy="304800"/>
+          </a:xfrm>
+          <a:prstGeom prst="leftArrow">
+            <a:avLst/>
+          </a:prstGeom>
+          <a:solidFill>
+            <a:srgbClr val="FFFF00"/>
+          </a:solidFill>
+          <a:ln>
+            <a:solidFill>
+              <a:srgbClr val="FFFF00"/>
+            </a:solidFill>
+          </a:ln>
+        </p:spPr>
+        <p:style>
+          <a:lnRef idx="2">
+            <a:schemeClr val="accent1">
+              <a:shade val="50000"/>
+            </a:schemeClr>
+          </a:lnRef>
+          <a:fillRef idx="1">
+            <a:schemeClr val="accent1"/>
+          </a:fillRef>
+          <a:effectRef idx="0">
+            <a:schemeClr val="accent1"/>
+          </a:effectRef>
+          <a:fontRef idx="minor">
+            <a:schemeClr val="lt1"/>
+          </a:fontRef>
+        </p:style>
+        <p:txBody>
+          <a:bodyPr rtlCol="0" anchor="ctr"/>
+          <a:lstStyle/>
+          <a:p>
+            <a:pPr algn="ctr"/>
+            <a:endParaRPr/>
+          </a:p>
+        </p:txBody>
+      </p:sp>
+      <p:sp>
+        <p:nvSpPr>
+          <p:cNvPr id="11" name="Oval 10">
+            <a:extLst>
+              <a:ext uri="{FF2B5EF4-FFF2-40B4-BE49-F238E27FC236}">
+                <a16:creationId xmlns:a16="http://schemas.microsoft.com/office/drawing/2014/main" id="{1F4E07E6-BD57-A846-A274-4E877885D786}"/>
+              </a:ext>
+            </a:extLst>
+          </p:cNvPr>
+          <p:cNvSpPr/>
+          <p:nvPr/>
+        </p:nvSpPr>
+        <p:spPr>
+          <a:xfrm>
+            <a:off x="5440815" y="2888456"/>
+            <a:ext cx="374197" cy="369093"/>
+          </a:xfrm>
+          <a:prstGeom prst="ellipse">
+            <a:avLst/>
+          </a:prstGeom>
+          <a:solidFill>
+            <a:schemeClr val="tx1">
+              <a:lumMod val="65000"/>
+              <a:lumOff val="35000"/>
+            </a:schemeClr>
+          </a:solidFill>
+          <a:ln>
+            <a:solidFill>
+              <a:schemeClr val="tx1">
+                <a:lumMod val="65000"/>
+                <a:lumOff val="35000"/>
+              </a:schemeClr>
+            </a:solidFill>
+          </a:ln>
+        </p:spPr>
+        <p:style>
+          <a:lnRef idx="2">
+            <a:schemeClr val="accent1">
+              <a:shade val="50000"/>
+            </a:schemeClr>
+          </a:lnRef>
+          <a:fillRef idx="1">
+            <a:schemeClr val="accent1"/>
+          </a:fillRef>
+          <a:effectRef idx="0">
+            <a:schemeClr val="accent1"/>
+          </a:effectRef>
+          <a:fontRef idx="minor">
+            <a:schemeClr val="lt1"/>
+          </a:fontRef>
+        </p:style>
+        <p:txBody>
+          <a:bodyPr rtlCol="0" anchor="ctr"/>
+          <a:lstStyle/>
+          <a:p>
+            <a:pPr algn="ctr"/>
+            <a:endParaRPr/>
+          </a:p>
+        </p:txBody>
+      </p:sp>
+      <p:sp>
+        <p:nvSpPr>
+          <p:cNvPr id="12" name="Oval 11">
+            <a:extLst>
+              <a:ext uri="{FF2B5EF4-FFF2-40B4-BE49-F238E27FC236}">
+                <a16:creationId xmlns:a16="http://schemas.microsoft.com/office/drawing/2014/main" id="{27A7BC8A-DF75-D54B-85BF-31EB70D884CC}"/>
+              </a:ext>
+            </a:extLst>
+          </p:cNvPr>
+          <p:cNvSpPr/>
+          <p:nvPr/>
+        </p:nvSpPr>
+        <p:spPr>
+          <a:xfrm>
+            <a:off x="4421640" y="3943351"/>
+            <a:ext cx="374197" cy="369888"/>
+          </a:xfrm>
+          <a:prstGeom prst="ellipse">
+            <a:avLst/>
+          </a:prstGeom>
+          <a:solidFill>
+            <a:schemeClr val="tx1">
+              <a:lumMod val="65000"/>
+              <a:lumOff val="35000"/>
+            </a:schemeClr>
+          </a:solidFill>
+          <a:ln>
+            <a:solidFill>
+              <a:schemeClr val="tx1">
+                <a:lumMod val="65000"/>
+                <a:lumOff val="35000"/>
+              </a:schemeClr>
+            </a:solidFill>
+          </a:ln>
+        </p:spPr>
+        <p:style>
+          <a:lnRef idx="2">
+            <a:schemeClr val="accent1">
+              <a:shade val="50000"/>
+            </a:schemeClr>
+          </a:lnRef>
+          <a:fillRef idx="1">
+            <a:schemeClr val="accent1"/>
+          </a:fillRef>
+          <a:effectRef idx="0">
+            <a:schemeClr val="accent1"/>
+          </a:effectRef>
+          <a:fontRef idx="minor">
+            <a:schemeClr val="lt1"/>
+          </a:fontRef>
+        </p:style>
+        <p:txBody>
+          <a:bodyPr rtlCol="0" anchor="ctr"/>
+          <a:lstStyle/>
+          <a:p>
+            <a:pPr algn="ctr"/>
+            <a:endParaRPr/>
+          </a:p>
+        </p:txBody>
+      </p:sp>
+      <p:sp>
+        <p:nvSpPr>
+          <p:cNvPr id="18" name="Oval 17">
+            <a:extLst>
+              <a:ext uri="{FF2B5EF4-FFF2-40B4-BE49-F238E27FC236}">
+                <a16:creationId xmlns:a16="http://schemas.microsoft.com/office/drawing/2014/main" id="{4D9F52E1-6E2C-5643-AC63-D16376B4DB8F}"/>
+              </a:ext>
+            </a:extLst>
+          </p:cNvPr>
+          <p:cNvSpPr/>
+          <p:nvPr/>
+        </p:nvSpPr>
+        <p:spPr>
+          <a:xfrm>
+            <a:off x="4421640" y="3944145"/>
+            <a:ext cx="374197" cy="369093"/>
+          </a:xfrm>
+          <a:prstGeom prst="ellipse">
+            <a:avLst/>
+          </a:prstGeom>
+          <a:solidFill>
+            <a:schemeClr val="tx1">
+              <a:lumMod val="75000"/>
+              <a:lumOff val="25000"/>
+            </a:schemeClr>
+          </a:solidFill>
+          <a:ln>
+            <a:solidFill>
+              <a:schemeClr val="tx1">
+                <a:lumMod val="75000"/>
+                <a:lumOff val="25000"/>
+              </a:schemeClr>
+            </a:solidFill>
+          </a:ln>
+        </p:spPr>
+        <p:style>
+          <a:lnRef idx="2">
+            <a:schemeClr val="accent1">
+              <a:shade val="50000"/>
+            </a:schemeClr>
+          </a:lnRef>
+          <a:fillRef idx="1">
+            <a:schemeClr val="accent1"/>
+          </a:fillRef>
+          <a:effectRef idx="0">
+            <a:schemeClr val="accent1"/>
+          </a:effectRef>
+          <a:fontRef idx="minor">
+            <a:schemeClr val="lt1"/>
+          </a:fontRef>
+        </p:style>
+        <p:txBody>
+          <a:bodyPr rtlCol="0" anchor="ctr"/>
+          <a:lstStyle/>
+          <a:p>
+            <a:pPr algn="ctr"/>
+            <a:endParaRPr/>
+          </a:p>
+        </p:txBody>
+      </p:sp>
+      <p:sp>
+        <p:nvSpPr>
+          <p:cNvPr id="19" name="Oval 18">
+            <a:extLst>
+              <a:ext uri="{FF2B5EF4-FFF2-40B4-BE49-F238E27FC236}">
+                <a16:creationId xmlns:a16="http://schemas.microsoft.com/office/drawing/2014/main" id="{AB775F18-372F-2140-876C-D1A958B6524A}"/>
+              </a:ext>
+            </a:extLst>
+          </p:cNvPr>
+          <p:cNvSpPr/>
+          <p:nvPr/>
+        </p:nvSpPr>
+        <p:spPr>
+          <a:xfrm>
+            <a:off x="5440814" y="2890835"/>
+            <a:ext cx="374197" cy="369093"/>
+          </a:xfrm>
+          <a:prstGeom prst="ellipse">
+            <a:avLst/>
+          </a:prstGeom>
+          <a:solidFill>
+            <a:schemeClr val="tx1">
+              <a:lumMod val="75000"/>
+              <a:lumOff val="25000"/>
+            </a:schemeClr>
+          </a:solidFill>
+          <a:ln>
+            <a:solidFill>
+              <a:schemeClr val="tx1">
+                <a:lumMod val="75000"/>
+                <a:lumOff val="25000"/>
+              </a:schemeClr>
+            </a:solidFill>
+          </a:ln>
+        </p:spPr>
+        <p:style>
+          <a:lnRef idx="2">
+            <a:schemeClr val="accent1">
+              <a:shade val="50000"/>
+            </a:schemeClr>
+          </a:lnRef>
+          <a:fillRef idx="1">
+            <a:schemeClr val="accent1"/>
+          </a:fillRef>
+          <a:effectRef idx="0">
+            <a:schemeClr val="accent1"/>
+          </a:effectRef>
+          <a:fontRef idx="minor">
+            <a:schemeClr val="lt1"/>
+          </a:fontRef>
+        </p:style>
+        <p:txBody>
+          <a:bodyPr rtlCol="0" anchor="ctr"/>
+          <a:lstStyle/>
+          <a:p>
+            <a:pPr algn="ctr"/>
+            <a:endParaRPr/>
+          </a:p>
+        </p:txBody>
+      </p:sp>
+      <p:sp>
+        <p:nvSpPr>
+          <p:cNvPr id="20" name="Oval 19">
+            <a:extLst>
+              <a:ext uri="{FF2B5EF4-FFF2-40B4-BE49-F238E27FC236}">
+                <a16:creationId xmlns:a16="http://schemas.microsoft.com/office/drawing/2014/main" id="{5B4F5BB0-E72F-8C45-B028-02B519F4AC75}"/>
+              </a:ext>
+            </a:extLst>
+          </p:cNvPr>
+          <p:cNvSpPr/>
+          <p:nvPr/>
+        </p:nvSpPr>
+        <p:spPr>
+          <a:xfrm>
+            <a:off x="5440814" y="2888456"/>
+            <a:ext cx="374197" cy="369093"/>
+          </a:xfrm>
+          <a:prstGeom prst="ellipse">
+            <a:avLst/>
+          </a:prstGeom>
+          <a:solidFill>
+            <a:schemeClr val="tx1">
+              <a:lumMod val="85000"/>
+              <a:lumOff val="15000"/>
+            </a:schemeClr>
+          </a:solidFill>
+          <a:ln>
+            <a:solidFill>
+              <a:schemeClr val="tx1">
+                <a:lumMod val="85000"/>
+                <a:lumOff val="15000"/>
+              </a:schemeClr>
+            </a:solidFill>
+          </a:ln>
+        </p:spPr>
+        <p:style>
+          <a:lnRef idx="2">
+            <a:schemeClr val="accent1">
+              <a:shade val="50000"/>
+            </a:schemeClr>
+          </a:lnRef>
+          <a:fillRef idx="1">
+            <a:schemeClr val="accent1"/>
+          </a:fillRef>
+          <a:effectRef idx="0">
+            <a:schemeClr val="accent1"/>
+          </a:effectRef>
+          <a:fontRef idx="minor">
+            <a:schemeClr val="lt1"/>
+          </a:fontRef>
+        </p:style>
+        <p:txBody>
+          <a:bodyPr rtlCol="0" anchor="ctr"/>
+          <a:lstStyle/>
+          <a:p>
+            <a:pPr algn="ctr"/>
+            <a:endParaRPr/>
+          </a:p>
+        </p:txBody>
+      </p:sp>
+      <p:sp>
+        <p:nvSpPr>
+          <p:cNvPr id="21" name="Oval 20">
+            <a:extLst>
+              <a:ext uri="{FF2B5EF4-FFF2-40B4-BE49-F238E27FC236}">
+                <a16:creationId xmlns:a16="http://schemas.microsoft.com/office/drawing/2014/main" id="{200A0855-0AB4-FC4B-B8FC-3AAD650917A3}"/>
+              </a:ext>
+            </a:extLst>
+          </p:cNvPr>
+          <p:cNvSpPr/>
+          <p:nvPr/>
+        </p:nvSpPr>
+        <p:spPr>
+          <a:xfrm>
+            <a:off x="4421640" y="3943351"/>
+            <a:ext cx="374197" cy="369093"/>
+          </a:xfrm>
+          <a:prstGeom prst="ellipse">
+            <a:avLst/>
+          </a:prstGeom>
+          <a:solidFill>
+            <a:schemeClr val="tx1">
+              <a:lumMod val="85000"/>
+              <a:lumOff val="15000"/>
+            </a:schemeClr>
+          </a:solidFill>
+          <a:ln>
+            <a:solidFill>
+              <a:schemeClr val="tx1">
+                <a:lumMod val="85000"/>
+                <a:lumOff val="15000"/>
+              </a:schemeClr>
+            </a:solidFill>
+          </a:ln>
+        </p:spPr>
+        <p:style>
+          <a:lnRef idx="2">
+            <a:schemeClr val="accent1">
+              <a:shade val="50000"/>
+            </a:schemeClr>
+          </a:lnRef>
+          <a:fillRef idx="1">
+            <a:schemeClr val="accent1"/>
+          </a:fillRef>
+          <a:effectRef idx="0">
+            <a:schemeClr val="accent1"/>
+          </a:effectRef>
+          <a:fontRef idx="minor">
+            <a:schemeClr val="lt1"/>
+          </a:fontRef>
+        </p:style>
+        <p:txBody>
+          <a:bodyPr rtlCol="0" anchor="ctr"/>
+          <a:lstStyle/>
+          <a:p>
+            <a:pPr algn="ctr"/>
+            <a:endParaRPr/>
+          </a:p>
+        </p:txBody>
+      </p:sp>
+      <p:sp>
+        <p:nvSpPr>
+          <p:cNvPr id="22" name="Oval 21">
+            <a:extLst>
+              <a:ext uri="{FF2B5EF4-FFF2-40B4-BE49-F238E27FC236}">
+                <a16:creationId xmlns:a16="http://schemas.microsoft.com/office/drawing/2014/main" id="{3EC25C70-2F0F-BE4B-AB05-7B693A1C6720}"/>
+              </a:ext>
+            </a:extLst>
+          </p:cNvPr>
+          <p:cNvSpPr/>
+          <p:nvPr/>
+        </p:nvSpPr>
+        <p:spPr>
+          <a:xfrm>
+            <a:off x="5440813" y="2886077"/>
+            <a:ext cx="374197" cy="369093"/>
+          </a:xfrm>
+          <a:prstGeom prst="ellipse">
+            <a:avLst/>
+          </a:prstGeom>
+          <a:solidFill>
+            <a:schemeClr val="tx1">
+              <a:lumMod val="95000"/>
+              <a:lumOff val="5000"/>
+            </a:schemeClr>
+          </a:solidFill>
+          <a:ln>
+            <a:solidFill>
+              <a:schemeClr val="tx1">
+                <a:lumMod val="95000"/>
+                <a:lumOff val="5000"/>
+              </a:schemeClr>
+            </a:solidFill>
+          </a:ln>
+        </p:spPr>
+        <p:style>
+          <a:lnRef idx="2">
+            <a:schemeClr val="accent1">
+              <a:shade val="50000"/>
+            </a:schemeClr>
+          </a:lnRef>
+          <a:fillRef idx="1">
+            <a:schemeClr val="accent1"/>
+          </a:fillRef>
+          <a:effectRef idx="0">
+            <a:schemeClr val="accent1"/>
+          </a:effectRef>
+          <a:fontRef idx="minor">
+            <a:schemeClr val="lt1"/>
+          </a:fontRef>
+        </p:style>
+        <p:txBody>
+          <a:bodyPr rtlCol="0" anchor="ctr"/>
+          <a:lstStyle/>
+          <a:p>
+            <a:pPr algn="ctr"/>
+            <a:endParaRPr/>
+          </a:p>
+        </p:txBody>
+      </p:sp>
+      <p:sp>
+        <p:nvSpPr>
+          <p:cNvPr id="23" name="Oval 22">
+            <a:extLst>
+              <a:ext uri="{FF2B5EF4-FFF2-40B4-BE49-F238E27FC236}">
+                <a16:creationId xmlns:a16="http://schemas.microsoft.com/office/drawing/2014/main" id="{4D9DA22D-3340-2849-B580-4245B025B20F}"/>
+              </a:ext>
+            </a:extLst>
+          </p:cNvPr>
+          <p:cNvSpPr/>
+          <p:nvPr/>
+        </p:nvSpPr>
+        <p:spPr>
+          <a:xfrm>
+            <a:off x="4421640" y="3942557"/>
+            <a:ext cx="374197" cy="369093"/>
+          </a:xfrm>
+          <a:prstGeom prst="ellipse">
+            <a:avLst/>
+          </a:prstGeom>
+          <a:solidFill>
+            <a:schemeClr val="tx1">
+              <a:lumMod val="95000"/>
+              <a:lumOff val="5000"/>
+            </a:schemeClr>
+          </a:solidFill>
+          <a:ln>
+            <a:solidFill>
+              <a:schemeClr val="tx1">
+                <a:lumMod val="95000"/>
+                <a:lumOff val="5000"/>
+              </a:schemeClr>
+            </a:solidFill>
+          </a:ln>
+        </p:spPr>
+        <p:style>
+          <a:lnRef idx="2">
+            <a:schemeClr val="accent1">
+              <a:shade val="50000"/>
+            </a:schemeClr>
+          </a:lnRef>
+          <a:fillRef idx="1">
+            <a:schemeClr val="accent1"/>
+          </a:fillRef>
+          <a:effectRef idx="0">
+            <a:schemeClr val="accent1"/>
+          </a:effectRef>
+          <a:fontRef idx="minor">
+            <a:schemeClr val="lt1"/>
+          </a:fontRef>
+        </p:style>
+        <p:txBody>
+          <a:bodyPr rtlCol="0" anchor="ctr"/>
+          <a:lstStyle/>
+          <a:p>
+            <a:pPr algn="ctr"/>
+            <a:endParaRPr/>
+          </a:p>
+        </p:txBody>
+      </p:sp>
+    </p:spTree>
+    <p:extLst>
+      <p:ext uri="{BB962C8B-B14F-4D97-AF65-F5344CB8AC3E}">
+        <p14:creationId xmlns:p14="http://schemas.microsoft.com/office/powerpoint/2010/main" val="120181267"/>
+      </p:ext>
+    </p:extLst>
+  </p:cSld>
+  <p:clrMapOvr>
+    <a:masterClrMapping/>
+  </p:clrMapOvr>
+  <p:timing>
+    <p:tnLst>
+      <p:par>
+        <p:cTn id="1" dur="indefinite" restart="never" nodeType="tmRoot">
+          <p:childTnLst>
+            <p:seq concurrent="1" nextAc="seek">
+              <p:cTn id="2" dur="indefinite" nodeType="mainSeq">
+                <p:childTnLst>
+                  <p:par>
+                    <p:cTn id="3" fill="hold">
+                      <p:stCondLst>
+                        <p:cond delay="indefinite"/>
+                      </p:stCondLst>
+                      <p:childTnLst>
+                        <p:par>
+                          <p:cTn id="4" fill="hold">
+                            <p:stCondLst>
+                              <p:cond delay="0"/>
+                            </p:stCondLst>
+                            <p:childTnLst>
+                              <p:par>
+                                <p:cTn id="5" presetID="1" presetClass="entr" presetSubtype="0" fill="hold" grpId="0" nodeType="clickEffect">
+                                  <p:stCondLst>
+                                    <p:cond delay="0"/>
+                                  </p:stCondLst>
+                                  <p:childTnLst>
+                                    <p:set>
+                                      <p:cBhvr>
+                                        <p:cTn id="6" dur="1" fill="hold">
+                                          <p:stCondLst>
+                                            <p:cond delay="0"/>
+                                          </p:stCondLst>
+                                        </p:cTn>
+                                        <p:tgtEl>
+                                          <p:spTgt spid="10"/>
+                                        </p:tgtEl>
+                                        <p:attrNameLst>
+                                          <p:attrName>style.visibility</p:attrName>
+                                        </p:attrNameLst>
+                                      </p:cBhvr>
+                                      <p:to>
+                                        <p:strVal val="visible"/>
+                                      </p:to>
+                                    </p:set>
+                                  </p:childTnLst>
+                                </p:cTn>
+                              </p:par>
+                            </p:childTnLst>
+                          </p:cTn>
+                        </p:par>
+                      </p:childTnLst>
+                    </p:cTn>
+                  </p:par>
+                  <p:par>
+                    <p:cTn id="7" fill="hold">
+                      <p:stCondLst>
+                        <p:cond delay="indefinite"/>
+                      </p:stCondLst>
+                      <p:childTnLst>
+                        <p:par>
+                          <p:cTn id="8" fill="hold">
+                            <p:stCondLst>
+                              <p:cond delay="0"/>
+                            </p:stCondLst>
+                            <p:childTnLst>
+                              <p:par>
+                                <p:cTn id="9" presetID="1" presetClass="exit" presetSubtype="0" fill="hold" grpId="1" nodeType="clickEffect">
+                                  <p:stCondLst>
+                                    <p:cond delay="0"/>
+                                  </p:stCondLst>
+                                  <p:childTnLst>
+                                    <p:set>
+                                      <p:cBhvr>
+                                        <p:cTn id="10" dur="1" fill="hold">
+                                          <p:stCondLst>
+                                            <p:cond delay="0"/>
+                                          </p:stCondLst>
+                                        </p:cTn>
+                                        <p:tgtEl>
+                                          <p:spTgt spid="10"/>
+                                        </p:tgtEl>
+                                        <p:attrNameLst>
+                                          <p:attrName>style.visibility</p:attrName>
+                                        </p:attrNameLst>
+                                      </p:cBhvr>
+                                      <p:to>
+                                        <p:strVal val="hidden"/>
+                                      </p:to>
+                                    </p:set>
+                                  </p:childTnLst>
+                                </p:cTn>
+                              </p:par>
+                            </p:childTnLst>
+                          </p:cTn>
+                        </p:par>
+                      </p:childTnLst>
+                    </p:cTn>
+                  </p:par>
+                  <p:par>
+                    <p:cTn id="11" fill="hold">
+                      <p:stCondLst>
+                        <p:cond delay="indefinite"/>
+                      </p:stCondLst>
+                      <p:childTnLst>
+                        <p:par>
+                          <p:cTn id="12" fill="hold">
+                            <p:stCondLst>
+                              <p:cond delay="0"/>
+                            </p:stCondLst>
+                            <p:childTnLst>
+                              <p:par>
+                                <p:cTn id="13" presetID="1" presetClass="entr" presetSubtype="0" fill="hold" grpId="0" nodeType="clickEffect">
+                                  <p:stCondLst>
+                                    <p:cond delay="0"/>
+                                  </p:stCondLst>
+                                  <p:childTnLst>
+                                    <p:set>
+                                      <p:cBhvr>
+                                        <p:cTn id="14" dur="1" fill="hold">
+                                          <p:stCondLst>
+                                            <p:cond delay="0"/>
+                                          </p:stCondLst>
+                                        </p:cTn>
+                                        <p:tgtEl>
+                                          <p:spTgt spid="11"/>
+                                        </p:tgtEl>
+                                        <p:attrNameLst>
+                                          <p:attrName>style.visibility</p:attrName>
+                                        </p:attrNameLst>
+                                      </p:cBhvr>
+                                      <p:to>
+                                        <p:strVal val="visible"/>
+                                      </p:to>
+                                    </p:set>
+                                  </p:childTnLst>
+                                </p:cTn>
+                              </p:par>
+                              <p:par>
+                                <p:cTn id="15" presetID="1" presetClass="entr" presetSubtype="0" fill="hold" grpId="0" nodeType="withEffect">
+                                  <p:stCondLst>
+                                    <p:cond delay="0"/>
+                                  </p:stCondLst>
+                                  <p:childTnLst>
+                                    <p:set>
+                                      <p:cBhvr>
+                                        <p:cTn id="16" dur="1" fill="hold">
+                                          <p:stCondLst>
+                                            <p:cond delay="0"/>
+                                          </p:stCondLst>
+                                        </p:cTn>
+                                        <p:tgtEl>
+                                          <p:spTgt spid="12"/>
+                                        </p:tgtEl>
+                                        <p:attrNameLst>
+                                          <p:attrName>style.visibility</p:attrName>
+                                        </p:attrNameLst>
+                                      </p:cBhvr>
+                                      <p:to>
+                                        <p:strVal val="visible"/>
+                                      </p:to>
+                                    </p:set>
+                                  </p:childTnLst>
+                                </p:cTn>
+                              </p:par>
+                              <p:par>
+                                <p:cTn id="17" presetID="1" presetClass="entr" presetSubtype="0" fill="hold" grpId="2" nodeType="withEffect">
+                                  <p:stCondLst>
+                                    <p:cond delay="0"/>
+                                  </p:stCondLst>
+                                  <p:childTnLst>
+                                    <p:set>
+                                      <p:cBhvr>
+                                        <p:cTn id="18" dur="1" fill="hold">
+                                          <p:stCondLst>
+                                            <p:cond delay="0"/>
+                                          </p:stCondLst>
+                                        </p:cTn>
+                                        <p:tgtEl>
+                                          <p:spTgt spid="10"/>
+                                        </p:tgtEl>
+                                        <p:attrNameLst>
+                                          <p:attrName>style.visibility</p:attrName>
+                                        </p:attrNameLst>
+                                      </p:cBhvr>
+                                      <p:to>
+                                        <p:strVal val="visible"/>
+                                      </p:to>
+                                    </p:set>
+                                  </p:childTnLst>
+                                </p:cTn>
+                              </p:par>
+                            </p:childTnLst>
+                          </p:cTn>
+                        </p:par>
+                      </p:childTnLst>
+                    </p:cTn>
+                  </p:par>
+                  <p:par>
+                    <p:cTn id="19" fill="hold">
+                      <p:stCondLst>
+                        <p:cond delay="indefinite"/>
+                      </p:stCondLst>
+                      <p:childTnLst>
+                        <p:par>
+                          <p:cTn id="20" fill="hold">
+                            <p:stCondLst>
+                              <p:cond delay="0"/>
+                            </p:stCondLst>
+                            <p:childTnLst>
+                              <p:par>
+                                <p:cTn id="21" presetID="1" presetClass="exit" presetSubtype="0" fill="hold" grpId="3" nodeType="clickEffect">
+                                  <p:stCondLst>
+                                    <p:cond delay="0"/>
+                                  </p:stCondLst>
+                                  <p:childTnLst>
+                                    <p:set>
+                                      <p:cBhvr>
+                                        <p:cTn id="22" dur="1" fill="hold">
+                                          <p:stCondLst>
+                                            <p:cond delay="0"/>
+                                          </p:stCondLst>
+                                        </p:cTn>
+                                        <p:tgtEl>
+                                          <p:spTgt spid="10"/>
+                                        </p:tgtEl>
+                                        <p:attrNameLst>
+                                          <p:attrName>style.visibility</p:attrName>
+                                        </p:attrNameLst>
+                                      </p:cBhvr>
+                                      <p:to>
+                                        <p:strVal val="hidden"/>
+                                      </p:to>
+                                    </p:set>
+                                  </p:childTnLst>
+                                </p:cTn>
+                              </p:par>
+                            </p:childTnLst>
+                          </p:cTn>
+                        </p:par>
+                      </p:childTnLst>
+                    </p:cTn>
+                  </p:par>
+                  <p:par>
+                    <p:cTn id="23" fill="hold">
+                      <p:stCondLst>
+                        <p:cond delay="indefinite"/>
+                      </p:stCondLst>
+                      <p:childTnLst>
+                        <p:par>
+                          <p:cTn id="24" fill="hold">
+                            <p:stCondLst>
+                              <p:cond delay="0"/>
+                            </p:stCondLst>
+                            <p:childTnLst>
+                              <p:par>
+                                <p:cTn id="25" presetID="1" presetClass="entr" presetSubtype="0" fill="hold" grpId="0" nodeType="clickEffect">
+                                  <p:stCondLst>
+                                    <p:cond delay="0"/>
+                                  </p:stCondLst>
+                                  <p:childTnLst>
+                                    <p:set>
+                                      <p:cBhvr>
+                                        <p:cTn id="26" dur="1" fill="hold">
+                                          <p:stCondLst>
+                                            <p:cond delay="0"/>
+                                          </p:stCondLst>
+                                        </p:cTn>
+                                        <p:tgtEl>
+                                          <p:spTgt spid="19"/>
+                                        </p:tgtEl>
+                                        <p:attrNameLst>
+                                          <p:attrName>style.visibility</p:attrName>
+                                        </p:attrNameLst>
+                                      </p:cBhvr>
+                                      <p:to>
+                                        <p:strVal val="visible"/>
+                                      </p:to>
+                                    </p:set>
+                                  </p:childTnLst>
+                                </p:cTn>
+                              </p:par>
+                              <p:par>
+                                <p:cTn id="27" presetID="1" presetClass="entr" presetSubtype="0" fill="hold" grpId="0" nodeType="withEffect">
+                                  <p:stCondLst>
+                                    <p:cond delay="0"/>
+                                  </p:stCondLst>
+                                  <p:childTnLst>
+                                    <p:set>
+                                      <p:cBhvr>
+                                        <p:cTn id="28" dur="1" fill="hold">
+                                          <p:stCondLst>
+                                            <p:cond delay="0"/>
+                                          </p:stCondLst>
+                                        </p:cTn>
+                                        <p:tgtEl>
+                                          <p:spTgt spid="18"/>
+                                        </p:tgtEl>
+                                        <p:attrNameLst>
+                                          <p:attrName>style.visibility</p:attrName>
+                                        </p:attrNameLst>
+                                      </p:cBhvr>
+                                      <p:to>
+                                        <p:strVal val="visible"/>
+                                      </p:to>
+                                    </p:set>
+                                  </p:childTnLst>
+                                </p:cTn>
+                              </p:par>
+                              <p:par>
+                                <p:cTn id="29" presetID="1" presetClass="entr" presetSubtype="0" fill="hold" grpId="4" nodeType="withEffect">
+                                  <p:stCondLst>
+                                    <p:cond delay="0"/>
+                                  </p:stCondLst>
+                                  <p:childTnLst>
+                                    <p:set>
+                                      <p:cBhvr>
+                                        <p:cTn id="30" dur="1" fill="hold">
+                                          <p:stCondLst>
+                                            <p:cond delay="0"/>
+                                          </p:stCondLst>
+                                        </p:cTn>
+                                        <p:tgtEl>
+                                          <p:spTgt spid="10"/>
+                                        </p:tgtEl>
+                                        <p:attrNameLst>
+                                          <p:attrName>style.visibility</p:attrName>
+                                        </p:attrNameLst>
+                                      </p:cBhvr>
+                                      <p:to>
+                                        <p:strVal val="visible"/>
+                                      </p:to>
+                                    </p:set>
+                                  </p:childTnLst>
+                                </p:cTn>
+                              </p:par>
+                            </p:childTnLst>
+                          </p:cTn>
+                        </p:par>
+                      </p:childTnLst>
+                    </p:cTn>
+                  </p:par>
+                  <p:par>
+                    <p:cTn id="31" fill="hold">
+                      <p:stCondLst>
+                        <p:cond delay="indefinite"/>
+                      </p:stCondLst>
+                      <p:childTnLst>
+                        <p:par>
+                          <p:cTn id="32" fill="hold">
+                            <p:stCondLst>
+                              <p:cond delay="0"/>
+                            </p:stCondLst>
+                            <p:childTnLst>
+                              <p:par>
+                                <p:cTn id="33" presetID="1" presetClass="exit" presetSubtype="0" fill="hold" grpId="5" nodeType="clickEffect">
+                                  <p:stCondLst>
+                                    <p:cond delay="0"/>
+                                  </p:stCondLst>
+                                  <p:childTnLst>
+                                    <p:set>
+                                      <p:cBhvr>
+                                        <p:cTn id="34" dur="1" fill="hold">
+                                          <p:stCondLst>
+                                            <p:cond delay="0"/>
+                                          </p:stCondLst>
+                                        </p:cTn>
+                                        <p:tgtEl>
+                                          <p:spTgt spid="10"/>
+                                        </p:tgtEl>
+                                        <p:attrNameLst>
+                                          <p:attrName>style.visibility</p:attrName>
+                                        </p:attrNameLst>
+                                      </p:cBhvr>
+                                      <p:to>
+                                        <p:strVal val="hidden"/>
+                                      </p:to>
+                                    </p:set>
+                                  </p:childTnLst>
+                                </p:cTn>
+                              </p:par>
+                            </p:childTnLst>
+                          </p:cTn>
+                        </p:par>
+                      </p:childTnLst>
+                    </p:cTn>
+                  </p:par>
+                  <p:par>
+                    <p:cTn id="35" fill="hold">
+                      <p:stCondLst>
+                        <p:cond delay="indefinite"/>
+                      </p:stCondLst>
+                      <p:childTnLst>
+                        <p:par>
+                          <p:cTn id="36" fill="hold">
+                            <p:stCondLst>
+                              <p:cond delay="0"/>
+                            </p:stCondLst>
+                            <p:childTnLst>
+                              <p:par>
+                                <p:cTn id="37" presetID="1" presetClass="entr" presetSubtype="0" fill="hold" grpId="0" nodeType="clickEffect">
+                                  <p:stCondLst>
+                                    <p:cond delay="0"/>
+                                  </p:stCondLst>
+                                  <p:childTnLst>
+                                    <p:set>
+                                      <p:cBhvr>
+                                        <p:cTn id="38" dur="1" fill="hold">
+                                          <p:stCondLst>
+                                            <p:cond delay="0"/>
+                                          </p:stCondLst>
+                                        </p:cTn>
+                                        <p:tgtEl>
+                                          <p:spTgt spid="20"/>
+                                        </p:tgtEl>
+                                        <p:attrNameLst>
+                                          <p:attrName>style.visibility</p:attrName>
+                                        </p:attrNameLst>
+                                      </p:cBhvr>
+                                      <p:to>
+                                        <p:strVal val="visible"/>
+                                      </p:to>
+                                    </p:set>
+                                  </p:childTnLst>
+                                </p:cTn>
+                              </p:par>
+                              <p:par>
+                                <p:cTn id="39" presetID="1" presetClass="entr" presetSubtype="0" fill="hold" grpId="0" nodeType="withEffect">
+                                  <p:stCondLst>
+                                    <p:cond delay="0"/>
+                                  </p:stCondLst>
+                                  <p:childTnLst>
+                                    <p:set>
+                                      <p:cBhvr>
+                                        <p:cTn id="40" dur="1" fill="hold">
+                                          <p:stCondLst>
+                                            <p:cond delay="0"/>
+                                          </p:stCondLst>
+                                        </p:cTn>
+                                        <p:tgtEl>
+                                          <p:spTgt spid="21"/>
+                                        </p:tgtEl>
+                                        <p:attrNameLst>
+                                          <p:attrName>style.visibility</p:attrName>
+                                        </p:attrNameLst>
+                                      </p:cBhvr>
+                                      <p:to>
+                                        <p:strVal val="visible"/>
+                                      </p:to>
+                                    </p:set>
+                                  </p:childTnLst>
+                                </p:cTn>
+                              </p:par>
+                              <p:par>
+                                <p:cTn id="41" presetID="1" presetClass="entr" presetSubtype="0" fill="hold" grpId="6" nodeType="withEffect">
+                                  <p:stCondLst>
+                                    <p:cond delay="0"/>
+                                  </p:stCondLst>
+                                  <p:childTnLst>
+                                    <p:set>
+                                      <p:cBhvr>
+                                        <p:cTn id="42" dur="1" fill="hold">
+                                          <p:stCondLst>
+                                            <p:cond delay="0"/>
+                                          </p:stCondLst>
+                                        </p:cTn>
+                                        <p:tgtEl>
+                                          <p:spTgt spid="10"/>
+                                        </p:tgtEl>
+                                        <p:attrNameLst>
+                                          <p:attrName>style.visibility</p:attrName>
+                                        </p:attrNameLst>
+                                      </p:cBhvr>
+                                      <p:to>
+                                        <p:strVal val="visible"/>
+                                      </p:to>
+                                    </p:set>
+                                  </p:childTnLst>
+                                </p:cTn>
+                              </p:par>
+                            </p:childTnLst>
+                          </p:cTn>
+                        </p:par>
+                      </p:childTnLst>
+                    </p:cTn>
+                  </p:par>
+                  <p:par>
+                    <p:cTn id="43" fill="hold">
+                      <p:stCondLst>
+                        <p:cond delay="indefinite"/>
+                      </p:stCondLst>
+                      <p:childTnLst>
+                        <p:par>
+                          <p:cTn id="44" fill="hold">
+                            <p:stCondLst>
+                              <p:cond delay="0"/>
+                            </p:stCondLst>
+                            <p:childTnLst>
+                              <p:par>
+                                <p:cTn id="45" presetID="1" presetClass="exit" presetSubtype="0" fill="hold" grpId="7" nodeType="clickEffect">
+                                  <p:stCondLst>
+                                    <p:cond delay="0"/>
+                                  </p:stCondLst>
+                                  <p:childTnLst>
+                                    <p:set>
+                                      <p:cBhvr>
+                                        <p:cTn id="46" dur="1" fill="hold">
+                                          <p:stCondLst>
+                                            <p:cond delay="0"/>
+                                          </p:stCondLst>
+                                        </p:cTn>
+                                        <p:tgtEl>
+                                          <p:spTgt spid="10"/>
+                                        </p:tgtEl>
+                                        <p:attrNameLst>
+                                          <p:attrName>style.visibility</p:attrName>
+                                        </p:attrNameLst>
+                                      </p:cBhvr>
+                                      <p:to>
+                                        <p:strVal val="hidden"/>
+                                      </p:to>
+                                    </p:set>
+                                  </p:childTnLst>
+                                </p:cTn>
+                              </p:par>
+                            </p:childTnLst>
+                          </p:cTn>
+                        </p:par>
+                      </p:childTnLst>
+                    </p:cTn>
+                  </p:par>
+                  <p:par>
+                    <p:cTn id="47" fill="hold">
+                      <p:stCondLst>
+                        <p:cond delay="indefinite"/>
+                      </p:stCondLst>
+                      <p:childTnLst>
+                        <p:par>
+                          <p:cTn id="48" fill="hold">
+                            <p:stCondLst>
+                              <p:cond delay="0"/>
+                            </p:stCondLst>
+                            <p:childTnLst>
+                              <p:par>
+                                <p:cTn id="49" presetID="1" presetClass="entr" presetSubtype="0" fill="hold" grpId="0" nodeType="clickEffect">
+                                  <p:stCondLst>
+                                    <p:cond delay="0"/>
+                                  </p:stCondLst>
+                                  <p:childTnLst>
+                                    <p:set>
+                                      <p:cBhvr>
+                                        <p:cTn id="50" dur="1" fill="hold">
+                                          <p:stCondLst>
+                                            <p:cond delay="0"/>
+                                          </p:stCondLst>
+                                        </p:cTn>
+                                        <p:tgtEl>
+                                          <p:spTgt spid="23"/>
+                                        </p:tgtEl>
+                                        <p:attrNameLst>
+                                          <p:attrName>style.visibility</p:attrName>
+                                        </p:attrNameLst>
+                                      </p:cBhvr>
+                                      <p:to>
+                                        <p:strVal val="visible"/>
+                                      </p:to>
+                                    </p:set>
+                                  </p:childTnLst>
+                                </p:cTn>
+                              </p:par>
+                              <p:par>
+                                <p:cTn id="51" presetID="1" presetClass="entr" presetSubtype="0" fill="hold" grpId="0" nodeType="withEffect">
+                                  <p:stCondLst>
+                                    <p:cond delay="0"/>
+                                  </p:stCondLst>
+                                  <p:childTnLst>
+                                    <p:set>
+                                      <p:cBhvr>
+                                        <p:cTn id="52" dur="1" fill="hold">
+                                          <p:stCondLst>
+                                            <p:cond delay="0"/>
+                                          </p:stCondLst>
+                                        </p:cTn>
+                                        <p:tgtEl>
+                                          <p:spTgt spid="22"/>
+                                        </p:tgtEl>
+                                        <p:attrNameLst>
+                                          <p:attrName>style.visibility</p:attrName>
+                                        </p:attrNameLst>
+                                      </p:cBhvr>
+                                      <p:to>
+                                        <p:strVal val="visible"/>
+                                      </p:to>
+                                    </p:set>
+                                  </p:childTnLst>
+                                </p:cTn>
+                              </p:par>
+                              <p:par>
+                                <p:cTn id="53" presetID="1" presetClass="entr" presetSubtype="0" fill="hold" grpId="8" nodeType="withEffect">
+                                  <p:stCondLst>
+                                    <p:cond delay="0"/>
+                                  </p:stCondLst>
+                                  <p:childTnLst>
+                                    <p:set>
+                                      <p:cBhvr>
+                                        <p:cTn id="54" dur="1" fill="hold">
+                                          <p:stCondLst>
+                                            <p:cond delay="0"/>
+                                          </p:stCondLst>
+                                        </p:cTn>
+                                        <p:tgtEl>
+                                          <p:spTgt spid="10"/>
+                                        </p:tgtEl>
+                                        <p:attrNameLst>
+                                          <p:attrName>style.visibility</p:attrName>
+                                        </p:attrNameLst>
+                                      </p:cBhvr>
+                                      <p:to>
+                                        <p:strVal val="visible"/>
+                                      </p:to>
+                                    </p:set>
+                                  </p:childTnLst>
+                                </p:cTn>
+                              </p:par>
+                            </p:childTnLst>
+                          </p:cTn>
+                        </p:par>
+                      </p:childTnLst>
+                    </p:cTn>
+                  </p:par>
+                  <p:par>
+                    <p:cTn id="55" fill="hold">
+                      <p:stCondLst>
+                        <p:cond delay="indefinite"/>
+                      </p:stCondLst>
+                      <p:childTnLst>
+                        <p:par>
+                          <p:cTn id="56" fill="hold">
+                            <p:stCondLst>
+                              <p:cond delay="0"/>
+                            </p:stCondLst>
+                            <p:childTnLst>
+                              <p:par>
+                                <p:cTn id="57" presetID="1" presetClass="exit" presetSubtype="0" fill="hold" grpId="9" nodeType="clickEffect">
+                                  <p:stCondLst>
+                                    <p:cond delay="0"/>
+                                  </p:stCondLst>
+                                  <p:childTnLst>
+                                    <p:set>
+                                      <p:cBhvr>
+                                        <p:cTn id="58" dur="1" fill="hold">
+                                          <p:stCondLst>
+                                            <p:cond delay="0"/>
+                                          </p:stCondLst>
+                                        </p:cTn>
+                                        <p:tgtEl>
+                                          <p:spTgt spid="10"/>
+                                        </p:tgtEl>
+                                        <p:attrNameLst>
+                                          <p:attrName>style.visibility</p:attrName>
+                                        </p:attrNameLst>
+                                      </p:cBhvr>
+                                      <p:to>
+                                        <p:strVal val="hidden"/>
+                                      </p:to>
+                                    </p:set>
+                                  </p:childTnLst>
+                                </p:cTn>
+                              </p:par>
+                            </p:childTnLst>
+                          </p:cTn>
+                        </p:par>
+                      </p:childTnLst>
+                    </p:cTn>
+                  </p:par>
+                </p:childTnLst>
+              </p:cTn>
+              <p:prevCondLst>
+                <p:cond evt="onPrev" delay="0">
+                  <p:tgtEl>
+                    <p:sldTgt/>
+                  </p:tgtEl>
+                </p:cond>
+              </p:prevCondLst>
+              <p:nextCondLst>
+                <p:cond evt="onNext" delay="0">
+                  <p:tgtEl>
+                    <p:sldTgt/>
+                  </p:tgtEl>
+                </p:cond>
+              </p:nextCondLst>
+            </p:seq>
+          </p:childTnLst>
+        </p:cTn>
+      </p:par>
+    </p:tnLst>
+    <p:bldLst>
+      <p:bldP spid="10" grpId="0" animBg="1"/>
+      <p:bldP spid="10" grpId="1" animBg="1"/>
+      <p:bldP spid="10" grpId="2" animBg="1"/>
+      <p:bldP spid="10" grpId="3" animBg="1"/>
+      <p:bldP spid="10" grpId="4" animBg="1"/>
+      <p:bldP spid="10" grpId="5" animBg="1"/>
+      <p:bldP spid="10" grpId="6" animBg="1"/>
+      <p:bldP spid="10" grpId="7" animBg="1"/>
+      <p:bldP spid="10" grpId="8" animBg="1"/>
+      <p:bldP spid="10" grpId="9" animBg="1"/>
+      <p:bldP spid="11" grpId="0" animBg="1"/>
+      <p:bldP spid="12" grpId="0" animBg="1"/>
+      <p:bldP spid="18" grpId="0" animBg="1"/>
+      <p:bldP spid="19" grpId="0" animBg="1"/>
+      <p:bldP spid="20" grpId="0" animBg="1"/>
+      <p:bldP spid="21" grpId="0" animBg="1"/>
+      <p:bldP spid="22" grpId="0" animBg="1"/>
+      <p:bldP spid="23" grpId="0" animBg="1"/>
+    </p:bldLst>
+  </p:timing>
+</p:sld>
+</file>
+
+<file path=ppt/slides/slide15.xml><?xml version="1.0" encoding="utf-8"?>
+<p:sld xmlns:a="http://schemas.openxmlformats.org/drawingml/2006/main" xmlns:r="http://schemas.openxmlformats.org/officeDocument/2006/relationships" xmlns:p="http://schemas.openxmlformats.org/presentationml/2006/main">
+  <p:cSld>
+    <p:bg>
+      <p:bgPr>
+        <a:solidFill>
+          <a:schemeClr val="tx1"/>
+        </a:solidFill>
+        <a:effectLst/>
+      </p:bgPr>
+    </p:bg>
+    <p:spTree>
+      <p:nvGrpSpPr>
+        <p:cNvPr id="1" name=""/>
+        <p:cNvGrpSpPr/>
+        <p:nvPr/>
+      </p:nvGrpSpPr>
+      <p:grpSpPr>
+        <a:xfrm>
+          <a:off x="0" y="0"/>
+          <a:ext cx="0" cy="0"/>
+          <a:chOff x="0" y="0"/>
+          <a:chExt cx="0" cy="0"/>
+        </a:xfrm>
+      </p:grpSpPr>
+      <p:sp>
+        <p:nvSpPr>
+          <p:cNvPr id="2" name="Title 1">
+            <a:extLst>
+              <a:ext uri="{FF2B5EF4-FFF2-40B4-BE49-F238E27FC236}">
+                <a16:creationId xmlns:a16="http://schemas.microsoft.com/office/drawing/2014/main" id="{1E677DB8-E1E5-794A-88C5-4BABA330C591}"/>
+              </a:ext>
+            </a:extLst>
+          </p:cNvPr>
+          <p:cNvSpPr>
+            <a:spLocks noGrp="1"/>
+          </p:cNvSpPr>
+          <p:nvPr>
+            <p:ph type="title"/>
+          </p:nvPr>
+        </p:nvSpPr>
+        <p:spPr/>
+        <p:txBody>
+          <a:bodyPr/>
+          <a:lstStyle/>
+          <a:p>
+            <a:pPr algn="ctr"/>
+            <a:r>
+              <a:rPr lang="en-US" b="1" dirty="0" err="1">
+                <a:solidFill>
+                  <a:schemeClr val="bg1"/>
+                </a:solidFill>
+              </a:rPr>
+              <a:t>RowHammer</a:t>
+            </a:r>
+            <a:endParaRPr b="1" dirty="0">
+              <a:solidFill>
+                <a:schemeClr val="bg1"/>
+              </a:solidFill>
+            </a:endParaRPr>
+          </a:p>
+        </p:txBody>
+      </p:sp>
+      <p:sp>
+        <p:nvSpPr>
+          <p:cNvPr id="3" name="Content Placeholder 2">
+            <a:extLst>
+              <a:ext uri="{FF2B5EF4-FFF2-40B4-BE49-F238E27FC236}">
+                <a16:creationId xmlns:a16="http://schemas.microsoft.com/office/drawing/2014/main" id="{E870FD49-7022-DE44-BC47-AB21B5FCA533}"/>
+              </a:ext>
+            </a:extLst>
+          </p:cNvPr>
+          <p:cNvSpPr>
+            <a:spLocks noGrp="1"/>
+          </p:cNvSpPr>
+          <p:nvPr>
+            <p:ph idx="1"/>
+          </p:nvPr>
+        </p:nvSpPr>
+        <p:spPr/>
+        <p:txBody>
+          <a:bodyPr/>
+          <a:lstStyle/>
+          <a:p>
+            <a:pPr>
+              <a:buClr>
+                <a:schemeClr val="bg1"/>
+              </a:buClr>
+              <a:buSzPct val="100000"/>
+              <a:buFont typeface="System Font Regular"/>
+              <a:buChar char="&gt;"/>
+            </a:pPr>
+            <a:r>
+              <a:rPr lang="en-US" dirty="0">
+                <a:solidFill>
+                  <a:schemeClr val="bg1"/>
+                </a:solidFill>
+              </a:rPr>
+              <a:t>Malicious attackers can exploit disturbance error phenomenon to break the </a:t>
+            </a:r>
+            <a:r>
+              <a:rPr lang="en-US" b="1" i="1" dirty="0">
+                <a:solidFill>
+                  <a:schemeClr val="bg1"/>
+                </a:solidFill>
+              </a:rPr>
+              <a:t>memory isolation security principle </a:t>
+            </a:r>
+            <a:r>
+              <a:rPr lang="en-US" dirty="0">
+                <a:solidFill>
+                  <a:schemeClr val="bg1"/>
+                </a:solidFill>
+              </a:rPr>
+              <a:t>to cast great threat on computer system.</a:t>
+            </a:r>
+            <a:br>
+              <a:rPr lang="en-US" dirty="0">
+                <a:solidFill>
+                  <a:schemeClr val="bg1"/>
+                </a:solidFill>
+              </a:rPr>
+            </a:br>
+            <a:endParaRPr lang="en-US" dirty="0">
+              <a:solidFill>
+                <a:schemeClr val="bg1"/>
+              </a:solidFill>
+            </a:endParaRPr>
+          </a:p>
+          <a:p>
+            <a:pPr>
+              <a:buClr>
+                <a:schemeClr val="bg1"/>
+              </a:buClr>
+              <a:buSzPct val="100000"/>
+              <a:buFont typeface="System Font Regular"/>
+              <a:buChar char="&gt;"/>
+            </a:pPr>
+            <a:r>
+              <a:rPr lang="en-US" dirty="0">
+                <a:solidFill>
+                  <a:schemeClr val="bg1"/>
+                </a:solidFill>
+              </a:rPr>
+              <a:t>In later works, the exploitation of disturbance error phenomenon is called </a:t>
+            </a:r>
+            <a:r>
+              <a:rPr lang="en-US" i="1" dirty="0" err="1">
+                <a:solidFill>
+                  <a:schemeClr val="bg1"/>
+                </a:solidFill>
+              </a:rPr>
+              <a:t>RowHammer</a:t>
+            </a:r>
+            <a:r>
+              <a:rPr lang="en-US" dirty="0">
+                <a:solidFill>
+                  <a:schemeClr val="bg1"/>
+                </a:solidFill>
+              </a:rPr>
+              <a:t>, meaning repeatedly "hammering" a row induces bit flips into adjacent rows.</a:t>
+            </a:r>
+          </a:p>
+        </p:txBody>
+      </p:sp>
+      <p:sp>
+        <p:nvSpPr>
+          <p:cNvPr id="4" name="Date Placeholder 3">
+            <a:extLst>
+              <a:ext uri="{FF2B5EF4-FFF2-40B4-BE49-F238E27FC236}">
+                <a16:creationId xmlns:a16="http://schemas.microsoft.com/office/drawing/2014/main" id="{D94934F8-B110-3C44-AE95-87FA7846C571}"/>
+              </a:ext>
+            </a:extLst>
+          </p:cNvPr>
+          <p:cNvSpPr>
+            <a:spLocks noGrp="1"/>
+          </p:cNvSpPr>
+          <p:nvPr>
+            <p:ph type="dt" sz="half" idx="10"/>
+          </p:nvPr>
+        </p:nvSpPr>
+        <p:spPr/>
+        <p:txBody>
+          <a:bodyPr/>
+          <a:lstStyle/>
+          <a:p>
+            <a:fld id="{D845548B-896B-4443-A799-EFD372AE4086}" type="datetime1">
+              <a:rPr lang="en-US" smtClean="0">
+                <a:solidFill>
+                  <a:schemeClr val="bg1"/>
+                </a:solidFill>
+              </a:rPr>
+              <a:t>12/20/20</a:t>
+            </a:fld>
+            <a:endParaRPr lang="en-CN" dirty="0">
+              <a:solidFill>
+                <a:schemeClr val="bg1"/>
+              </a:solidFill>
+            </a:endParaRPr>
+          </a:p>
+        </p:txBody>
+      </p:sp>
+      <p:sp>
+        <p:nvSpPr>
+          <p:cNvPr id="5" name="Footer Placeholder 4">
+            <a:extLst>
+              <a:ext uri="{FF2B5EF4-FFF2-40B4-BE49-F238E27FC236}">
+                <a16:creationId xmlns:a16="http://schemas.microsoft.com/office/drawing/2014/main" id="{809AF835-7846-924F-950D-492C801472AC}"/>
+              </a:ext>
+            </a:extLst>
+          </p:cNvPr>
+          <p:cNvSpPr>
+            <a:spLocks noGrp="1"/>
+          </p:cNvSpPr>
+          <p:nvPr>
+            <p:ph type="ftr" sz="quarter" idx="11"/>
+          </p:nvPr>
+        </p:nvSpPr>
+        <p:spPr/>
+        <p:txBody>
+          <a:bodyPr/>
+          <a:lstStyle/>
+          <a:p>
+            <a:r>
+              <a:rPr lang="en-US" dirty="0">
+                <a:solidFill>
+                  <a:schemeClr val="bg1"/>
+                </a:solidFill>
+              </a:rPr>
+              <a:t>CARAS Lab</a:t>
+            </a:r>
+            <a:endParaRPr lang="en-CN" dirty="0">
+              <a:solidFill>
+                <a:schemeClr val="bg1"/>
+              </a:solidFill>
+            </a:endParaRPr>
+          </a:p>
+        </p:txBody>
+      </p:sp>
+      <p:sp>
+        <p:nvSpPr>
+          <p:cNvPr id="6" name="Slide Number Placeholder 5">
+            <a:extLst>
+              <a:ext uri="{FF2B5EF4-FFF2-40B4-BE49-F238E27FC236}">
+                <a16:creationId xmlns:a16="http://schemas.microsoft.com/office/drawing/2014/main" id="{5B5F2698-1CAD-CA4D-BFCC-FD50373115BB}"/>
+              </a:ext>
+            </a:extLst>
+          </p:cNvPr>
+          <p:cNvSpPr>
+            <a:spLocks noGrp="1"/>
+          </p:cNvSpPr>
+          <p:nvPr>
+            <p:ph type="sldNum" sz="quarter" idx="12"/>
+          </p:nvPr>
+        </p:nvSpPr>
+        <p:spPr/>
+        <p:txBody>
+          <a:bodyPr/>
+          <a:lstStyle/>
+          <a:p>
+            <a:fld id="{5996DFBF-FD8F-6F45-AB3E-FF7BF960061F}" type="slidenum">
+              <a:rPr lang="en-CN" smtClean="0">
+                <a:solidFill>
+                  <a:schemeClr val="bg1"/>
+                </a:solidFill>
+              </a:rPr>
+              <a:t>15</a:t>
+            </a:fld>
+            <a:endParaRPr lang="en-CN" dirty="0">
+              <a:solidFill>
+                <a:schemeClr val="bg1"/>
+              </a:solidFill>
+            </a:endParaRPr>
+          </a:p>
+        </p:txBody>
+      </p:sp>
+    </p:spTree>
+    <p:extLst>
+      <p:ext uri="{BB962C8B-B14F-4D97-AF65-F5344CB8AC3E}">
+        <p14:creationId xmlns:p14="http://schemas.microsoft.com/office/powerpoint/2010/main" val="2401851230"/>
+      </p:ext>
+    </p:extLst>
+  </p:cSld>
+  <p:clrMapOvr>
+    <a:masterClrMapping/>
+  </p:clrMapOvr>
+</p:sld>
+</file>
+
+<file path=ppt/slides/slide16.xml><?xml version="1.0" encoding="utf-8"?>
+<p:sld xmlns:a="http://schemas.openxmlformats.org/drawingml/2006/main" xmlns:r="http://schemas.openxmlformats.org/officeDocument/2006/relationships" xmlns:p="http://schemas.openxmlformats.org/presentationml/2006/main">
+  <p:cSld>
+    <p:bg>
+      <p:bgPr>
+        <a:solidFill>
+          <a:schemeClr val="tx1"/>
+        </a:solidFill>
+        <a:effectLst/>
+      </p:bgPr>
+    </p:bg>
+    <p:spTree>
+      <p:nvGrpSpPr>
+        <p:cNvPr id="1" name=""/>
+        <p:cNvGrpSpPr/>
+        <p:nvPr/>
+      </p:nvGrpSpPr>
+      <p:grpSpPr>
+        <a:xfrm>
+          <a:off x="0" y="0"/>
+          <a:ext cx="0" cy="0"/>
+          <a:chOff x="0" y="0"/>
+          <a:chExt cx="0" cy="0"/>
+        </a:xfrm>
+      </p:grpSpPr>
+      <p:sp>
+        <p:nvSpPr>
+          <p:cNvPr id="2" name="Title 1">
+            <a:extLst>
+              <a:ext uri="{FF2B5EF4-FFF2-40B4-BE49-F238E27FC236}">
+                <a16:creationId xmlns:a16="http://schemas.microsoft.com/office/drawing/2014/main" id="{1E677DB8-E1E5-794A-88C5-4BABA330C591}"/>
+              </a:ext>
+            </a:extLst>
+          </p:cNvPr>
+          <p:cNvSpPr>
+            <a:spLocks noGrp="1"/>
+          </p:cNvSpPr>
+          <p:nvPr>
+            <p:ph type="title"/>
+          </p:nvPr>
+        </p:nvSpPr>
+        <p:spPr>
+          <a:xfrm>
+            <a:off x="838200" y="2766218"/>
+            <a:ext cx="10515600" cy="1325563"/>
+          </a:xfrm>
+        </p:spPr>
+        <p:txBody>
+          <a:bodyPr/>
+          <a:lstStyle/>
+          <a:p>
+            <a:pPr algn="ctr"/>
+            <a:r>
+              <a:rPr lang="en-US" b="1" dirty="0">
+                <a:solidFill>
+                  <a:schemeClr val="bg1"/>
+                </a:solidFill>
+              </a:rPr>
+              <a:t>Characterization</a:t>
+            </a:r>
+          </a:p>
+        </p:txBody>
+      </p:sp>
+      <p:sp>
+        <p:nvSpPr>
+          <p:cNvPr id="11" name="Footer Placeholder 10">
+            <a:extLst>
+              <a:ext uri="{FF2B5EF4-FFF2-40B4-BE49-F238E27FC236}">
+                <a16:creationId xmlns:a16="http://schemas.microsoft.com/office/drawing/2014/main" id="{1C092E6A-D557-A14D-873D-55AAFA4913CD}"/>
+              </a:ext>
+            </a:extLst>
+          </p:cNvPr>
+          <p:cNvSpPr>
+            <a:spLocks noGrp="1"/>
+          </p:cNvSpPr>
+          <p:nvPr>
+            <p:ph type="ftr" sz="quarter" idx="11"/>
+          </p:nvPr>
+        </p:nvSpPr>
+        <p:spPr/>
+        <p:txBody>
+          <a:bodyPr/>
+          <a:lstStyle/>
+          <a:p>
+            <a:r>
+              <a:rPr lang="en-US" dirty="0"/>
+              <a:t>CARAS Lab</a:t>
+            </a:r>
+            <a:endParaRPr lang="en-CN" dirty="0"/>
+          </a:p>
+        </p:txBody>
+      </p:sp>
+    </p:spTree>
+    <p:extLst>
+      <p:ext uri="{BB962C8B-B14F-4D97-AF65-F5344CB8AC3E}">
+        <p14:creationId xmlns:p14="http://schemas.microsoft.com/office/powerpoint/2010/main" val="3268905256"/>
+      </p:ext>
+    </p:extLst>
+  </p:cSld>
+  <p:clrMapOvr>
+    <a:masterClrMapping/>
+  </p:clrMapOvr>
+</p:sld>
+</file>
+
+<file path=ppt/slides/slide17.xml><?xml version="1.0" encoding="utf-8"?>
+<p:sld xmlns:a="http://schemas.openxmlformats.org/drawingml/2006/main" xmlns:r="http://schemas.openxmlformats.org/officeDocument/2006/relationships" xmlns:p="http://schemas.openxmlformats.org/presentationml/2006/main">
+  <p:cSld>
+    <p:bg>
+      <p:bgPr>
+        <a:solidFill>
+          <a:schemeClr val="tx1"/>
+        </a:solidFill>
+        <a:effectLst/>
+      </p:bgPr>
+    </p:bg>
+    <p:spTree>
+      <p:nvGrpSpPr>
+        <p:cNvPr id="1" name=""/>
+        <p:cNvGrpSpPr/>
+        <p:nvPr/>
+      </p:nvGrpSpPr>
+      <p:grpSpPr>
+        <a:xfrm>
+          <a:off x="0" y="0"/>
+          <a:ext cx="0" cy="0"/>
+          <a:chOff x="0" y="0"/>
+          <a:chExt cx="0" cy="0"/>
+        </a:xfrm>
+      </p:grpSpPr>
+      <p:sp>
+        <p:nvSpPr>
+          <p:cNvPr id="2" name="Title 1">
+            <a:extLst>
+              <a:ext uri="{FF2B5EF4-FFF2-40B4-BE49-F238E27FC236}">
+                <a16:creationId xmlns:a16="http://schemas.microsoft.com/office/drawing/2014/main" id="{1E677DB8-E1E5-794A-88C5-4BABA330C591}"/>
+              </a:ext>
+            </a:extLst>
+          </p:cNvPr>
+          <p:cNvSpPr>
+            <a:spLocks noGrp="1"/>
+          </p:cNvSpPr>
+          <p:nvPr>
+            <p:ph type="title"/>
+          </p:nvPr>
+        </p:nvSpPr>
+        <p:spPr/>
+        <p:txBody>
+          <a:bodyPr/>
+          <a:lstStyle/>
+          <a:p>
+            <a:pPr algn="ctr"/>
+            <a:r>
+              <a:rPr lang="en-US" b="1" dirty="0" err="1">
+                <a:solidFill>
+                  <a:schemeClr val="bg1"/>
+                </a:solidFill>
+              </a:rPr>
+              <a:t>RowHammer</a:t>
+            </a:r>
+            <a:endParaRPr b="1" dirty="0">
+              <a:solidFill>
+                <a:schemeClr val="bg1"/>
+              </a:solidFill>
+            </a:endParaRPr>
+          </a:p>
+        </p:txBody>
+      </p:sp>
+      <p:sp>
+        <p:nvSpPr>
+          <p:cNvPr id="3" name="Content Placeholder 2">
+            <a:extLst>
+              <a:ext uri="{FF2B5EF4-FFF2-40B4-BE49-F238E27FC236}">
+                <a16:creationId xmlns:a16="http://schemas.microsoft.com/office/drawing/2014/main" id="{E870FD49-7022-DE44-BC47-AB21B5FCA533}"/>
+              </a:ext>
+            </a:extLst>
+          </p:cNvPr>
+          <p:cNvSpPr>
+            <a:spLocks noGrp="1"/>
+          </p:cNvSpPr>
+          <p:nvPr>
+            <p:ph idx="1"/>
+          </p:nvPr>
+        </p:nvSpPr>
+        <p:spPr/>
+        <p:txBody>
+          <a:bodyPr/>
+          <a:lstStyle/>
+          <a:p>
+            <a:pPr>
+              <a:buClr>
+                <a:schemeClr val="bg1"/>
+              </a:buClr>
+              <a:buSzPct val="100000"/>
+              <a:buFont typeface="System Font Regular"/>
+              <a:buChar char="&gt;"/>
+            </a:pPr>
+            <a:r>
+              <a:rPr lang="en-US" dirty="0">
+                <a:solidFill>
+                  <a:schemeClr val="bg1"/>
+                </a:solidFill>
+              </a:rPr>
+              <a:t>Malicious attackers can exploit disturbance error phenomenon to break the </a:t>
+            </a:r>
+            <a:r>
+              <a:rPr lang="en-US" b="1" i="1" dirty="0">
+                <a:solidFill>
+                  <a:schemeClr val="bg1"/>
+                </a:solidFill>
+              </a:rPr>
+              <a:t>memory isolation security principle </a:t>
+            </a:r>
+            <a:r>
+              <a:rPr lang="en-US" dirty="0">
+                <a:solidFill>
+                  <a:schemeClr val="bg1"/>
+                </a:solidFill>
+              </a:rPr>
+              <a:t>to cast great threat on computer system.</a:t>
+            </a:r>
+            <a:br>
+              <a:rPr lang="en-US" dirty="0">
+                <a:solidFill>
+                  <a:schemeClr val="bg1"/>
+                </a:solidFill>
+              </a:rPr>
+            </a:br>
+            <a:endParaRPr lang="en-US" dirty="0">
+              <a:solidFill>
+                <a:schemeClr val="bg1"/>
+              </a:solidFill>
+            </a:endParaRPr>
+          </a:p>
+          <a:p>
+            <a:pPr>
+              <a:buClr>
+                <a:schemeClr val="bg1"/>
+              </a:buClr>
+              <a:buSzPct val="100000"/>
+              <a:buFont typeface="System Font Regular"/>
+              <a:buChar char="&gt;"/>
+            </a:pPr>
+            <a:r>
+              <a:rPr lang="en-US" dirty="0">
+                <a:solidFill>
+                  <a:schemeClr val="bg1"/>
+                </a:solidFill>
+              </a:rPr>
+              <a:t>In later works, the exploitation of disturbance error phenomenon is called </a:t>
+            </a:r>
+            <a:r>
+              <a:rPr lang="en-US" i="1" dirty="0" err="1">
+                <a:solidFill>
+                  <a:schemeClr val="bg1"/>
+                </a:solidFill>
+              </a:rPr>
+              <a:t>RowHammer</a:t>
+            </a:r>
+            <a:r>
+              <a:rPr lang="en-US" dirty="0">
+                <a:solidFill>
+                  <a:schemeClr val="bg1"/>
+                </a:solidFill>
+              </a:rPr>
+              <a:t>, meaning repeatedly "hammering" a row induces bit flips into adjacent rows.</a:t>
+            </a:r>
+          </a:p>
+        </p:txBody>
+      </p:sp>
+      <p:sp>
+        <p:nvSpPr>
+          <p:cNvPr id="4" name="Date Placeholder 3">
+            <a:extLst>
+              <a:ext uri="{FF2B5EF4-FFF2-40B4-BE49-F238E27FC236}">
+                <a16:creationId xmlns:a16="http://schemas.microsoft.com/office/drawing/2014/main" id="{D94934F8-B110-3C44-AE95-87FA7846C571}"/>
+              </a:ext>
+            </a:extLst>
+          </p:cNvPr>
+          <p:cNvSpPr>
+            <a:spLocks noGrp="1"/>
+          </p:cNvSpPr>
+          <p:nvPr>
+            <p:ph type="dt" sz="half" idx="10"/>
+          </p:nvPr>
+        </p:nvSpPr>
+        <p:spPr/>
+        <p:txBody>
+          <a:bodyPr/>
+          <a:lstStyle/>
+          <a:p>
+            <a:fld id="{D845548B-896B-4443-A799-EFD372AE4086}" type="datetime1">
+              <a:rPr lang="en-US" smtClean="0">
+                <a:solidFill>
+                  <a:schemeClr val="bg1"/>
+                </a:solidFill>
+              </a:rPr>
+              <a:t>12/20/20</a:t>
+            </a:fld>
+            <a:endParaRPr lang="en-CN" dirty="0">
+              <a:solidFill>
+                <a:schemeClr val="bg1"/>
+              </a:solidFill>
+            </a:endParaRPr>
+          </a:p>
+        </p:txBody>
+      </p:sp>
+      <p:sp>
+        <p:nvSpPr>
+          <p:cNvPr id="5" name="Footer Placeholder 4">
+            <a:extLst>
+              <a:ext uri="{FF2B5EF4-FFF2-40B4-BE49-F238E27FC236}">
+                <a16:creationId xmlns:a16="http://schemas.microsoft.com/office/drawing/2014/main" id="{809AF835-7846-924F-950D-492C801472AC}"/>
+              </a:ext>
+            </a:extLst>
+          </p:cNvPr>
+          <p:cNvSpPr>
+            <a:spLocks noGrp="1"/>
+          </p:cNvSpPr>
+          <p:nvPr>
+            <p:ph type="ftr" sz="quarter" idx="11"/>
+          </p:nvPr>
+        </p:nvSpPr>
+        <p:spPr/>
+        <p:txBody>
+          <a:bodyPr/>
+          <a:lstStyle/>
+          <a:p>
+            <a:r>
+              <a:rPr lang="en-US" dirty="0">
+                <a:solidFill>
+                  <a:schemeClr val="bg1"/>
+                </a:solidFill>
+              </a:rPr>
+              <a:t>CARAS Lab</a:t>
+            </a:r>
+            <a:endParaRPr lang="en-CN" dirty="0">
+              <a:solidFill>
+                <a:schemeClr val="bg1"/>
+              </a:solidFill>
+            </a:endParaRPr>
+          </a:p>
+        </p:txBody>
+      </p:sp>
+      <p:sp>
+        <p:nvSpPr>
+          <p:cNvPr id="6" name="Slide Number Placeholder 5">
+            <a:extLst>
+              <a:ext uri="{FF2B5EF4-FFF2-40B4-BE49-F238E27FC236}">
+                <a16:creationId xmlns:a16="http://schemas.microsoft.com/office/drawing/2014/main" id="{5B5F2698-1CAD-CA4D-BFCC-FD50373115BB}"/>
+              </a:ext>
+            </a:extLst>
+          </p:cNvPr>
+          <p:cNvSpPr>
+            <a:spLocks noGrp="1"/>
+          </p:cNvSpPr>
+          <p:nvPr>
+            <p:ph type="sldNum" sz="quarter" idx="12"/>
+          </p:nvPr>
+        </p:nvSpPr>
+        <p:spPr/>
+        <p:txBody>
+          <a:bodyPr/>
+          <a:lstStyle/>
+          <a:p>
+            <a:fld id="{5996DFBF-FD8F-6F45-AB3E-FF7BF960061F}" type="slidenum">
+              <a:rPr lang="en-CN" smtClean="0">
+                <a:solidFill>
+                  <a:schemeClr val="bg1"/>
+                </a:solidFill>
+              </a:rPr>
+              <a:t>17</a:t>
+            </a:fld>
+            <a:endParaRPr lang="en-CN" dirty="0">
+              <a:solidFill>
+                <a:schemeClr val="bg1"/>
+              </a:solidFill>
+            </a:endParaRPr>
+          </a:p>
+        </p:txBody>
+      </p:sp>
+    </p:spTree>
+    <p:extLst>
+      <p:ext uri="{BB962C8B-B14F-4D97-AF65-F5344CB8AC3E}">
+        <p14:creationId xmlns:p14="http://schemas.microsoft.com/office/powerpoint/2010/main" val="3746639565"/>
+      </p:ext>
+    </p:extLst>
+  </p:cSld>
+  <p:clrMapOvr>
+    <a:masterClrMapping/>
+  </p:clrMapOvr>
+</p:sld>
+</file>
+
+<file path=ppt/slides/slide18.xml><?xml version="1.0" encoding="utf-8"?>
+<p:sld xmlns:a="http://schemas.openxmlformats.org/drawingml/2006/main" xmlns:r="http://schemas.openxmlformats.org/officeDocument/2006/relationships" xmlns:p="http://schemas.openxmlformats.org/presentationml/2006/main">
+  <p:cSld>
+    <p:bg>
+      <p:bgPr>
+        <a:solidFill>
+          <a:schemeClr val="tx1"/>
+        </a:solidFill>
+        <a:effectLst/>
+      </p:bgPr>
+    </p:bg>
+    <p:spTree>
+      <p:nvGrpSpPr>
+        <p:cNvPr id="1" name=""/>
+        <p:cNvGrpSpPr/>
+        <p:nvPr/>
+      </p:nvGrpSpPr>
+      <p:grpSpPr>
+        <a:xfrm>
+          <a:off x="0" y="0"/>
+          <a:ext cx="0" cy="0"/>
+          <a:chOff x="0" y="0"/>
+          <a:chExt cx="0" cy="0"/>
+        </a:xfrm>
+      </p:grpSpPr>
+      <p:sp>
+        <p:nvSpPr>
+          <p:cNvPr id="2" name="Title 1">
+            <a:extLst>
+              <a:ext uri="{FF2B5EF4-FFF2-40B4-BE49-F238E27FC236}">
+                <a16:creationId xmlns:a16="http://schemas.microsoft.com/office/drawing/2014/main" id="{1E677DB8-E1E5-794A-88C5-4BABA330C591}"/>
+              </a:ext>
+            </a:extLst>
+          </p:cNvPr>
+          <p:cNvSpPr>
+            <a:spLocks noGrp="1"/>
+          </p:cNvSpPr>
+          <p:nvPr>
+            <p:ph type="title"/>
+          </p:nvPr>
+        </p:nvSpPr>
+        <p:spPr>
+          <a:xfrm>
+            <a:off x="838200" y="365126"/>
+            <a:ext cx="10515600" cy="649288"/>
+          </a:xfrm>
+        </p:spPr>
+        <p:txBody>
+          <a:bodyPr>
+            <a:normAutofit/>
+          </a:bodyPr>
+          <a:lstStyle/>
+          <a:p>
+            <a:pPr algn="ctr"/>
+            <a:r>
+              <a:rPr lang="en-CN" sz="3200" b="1" dirty="0">
+                <a:solidFill>
+                  <a:schemeClr val="bg1"/>
+                </a:solidFill>
+              </a:rPr>
+              <a:t>References</a:t>
+            </a:r>
+            <a:endParaRPr sz="3200" b="1" dirty="0">
+              <a:solidFill>
+                <a:schemeClr val="bg1"/>
+              </a:solidFill>
+            </a:endParaRPr>
+          </a:p>
+        </p:txBody>
+      </p:sp>
+      <p:sp>
+        <p:nvSpPr>
+          <p:cNvPr id="3" name="Content Placeholder 2">
+            <a:extLst>
+              <a:ext uri="{FF2B5EF4-FFF2-40B4-BE49-F238E27FC236}">
+                <a16:creationId xmlns:a16="http://schemas.microsoft.com/office/drawing/2014/main" id="{E870FD49-7022-DE44-BC47-AB21B5FCA533}"/>
+              </a:ext>
+            </a:extLst>
+          </p:cNvPr>
+          <p:cNvSpPr>
+            <a:spLocks noGrp="1"/>
+          </p:cNvSpPr>
+          <p:nvPr>
+            <p:ph idx="1"/>
+          </p:nvPr>
+        </p:nvSpPr>
+        <p:spPr>
+          <a:xfrm>
+            <a:off x="838200" y="1014414"/>
+            <a:ext cx="10515600" cy="5157786"/>
+          </a:xfrm>
+        </p:spPr>
+        <p:txBody>
+          <a:bodyPr>
+            <a:normAutofit/>
+          </a:bodyPr>
+          <a:lstStyle/>
+          <a:p>
+            <a:pPr marL="0" indent="0">
+              <a:buClr>
+                <a:schemeClr val="bg1"/>
+              </a:buClr>
+              <a:buSzPct val="100000"/>
+              <a:buNone/>
+            </a:pPr>
+            <a:r>
+              <a:rPr lang="en-US" sz="1600" dirty="0">
+                <a:solidFill>
+                  <a:schemeClr val="bg1"/>
+                </a:solidFill>
+              </a:rPr>
+              <a:t>[1] </a:t>
+            </a:r>
+          </a:p>
+        </p:txBody>
+      </p:sp>
+      <p:sp>
+        <p:nvSpPr>
+          <p:cNvPr id="4" name="Date Placeholder 3">
+            <a:extLst>
+              <a:ext uri="{FF2B5EF4-FFF2-40B4-BE49-F238E27FC236}">
+                <a16:creationId xmlns:a16="http://schemas.microsoft.com/office/drawing/2014/main" id="{D94934F8-B110-3C44-AE95-87FA7846C571}"/>
+              </a:ext>
+            </a:extLst>
+          </p:cNvPr>
+          <p:cNvSpPr>
+            <a:spLocks noGrp="1"/>
+          </p:cNvSpPr>
+          <p:nvPr>
+            <p:ph type="dt" sz="half" idx="10"/>
+          </p:nvPr>
+        </p:nvSpPr>
+        <p:spPr/>
+        <p:txBody>
+          <a:bodyPr/>
+          <a:lstStyle/>
+          <a:p>
+            <a:fld id="{D845548B-896B-4443-A799-EFD372AE4086}" type="datetime1">
+              <a:rPr lang="en-US" smtClean="0">
+                <a:solidFill>
+                  <a:schemeClr val="bg1"/>
+                </a:solidFill>
+              </a:rPr>
+              <a:t>12/20/20</a:t>
+            </a:fld>
+            <a:endParaRPr lang="en-CN" dirty="0">
+              <a:solidFill>
+                <a:schemeClr val="bg1"/>
+              </a:solidFill>
+            </a:endParaRPr>
+          </a:p>
+        </p:txBody>
+      </p:sp>
+      <p:sp>
+        <p:nvSpPr>
+          <p:cNvPr id="5" name="Footer Placeholder 4">
+            <a:extLst>
+              <a:ext uri="{FF2B5EF4-FFF2-40B4-BE49-F238E27FC236}">
+                <a16:creationId xmlns:a16="http://schemas.microsoft.com/office/drawing/2014/main" id="{809AF835-7846-924F-950D-492C801472AC}"/>
+              </a:ext>
+            </a:extLst>
+          </p:cNvPr>
+          <p:cNvSpPr>
+            <a:spLocks noGrp="1"/>
+          </p:cNvSpPr>
+          <p:nvPr>
+            <p:ph type="ftr" sz="quarter" idx="11"/>
+          </p:nvPr>
+        </p:nvSpPr>
+        <p:spPr/>
+        <p:txBody>
+          <a:bodyPr/>
+          <a:lstStyle/>
+          <a:p>
+            <a:r>
+              <a:rPr lang="en-US" dirty="0">
+                <a:solidFill>
+                  <a:schemeClr val="bg1"/>
+                </a:solidFill>
+              </a:rPr>
+              <a:t>CARAS Lab</a:t>
+            </a:r>
+            <a:endParaRPr lang="en-CN" dirty="0">
+              <a:solidFill>
+                <a:schemeClr val="bg1"/>
+              </a:solidFill>
+            </a:endParaRPr>
+          </a:p>
+        </p:txBody>
+      </p:sp>
+      <p:sp>
+        <p:nvSpPr>
+          <p:cNvPr id="6" name="Slide Number Placeholder 5">
+            <a:extLst>
+              <a:ext uri="{FF2B5EF4-FFF2-40B4-BE49-F238E27FC236}">
+                <a16:creationId xmlns:a16="http://schemas.microsoft.com/office/drawing/2014/main" id="{5B5F2698-1CAD-CA4D-BFCC-FD50373115BB}"/>
+              </a:ext>
+            </a:extLst>
+          </p:cNvPr>
+          <p:cNvSpPr>
+            <a:spLocks noGrp="1"/>
+          </p:cNvSpPr>
+          <p:nvPr>
+            <p:ph type="sldNum" sz="quarter" idx="12"/>
+          </p:nvPr>
+        </p:nvSpPr>
+        <p:spPr/>
+        <p:txBody>
+          <a:bodyPr/>
+          <a:lstStyle/>
+          <a:p>
+            <a:fld id="{5996DFBF-FD8F-6F45-AB3E-FF7BF960061F}" type="slidenum">
+              <a:rPr lang="en-CN" smtClean="0">
+                <a:solidFill>
+                  <a:schemeClr val="bg1"/>
+                </a:solidFill>
+              </a:rPr>
+              <a:t>18</a:t>
+            </a:fld>
+            <a:endParaRPr lang="en-CN" dirty="0">
+              <a:solidFill>
+                <a:schemeClr val="bg1"/>
+              </a:solidFill>
+            </a:endParaRPr>
+          </a:p>
+        </p:txBody>
+      </p:sp>
+    </p:spTree>
+    <p:extLst>
+      <p:ext uri="{BB962C8B-B14F-4D97-AF65-F5344CB8AC3E}">
+        <p14:creationId xmlns:p14="http://schemas.microsoft.com/office/powerpoint/2010/main" val="3144653611"/>
+      </p:ext>
+    </p:extLst>
+  </p:cSld>
+  <p:clrMapOvr>
+    <a:masterClrMapping/>
+  </p:clrMapOvr>
+</p:sld>
+</file>
+
 <file path=ppt/slides/slide2.xml><?xml version="1.0" encoding="utf-8"?>
 <p:sld xmlns:a="http://schemas.openxmlformats.org/drawingml/2006/main" xmlns:r="http://schemas.openxmlformats.org/officeDocument/2006/relationships" xmlns:p="http://schemas.openxmlformats.org/presentationml/2006/main">
   <p:cSld>
@@ -4620,7 +8038,7 @@
                   <a:schemeClr val="bg1"/>
                 </a:solidFill>
               </a:rPr>
-              <a:t>Risks in Our Comfort Zone</a:t>
+              <a:t>Risks in Comfort Zone</a:t>
             </a:r>
             <a:br>
               <a:rPr lang="en-US" dirty="0">
@@ -4779,18 +8197,18 @@
       </p:sp>
       <p:sp>
         <p:nvSpPr>
-          <p:cNvPr id="4" name="Date Placeholder 3">
-            <a:extLst>
-              <a:ext uri="{FF2B5EF4-FFF2-40B4-BE49-F238E27FC236}">
-                <a16:creationId xmlns:a16="http://schemas.microsoft.com/office/drawing/2014/main" id="{D94934F8-B110-3C44-AE95-87FA7846C571}"/>
-              </a:ext>
-            </a:extLst>
-          </p:cNvPr>
-          <p:cNvSpPr>
-            <a:spLocks noGrp="1"/>
-          </p:cNvSpPr>
-          <p:nvPr>
-            <p:ph type="dt" sz="half" idx="10"/>
+          <p:cNvPr id="5" name="Footer Placeholder 4">
+            <a:extLst>
+              <a:ext uri="{FF2B5EF4-FFF2-40B4-BE49-F238E27FC236}">
+                <a16:creationId xmlns:a16="http://schemas.microsoft.com/office/drawing/2014/main" id="{809AF835-7846-924F-950D-492C801472AC}"/>
+              </a:ext>
+            </a:extLst>
+          </p:cNvPr>
+          <p:cNvSpPr>
+            <a:spLocks noGrp="1"/>
+          </p:cNvSpPr>
+          <p:nvPr>
+            <p:ph type="ftr" sz="quarter" idx="11"/>
           </p:nvPr>
         </p:nvSpPr>
         <p:spPr/>
@@ -4798,93 +8216,11 @@
           <a:bodyPr/>
           <a:lstStyle/>
           <a:p>
-            <a:fld id="{D845548B-896B-4443-A799-EFD372AE4086}" type="datetime1">
-              <a:rPr lang="en-US" smtClean="0">
-                <a:solidFill>
-                  <a:schemeClr val="bg1"/>
-                </a:solidFill>
-              </a:rPr>
-              <a:t>12/20/20</a:t>
-            </a:fld>
-            <a:endParaRPr lang="en-CN" dirty="0">
-              <a:solidFill>
-                <a:schemeClr val="bg1"/>
-              </a:solidFill>
-            </a:endParaRPr>
-          </a:p>
-        </p:txBody>
-      </p:sp>
-      <p:sp>
-        <p:nvSpPr>
-          <p:cNvPr id="5" name="Footer Placeholder 4">
-            <a:extLst>
-              <a:ext uri="{FF2B5EF4-FFF2-40B4-BE49-F238E27FC236}">
-                <a16:creationId xmlns:a16="http://schemas.microsoft.com/office/drawing/2014/main" id="{809AF835-7846-924F-950D-492C801472AC}"/>
-              </a:ext>
-            </a:extLst>
-          </p:cNvPr>
-          <p:cNvSpPr>
-            <a:spLocks noGrp="1"/>
-          </p:cNvSpPr>
-          <p:nvPr>
-            <p:ph type="ftr" sz="quarter" idx="11"/>
-          </p:nvPr>
-        </p:nvSpPr>
-        <p:spPr/>
-        <p:txBody>
-          <a:bodyPr/>
-          <a:lstStyle/>
-          <a:p>
-            <a:r>
-              <a:rPr lang="en-US" dirty="0">
-                <a:solidFill>
-                  <a:schemeClr val="bg1"/>
-                </a:solidFill>
-              </a:rPr>
+            <a:r>
+              <a:rPr lang="en-US" dirty="0"/>
               <a:t>CARAS Lab</a:t>
             </a:r>
-            <a:endParaRPr lang="en-CN" dirty="0">
-              <a:solidFill>
-                <a:schemeClr val="bg1"/>
-              </a:solidFill>
-            </a:endParaRPr>
-          </a:p>
-        </p:txBody>
-      </p:sp>
-      <p:sp>
-        <p:nvSpPr>
-          <p:cNvPr id="6" name="Slide Number Placeholder 5">
-            <a:extLst>
-              <a:ext uri="{FF2B5EF4-FFF2-40B4-BE49-F238E27FC236}">
-                <a16:creationId xmlns:a16="http://schemas.microsoft.com/office/drawing/2014/main" id="{5B5F2698-1CAD-CA4D-BFCC-FD50373115BB}"/>
-              </a:ext>
-            </a:extLst>
-          </p:cNvPr>
-          <p:cNvSpPr>
-            <a:spLocks noGrp="1"/>
-          </p:cNvSpPr>
-          <p:nvPr>
-            <p:ph type="sldNum" sz="quarter" idx="12"/>
-          </p:nvPr>
-        </p:nvSpPr>
-        <p:spPr/>
-        <p:txBody>
-          <a:bodyPr/>
-          <a:lstStyle/>
-          <a:p>
-            <a:fld id="{5996DFBF-FD8F-6F45-AB3E-FF7BF960061F}" type="slidenum">
-              <a:rPr lang="en-CN" smtClean="0">
-                <a:solidFill>
-                  <a:schemeClr val="bg1"/>
-                </a:solidFill>
-              </a:rPr>
-              <a:t>2</a:t>
-            </a:fld>
-            <a:endParaRPr lang="en-CN" dirty="0">
-              <a:solidFill>
-                <a:schemeClr val="bg1"/>
-              </a:solidFill>
-            </a:endParaRPr>
+            <a:endParaRPr lang="en-CN" dirty="0"/>
           </a:p>
         </p:txBody>
       </p:sp>
@@ -4942,7 +8278,12 @@
             <p:ph type="title"/>
           </p:nvPr>
         </p:nvSpPr>
-        <p:spPr/>
+        <p:spPr>
+          <a:xfrm>
+            <a:off x="838200" y="2766218"/>
+            <a:ext cx="10515600" cy="1325563"/>
+          </a:xfrm>
+        </p:spPr>
         <p:txBody>
           <a:bodyPr/>
           <a:lstStyle/>
@@ -4954,7 +8295,7 @@
                   <a:schemeClr val="bg1"/>
                 </a:solidFill>
               </a:rPr>
-              <a:t>Risks in Our Comfort Zone</a:t>
+              <a:t>Risks in Comfort Zone</a:t>
             </a:r>
             <a:endParaRPr b="1" dirty="0">
               <a:solidFill>
@@ -4966,18 +8307,18 @@
       </p:sp>
       <p:sp>
         <p:nvSpPr>
-          <p:cNvPr id="3" name="Content Placeholder 2">
-            <a:extLst>
-              <a:ext uri="{FF2B5EF4-FFF2-40B4-BE49-F238E27FC236}">
-                <a16:creationId xmlns:a16="http://schemas.microsoft.com/office/drawing/2014/main" id="{E870FD49-7022-DE44-BC47-AB21B5FCA533}"/>
-              </a:ext>
-            </a:extLst>
-          </p:cNvPr>
-          <p:cNvSpPr>
-            <a:spLocks noGrp="1"/>
-          </p:cNvSpPr>
-          <p:nvPr>
-            <p:ph idx="1"/>
+          <p:cNvPr id="11" name="Footer Placeholder 10">
+            <a:extLst>
+              <a:ext uri="{FF2B5EF4-FFF2-40B4-BE49-F238E27FC236}">
+                <a16:creationId xmlns:a16="http://schemas.microsoft.com/office/drawing/2014/main" id="{1C092E6A-D557-A14D-873D-55AAFA4913CD}"/>
+              </a:ext>
+            </a:extLst>
+          </p:cNvPr>
+          <p:cNvSpPr>
+            <a:spLocks noGrp="1"/>
+          </p:cNvSpPr>
+          <p:nvPr>
+            <p:ph type="ftr" sz="quarter" idx="11"/>
           </p:nvPr>
         </p:nvSpPr>
         <p:spPr/>
@@ -4985,238 +8326,18 @@
           <a:bodyPr/>
           <a:lstStyle/>
           <a:p>
-            <a:pPr>
-              <a:buClr>
-                <a:schemeClr val="bg1"/>
-              </a:buClr>
-              <a:buSzPct val="100000"/>
-              <a:buFont typeface="System Font Regular"/>
-              <a:buChar char="&gt;"/>
-            </a:pPr>
-            <a:r>
-              <a:rPr lang="en-US" dirty="0">
-                <a:solidFill>
-                  <a:schemeClr val="bg1"/>
-                </a:solidFill>
-              </a:rPr>
-              <a:t>Classical Security issues most focus on software-level security.</a:t>
-            </a:r>
-          </a:p>
-          <a:p>
-            <a:pPr lvl="1">
-              <a:buClr>
-                <a:schemeClr val="bg1"/>
-              </a:buClr>
-              <a:buSzPct val="100000"/>
-              <a:buFont typeface="Wingdings" pitchFamily="2" charset="2"/>
-              <a:buChar char="Ø"/>
-            </a:pPr>
-            <a:r>
-              <a:rPr lang="en-US" dirty="0">
-                <a:solidFill>
-                  <a:schemeClr val="bg1"/>
-                </a:solidFill>
-              </a:rPr>
-              <a:t>Authority control, process isolation, digital signature, cryptosystems, …</a:t>
-            </a:r>
-          </a:p>
-          <a:p>
-            <a:pPr lvl="1">
-              <a:buClr>
-                <a:schemeClr val="bg1"/>
-              </a:buClr>
-              <a:buSzPct val="100000"/>
-              <a:buFont typeface="Wingdings" pitchFamily="2" charset="2"/>
-              <a:buChar char="Ø"/>
-            </a:pPr>
-            <a:r>
-              <a:rPr lang="en-US" dirty="0">
-                <a:solidFill>
-                  <a:schemeClr val="bg1"/>
-                </a:solidFill>
-              </a:rPr>
-              <a:t>Popular tools and methodologies can address most security problems.</a:t>
-            </a:r>
-            <a:br>
-              <a:rPr lang="en-US" dirty="0">
-                <a:solidFill>
-                  <a:schemeClr val="bg1"/>
-                </a:solidFill>
-              </a:rPr>
-            </a:br>
-            <a:endParaRPr lang="en-US" dirty="0">
-              <a:solidFill>
-                <a:schemeClr val="bg1"/>
-              </a:solidFill>
-            </a:endParaRPr>
-          </a:p>
-          <a:p>
-            <a:pPr>
-              <a:buClr>
-                <a:schemeClr val="bg1"/>
-              </a:buClr>
-              <a:buSzPct val="100000"/>
-              <a:buFont typeface="System Font Regular"/>
-              <a:buChar char="&gt;"/>
-            </a:pPr>
-            <a:r>
-              <a:rPr lang="en-US" dirty="0">
-                <a:solidFill>
-                  <a:schemeClr val="bg1"/>
-                </a:solidFill>
-              </a:rPr>
-              <a:t>Most of these techniques fit well with their "all-round" threat model. </a:t>
-            </a:r>
-          </a:p>
-          <a:p>
-            <a:pPr lvl="1">
-              <a:buClr>
-                <a:schemeClr val="bg1"/>
-              </a:buClr>
-              <a:buSzPct val="100000"/>
-              <a:buFont typeface="Wingdings" pitchFamily="2" charset="2"/>
-              <a:buChar char="Ø"/>
-            </a:pPr>
-            <a:r>
-              <a:rPr lang="en-US" dirty="0">
-                <a:solidFill>
-                  <a:schemeClr val="bg1"/>
-                </a:solidFill>
-              </a:rPr>
-              <a:t>There is nothing new to be addressed in security now. All that remains is to reuse our threat models to address more and more new-born software vulnerabilities.</a:t>
-            </a:r>
-          </a:p>
-          <a:p>
-            <a:pPr marL="0" indent="0">
-              <a:buClr>
-                <a:schemeClr val="bg1"/>
-              </a:buClr>
-              <a:buSzPct val="100000"/>
-              <a:buNone/>
-            </a:pPr>
-            <a:endParaRPr lang="en-US" dirty="0">
-              <a:solidFill>
-                <a:schemeClr val="bg1"/>
-              </a:solidFill>
-            </a:endParaRPr>
-          </a:p>
-        </p:txBody>
-      </p:sp>
-      <p:sp>
-        <p:nvSpPr>
-          <p:cNvPr id="4" name="Date Placeholder 3">
-            <a:extLst>
-              <a:ext uri="{FF2B5EF4-FFF2-40B4-BE49-F238E27FC236}">
-                <a16:creationId xmlns:a16="http://schemas.microsoft.com/office/drawing/2014/main" id="{D94934F8-B110-3C44-AE95-87FA7846C571}"/>
-              </a:ext>
-            </a:extLst>
-          </p:cNvPr>
-          <p:cNvSpPr>
-            <a:spLocks noGrp="1"/>
-          </p:cNvSpPr>
-          <p:nvPr>
-            <p:ph type="dt" sz="half" idx="10"/>
-          </p:nvPr>
-        </p:nvSpPr>
-        <p:spPr/>
-        <p:txBody>
-          <a:bodyPr/>
-          <a:lstStyle/>
-          <a:p>
-            <a:fld id="{D845548B-896B-4443-A799-EFD372AE4086}" type="datetime1">
-              <a:rPr lang="en-US" smtClean="0">
-                <a:solidFill>
-                  <a:schemeClr val="bg1"/>
-                </a:solidFill>
-              </a:rPr>
-              <a:t>12/20/20</a:t>
-            </a:fld>
-            <a:endParaRPr lang="en-CN" dirty="0">
-              <a:solidFill>
-                <a:schemeClr val="bg1"/>
-              </a:solidFill>
-            </a:endParaRPr>
-          </a:p>
-        </p:txBody>
-      </p:sp>
-      <p:sp>
-        <p:nvSpPr>
-          <p:cNvPr id="5" name="Footer Placeholder 4">
-            <a:extLst>
-              <a:ext uri="{FF2B5EF4-FFF2-40B4-BE49-F238E27FC236}">
-                <a16:creationId xmlns:a16="http://schemas.microsoft.com/office/drawing/2014/main" id="{809AF835-7846-924F-950D-492C801472AC}"/>
-              </a:ext>
-            </a:extLst>
-          </p:cNvPr>
-          <p:cNvSpPr>
-            <a:spLocks noGrp="1"/>
-          </p:cNvSpPr>
-          <p:nvPr>
-            <p:ph type="ftr" sz="quarter" idx="11"/>
-          </p:nvPr>
-        </p:nvSpPr>
-        <p:spPr/>
-        <p:txBody>
-          <a:bodyPr/>
-          <a:lstStyle/>
-          <a:p>
-            <a:r>
-              <a:rPr lang="en-US" dirty="0">
-                <a:solidFill>
-                  <a:schemeClr val="bg1"/>
-                </a:solidFill>
-              </a:rPr>
+            <a:r>
+              <a:rPr lang="en-US" dirty="0"/>
               <a:t>CARAS Lab</a:t>
             </a:r>
-            <a:endParaRPr lang="en-CN" dirty="0">
-              <a:solidFill>
-                <a:schemeClr val="bg1"/>
-              </a:solidFill>
-            </a:endParaRPr>
-          </a:p>
-        </p:txBody>
-      </p:sp>
-      <p:sp>
-        <p:nvSpPr>
-          <p:cNvPr id="6" name="Slide Number Placeholder 5">
-            <a:extLst>
-              <a:ext uri="{FF2B5EF4-FFF2-40B4-BE49-F238E27FC236}">
-                <a16:creationId xmlns:a16="http://schemas.microsoft.com/office/drawing/2014/main" id="{5B5F2698-1CAD-CA4D-BFCC-FD50373115BB}"/>
-              </a:ext>
-            </a:extLst>
-          </p:cNvPr>
-          <p:cNvSpPr>
-            <a:spLocks noGrp="1"/>
-          </p:cNvSpPr>
-          <p:nvPr>
-            <p:ph type="sldNum" sz="quarter" idx="12"/>
-          </p:nvPr>
-        </p:nvSpPr>
-        <p:spPr/>
-        <p:txBody>
-          <a:bodyPr/>
-          <a:lstStyle/>
-          <a:p>
-            <a:fld id="{5996DFBF-FD8F-6F45-AB3E-FF7BF960061F}" type="slidenum">
-              <a:rPr lang="en-CN" smtClean="0">
-                <a:solidFill>
-                  <a:schemeClr val="bg1"/>
-                </a:solidFill>
-              </a:rPr>
-              <a:t>3</a:t>
-            </a:fld>
-            <a:endParaRPr lang="en-CN" dirty="0">
-              <a:solidFill>
-                <a:schemeClr val="bg1"/>
-              </a:solidFill>
-            </a:endParaRPr>
+            <a:endParaRPr lang="en-CN" dirty="0"/>
           </a:p>
         </p:txBody>
       </p:sp>
     </p:spTree>
     <p:extLst>
       <p:ext uri="{BB962C8B-B14F-4D97-AF65-F5344CB8AC3E}">
-        <p14:creationId xmlns:p14="http://schemas.microsoft.com/office/powerpoint/2010/main" val="2749511418"/>
+        <p14:creationId xmlns:p14="http://schemas.microsoft.com/office/powerpoint/2010/main" val="1249436513"/>
       </p:ext>
     </p:extLst>
   </p:cSld>
@@ -5279,7 +8400,7 @@
                   <a:schemeClr val="bg1"/>
                 </a:solidFill>
               </a:rPr>
-              <a:t>Risks in Our Comfort Zone</a:t>
+              <a:t>Risks in Comfort Zone</a:t>
             </a:r>
             <a:endParaRPr b="1" dirty="0">
               <a:solidFill>
@@ -5291,10 +8412,10 @@
       </p:sp>
       <p:sp>
         <p:nvSpPr>
-          <p:cNvPr id="9" name="Content Placeholder 2">
-            <a:extLst>
-              <a:ext uri="{FF2B5EF4-FFF2-40B4-BE49-F238E27FC236}">
-                <a16:creationId xmlns:a16="http://schemas.microsoft.com/office/drawing/2014/main" id="{9145EAC4-E97B-C34A-A9C2-3EABEA6636EA}"/>
+          <p:cNvPr id="3" name="Content Placeholder 2">
+            <a:extLst>
+              <a:ext uri="{FF2B5EF4-FFF2-40B4-BE49-F238E27FC236}">
+                <a16:creationId xmlns:a16="http://schemas.microsoft.com/office/drawing/2014/main" id="{E870FD49-7022-DE44-BC47-AB21B5FCA533}"/>
               </a:ext>
             </a:extLst>
           </p:cNvPr>
@@ -5305,12 +8426,7 @@
             <p:ph idx="1"/>
           </p:nvPr>
         </p:nvSpPr>
-        <p:spPr>
-          <a:xfrm>
-            <a:off x="838200" y="1825625"/>
-            <a:ext cx="10515600" cy="4351338"/>
-          </a:xfrm>
-        </p:spPr>
+        <p:spPr/>
         <p:txBody>
           <a:bodyPr/>
           <a:lstStyle/>
@@ -5329,7 +8445,7 @@
                   <a:schemeClr val="bg1"/>
                 </a:solidFill>
               </a:rPr>
-              <a:t>But how about the underlying hardware architecture? </a:t>
+              <a:t>Classical Security issues most focus on software-level security.</a:t>
             </a:r>
           </a:p>
           <a:p>
@@ -5347,48 +8463,34 @@
                   <a:schemeClr val="bg1"/>
                 </a:solidFill>
               </a:rPr>
-              <a:t>All your threat models are based on the assumption that the underlying architecture is secure enough to support these upper structure</a:t>
-            </a:r>
-            <a:r>
-              <a:rPr lang="zh-CN" altLang="en-US" dirty="0">
-                <a:solidFill>
-                  <a:schemeClr val="bg1"/>
-                </a:solidFill>
-              </a:rPr>
-              <a:t> </a:t>
-            </a:r>
-            <a:r>
-              <a:rPr lang="en-US" altLang="zh-CN" dirty="0">
-                <a:solidFill>
-                  <a:schemeClr val="bg1"/>
-                </a:solidFill>
-              </a:rPr>
-              <a:t>security</a:t>
-            </a:r>
-            <a:r>
-              <a:rPr lang="zh-CN" altLang="en-US" dirty="0">
-                <a:solidFill>
-                  <a:schemeClr val="bg1"/>
-                </a:solidFill>
-              </a:rPr>
-              <a:t> </a:t>
-            </a:r>
-            <a:r>
-              <a:rPr lang="en-US" altLang="zh-CN" dirty="0">
-                <a:solidFill>
-                  <a:schemeClr val="bg1"/>
-                </a:solidFill>
-              </a:rPr>
-              <a:t>techniques.</a:t>
+              <a:t>Authority control, process isolation, digital signature, cryptosystems, …</a:t>
+            </a:r>
+          </a:p>
+          <a:p>
+            <a:pPr lvl="1">
+              <a:buClr>
+                <a:schemeClr val="bg1"/>
+              </a:buClr>
+              <a:buSzPct val="100000"/>
+              <a:buFont typeface="Wingdings" pitchFamily="2" charset="2"/>
+              <a:buChar char="Ø"/>
+            </a:pPr>
+            <a:r>
+              <a:rPr lang="en-US" dirty="0">
+                <a:solidFill>
+                  <a:schemeClr val="bg1"/>
+                </a:solidFill>
+              </a:rPr>
+              <a:t>Popular tools and methodologies can address most security problems.</a:t>
             </a:r>
             <a:br>
-              <a:rPr lang="en-US" altLang="zh-CN" dirty="0">
+              <a:rPr lang="en-US" dirty="0">
                 <a:solidFill>
                   <a:schemeClr val="bg1"/>
                 </a:solidFill>
               </a:rPr>
             </a:br>
-            <a:endParaRPr lang="en-US" altLang="zh-CN" dirty="0">
+            <a:endParaRPr lang="en-US" dirty="0">
               <a:solidFill>
                 <a:schemeClr val="bg1"/>
               </a:solidFill>
@@ -5409,8 +8511,40 @@
                   <a:schemeClr val="bg1"/>
                 </a:solidFill>
               </a:rPr>
-              <a:t>Well, it’s intuitively secure enough though, with many years’ demonstration in universal implementations. So there's no need to be paranoid.</a:t>
-            </a:r>
+              <a:t>Most of these techniques fit well with their "all-round" threat model. </a:t>
+            </a:r>
+          </a:p>
+          <a:p>
+            <a:pPr lvl="1">
+              <a:buClr>
+                <a:schemeClr val="bg1"/>
+              </a:buClr>
+              <a:buSzPct val="100000"/>
+              <a:buFont typeface="Wingdings" pitchFamily="2" charset="2"/>
+              <a:buChar char="Ø"/>
+            </a:pPr>
+            <a:r>
+              <a:rPr lang="en-US" dirty="0">
+                <a:solidFill>
+                  <a:schemeClr val="bg1"/>
+                </a:solidFill>
+              </a:rPr>
+              <a:t>There is nothing new to be addressed in security now. All that remains is to reuse our threat models to address more and more new-born software vulnerabilities.</a:t>
+            </a:r>
+          </a:p>
+          <a:p>
+            <a:pPr marL="0" indent="0">
+              <a:buClr>
+                <a:schemeClr val="bg1"/>
+              </a:buClr>
+              <a:buSzPct val="100000"/>
+              <a:buNone/>
+            </a:pPr>
+            <a:endParaRPr lang="en-US" dirty="0">
+              <a:solidFill>
+                <a:schemeClr val="bg1"/>
+              </a:solidFill>
+            </a:endParaRPr>
           </a:p>
         </p:txBody>
       </p:sp>
@@ -5528,7 +8662,7 @@
     </p:spTree>
     <p:extLst>
       <p:ext uri="{BB962C8B-B14F-4D97-AF65-F5344CB8AC3E}">
-        <p14:creationId xmlns:p14="http://schemas.microsoft.com/office/powerpoint/2010/main" val="1615199784"/>
+        <p14:creationId xmlns:p14="http://schemas.microsoft.com/office/powerpoint/2010/main" val="2749511418"/>
       </p:ext>
     </p:extLst>
   </p:cSld>
@@ -5591,7 +8725,319 @@
                   <a:schemeClr val="bg1"/>
                 </a:solidFill>
               </a:rPr>
-              <a:t>Risks in Our Comfort Zone</a:t>
+              <a:t>Risks in Comfort Zone</a:t>
+            </a:r>
+            <a:endParaRPr b="1" dirty="0">
+              <a:solidFill>
+                <a:schemeClr val="bg1"/>
+              </a:solidFill>
+            </a:endParaRPr>
+          </a:p>
+        </p:txBody>
+      </p:sp>
+      <p:sp>
+        <p:nvSpPr>
+          <p:cNvPr id="9" name="Content Placeholder 2">
+            <a:extLst>
+              <a:ext uri="{FF2B5EF4-FFF2-40B4-BE49-F238E27FC236}">
+                <a16:creationId xmlns:a16="http://schemas.microsoft.com/office/drawing/2014/main" id="{9145EAC4-E97B-C34A-A9C2-3EABEA6636EA}"/>
+              </a:ext>
+            </a:extLst>
+          </p:cNvPr>
+          <p:cNvSpPr>
+            <a:spLocks noGrp="1"/>
+          </p:cNvSpPr>
+          <p:nvPr>
+            <p:ph idx="1"/>
+          </p:nvPr>
+        </p:nvSpPr>
+        <p:spPr>
+          <a:xfrm>
+            <a:off x="838200" y="1825625"/>
+            <a:ext cx="10515600" cy="4351338"/>
+          </a:xfrm>
+        </p:spPr>
+        <p:txBody>
+          <a:bodyPr/>
+          <a:lstStyle/>
+          <a:p>
+            <a:pPr>
+              <a:buClr>
+                <a:schemeClr val="bg1"/>
+              </a:buClr>
+              <a:buSzPct val="100000"/>
+              <a:buFont typeface="System Font Regular"/>
+              <a:buChar char="&gt;"/>
+            </a:pPr>
+            <a:r>
+              <a:rPr lang="en-US" dirty="0">
+                <a:solidFill>
+                  <a:schemeClr val="bg1"/>
+                </a:solidFill>
+              </a:rPr>
+              <a:t>But how about the underlying hardware architecture? </a:t>
+            </a:r>
+          </a:p>
+          <a:p>
+            <a:pPr lvl="1">
+              <a:buClr>
+                <a:schemeClr val="bg1"/>
+              </a:buClr>
+              <a:buSzPct val="100000"/>
+              <a:buFont typeface="Wingdings" pitchFamily="2" charset="2"/>
+              <a:buChar char="Ø"/>
+            </a:pPr>
+            <a:r>
+              <a:rPr lang="en-US" dirty="0">
+                <a:solidFill>
+                  <a:schemeClr val="bg1"/>
+                </a:solidFill>
+              </a:rPr>
+              <a:t>All your threat models are based on the assumption that the underlying architecture is secure enough to support these upper-structure</a:t>
+            </a:r>
+            <a:r>
+              <a:rPr lang="zh-CN" altLang="en-US" dirty="0">
+                <a:solidFill>
+                  <a:schemeClr val="bg1"/>
+                </a:solidFill>
+              </a:rPr>
+              <a:t> </a:t>
+            </a:r>
+            <a:r>
+              <a:rPr lang="en-US" altLang="zh-CN" dirty="0">
+                <a:solidFill>
+                  <a:schemeClr val="bg1"/>
+                </a:solidFill>
+              </a:rPr>
+              <a:t>security</a:t>
+            </a:r>
+            <a:r>
+              <a:rPr lang="zh-CN" altLang="en-US" dirty="0">
+                <a:solidFill>
+                  <a:schemeClr val="bg1"/>
+                </a:solidFill>
+              </a:rPr>
+              <a:t> </a:t>
+            </a:r>
+            <a:r>
+              <a:rPr lang="en-US" altLang="zh-CN" dirty="0">
+                <a:solidFill>
+                  <a:schemeClr val="bg1"/>
+                </a:solidFill>
+              </a:rPr>
+              <a:t>techniques.</a:t>
+            </a:r>
+            <a:br>
+              <a:rPr lang="en-US" altLang="zh-CN" dirty="0">
+                <a:solidFill>
+                  <a:schemeClr val="bg1"/>
+                </a:solidFill>
+              </a:rPr>
+            </a:br>
+            <a:endParaRPr lang="en-US" altLang="zh-CN" dirty="0">
+              <a:solidFill>
+                <a:schemeClr val="bg1"/>
+              </a:solidFill>
+            </a:endParaRPr>
+          </a:p>
+          <a:p>
+            <a:pPr>
+              <a:buClr>
+                <a:schemeClr val="bg1"/>
+              </a:buClr>
+              <a:buSzPct val="100000"/>
+              <a:buFont typeface="System Font Regular"/>
+              <a:buChar char="&gt;"/>
+            </a:pPr>
+            <a:r>
+              <a:rPr lang="en-US" dirty="0">
+                <a:solidFill>
+                  <a:schemeClr val="bg1"/>
+                </a:solidFill>
+              </a:rPr>
+              <a:t>Well, it’s intuitively secure enough though, with many years’ demonstration in universal implementations. So there's no need to be paranoid.</a:t>
+            </a:r>
+          </a:p>
+        </p:txBody>
+      </p:sp>
+      <p:sp>
+        <p:nvSpPr>
+          <p:cNvPr id="4" name="Date Placeholder 3">
+            <a:extLst>
+              <a:ext uri="{FF2B5EF4-FFF2-40B4-BE49-F238E27FC236}">
+                <a16:creationId xmlns:a16="http://schemas.microsoft.com/office/drawing/2014/main" id="{D94934F8-B110-3C44-AE95-87FA7846C571}"/>
+              </a:ext>
+            </a:extLst>
+          </p:cNvPr>
+          <p:cNvSpPr>
+            <a:spLocks noGrp="1"/>
+          </p:cNvSpPr>
+          <p:nvPr>
+            <p:ph type="dt" sz="half" idx="10"/>
+          </p:nvPr>
+        </p:nvSpPr>
+        <p:spPr/>
+        <p:txBody>
+          <a:bodyPr/>
+          <a:lstStyle/>
+          <a:p>
+            <a:fld id="{D845548B-896B-4443-A799-EFD372AE4086}" type="datetime1">
+              <a:rPr lang="en-US" smtClean="0">
+                <a:solidFill>
+                  <a:schemeClr val="bg1"/>
+                </a:solidFill>
+              </a:rPr>
+              <a:t>12/20/20</a:t>
+            </a:fld>
+            <a:endParaRPr lang="en-CN" dirty="0">
+              <a:solidFill>
+                <a:schemeClr val="bg1"/>
+              </a:solidFill>
+            </a:endParaRPr>
+          </a:p>
+        </p:txBody>
+      </p:sp>
+      <p:sp>
+        <p:nvSpPr>
+          <p:cNvPr id="5" name="Footer Placeholder 4">
+            <a:extLst>
+              <a:ext uri="{FF2B5EF4-FFF2-40B4-BE49-F238E27FC236}">
+                <a16:creationId xmlns:a16="http://schemas.microsoft.com/office/drawing/2014/main" id="{809AF835-7846-924F-950D-492C801472AC}"/>
+              </a:ext>
+            </a:extLst>
+          </p:cNvPr>
+          <p:cNvSpPr>
+            <a:spLocks noGrp="1"/>
+          </p:cNvSpPr>
+          <p:nvPr>
+            <p:ph type="ftr" sz="quarter" idx="11"/>
+          </p:nvPr>
+        </p:nvSpPr>
+        <p:spPr/>
+        <p:txBody>
+          <a:bodyPr/>
+          <a:lstStyle/>
+          <a:p>
+            <a:r>
+              <a:rPr lang="en-US" dirty="0">
+                <a:solidFill>
+                  <a:schemeClr val="bg1"/>
+                </a:solidFill>
+              </a:rPr>
+              <a:t>CARAS Lab</a:t>
+            </a:r>
+            <a:endParaRPr lang="en-CN" dirty="0">
+              <a:solidFill>
+                <a:schemeClr val="bg1"/>
+              </a:solidFill>
+            </a:endParaRPr>
+          </a:p>
+        </p:txBody>
+      </p:sp>
+      <p:sp>
+        <p:nvSpPr>
+          <p:cNvPr id="6" name="Slide Number Placeholder 5">
+            <a:extLst>
+              <a:ext uri="{FF2B5EF4-FFF2-40B4-BE49-F238E27FC236}">
+                <a16:creationId xmlns:a16="http://schemas.microsoft.com/office/drawing/2014/main" id="{5B5F2698-1CAD-CA4D-BFCC-FD50373115BB}"/>
+              </a:ext>
+            </a:extLst>
+          </p:cNvPr>
+          <p:cNvSpPr>
+            <a:spLocks noGrp="1"/>
+          </p:cNvSpPr>
+          <p:nvPr>
+            <p:ph type="sldNum" sz="quarter" idx="12"/>
+          </p:nvPr>
+        </p:nvSpPr>
+        <p:spPr/>
+        <p:txBody>
+          <a:bodyPr/>
+          <a:lstStyle/>
+          <a:p>
+            <a:fld id="{5996DFBF-FD8F-6F45-AB3E-FF7BF960061F}" type="slidenum">
+              <a:rPr lang="en-CN" smtClean="0">
+                <a:solidFill>
+                  <a:schemeClr val="bg1"/>
+                </a:solidFill>
+              </a:rPr>
+              <a:t>5</a:t>
+            </a:fld>
+            <a:endParaRPr lang="en-CN" dirty="0">
+              <a:solidFill>
+                <a:schemeClr val="bg1"/>
+              </a:solidFill>
+            </a:endParaRPr>
+          </a:p>
+        </p:txBody>
+      </p:sp>
+    </p:spTree>
+    <p:extLst>
+      <p:ext uri="{BB962C8B-B14F-4D97-AF65-F5344CB8AC3E}">
+        <p14:creationId xmlns:p14="http://schemas.microsoft.com/office/powerpoint/2010/main" val="1615199784"/>
+      </p:ext>
+    </p:extLst>
+  </p:cSld>
+  <p:clrMapOvr>
+    <a:masterClrMapping/>
+  </p:clrMapOvr>
+</p:sld>
+</file>
+
+<file path=ppt/slides/slide6.xml><?xml version="1.0" encoding="utf-8"?>
+<p:sld xmlns:a="http://schemas.openxmlformats.org/drawingml/2006/main" xmlns:r="http://schemas.openxmlformats.org/officeDocument/2006/relationships" xmlns:p="http://schemas.openxmlformats.org/presentationml/2006/main">
+  <p:cSld>
+    <p:bg>
+      <p:bgPr>
+        <a:solidFill>
+          <a:schemeClr val="tx1"/>
+        </a:solidFill>
+        <a:effectLst/>
+      </p:bgPr>
+    </p:bg>
+    <p:spTree>
+      <p:nvGrpSpPr>
+        <p:cNvPr id="1" name=""/>
+        <p:cNvGrpSpPr/>
+        <p:nvPr/>
+      </p:nvGrpSpPr>
+      <p:grpSpPr>
+        <a:xfrm>
+          <a:off x="0" y="0"/>
+          <a:ext cx="0" cy="0"/>
+          <a:chOff x="0" y="0"/>
+          <a:chExt cx="0" cy="0"/>
+        </a:xfrm>
+      </p:grpSpPr>
+      <p:sp>
+        <p:nvSpPr>
+          <p:cNvPr id="2" name="Title 1">
+            <a:extLst>
+              <a:ext uri="{FF2B5EF4-FFF2-40B4-BE49-F238E27FC236}">
+                <a16:creationId xmlns:a16="http://schemas.microsoft.com/office/drawing/2014/main" id="{1E677DB8-E1E5-794A-88C5-4BABA330C591}"/>
+              </a:ext>
+            </a:extLst>
+          </p:cNvPr>
+          <p:cNvSpPr>
+            <a:spLocks noGrp="1"/>
+          </p:cNvSpPr>
+          <p:nvPr>
+            <p:ph type="title"/>
+          </p:nvPr>
+        </p:nvSpPr>
+        <p:spPr/>
+        <p:txBody>
+          <a:bodyPr/>
+          <a:lstStyle/>
+          <a:p>
+            <a:pPr algn="ctr"/>
+            <a:r>
+              <a:rPr lang="en-CN" b="1" dirty="0">
+                <a:solidFill>
+                  <a:schemeClr val="bg1"/>
+                </a:solidFill>
+              </a:rPr>
+              <a:t>Risks in Comfort Zone</a:t>
             </a:r>
             <a:endParaRPr b="1" dirty="0">
               <a:solidFill>
@@ -5780,7 +9226,7 @@
                   <a:schemeClr val="bg1"/>
                 </a:solidFill>
               </a:rPr>
-              <a:t>5</a:t>
+              <a:t>6</a:t>
             </a:fld>
             <a:endParaRPr lang="en-CN" dirty="0">
               <a:solidFill>
@@ -5873,381 +9319,6 @@
 </p:sld>
 </file>
 
-<file path=ppt/slides/slide6.xml><?xml version="1.0" encoding="utf-8"?>
-<p:sld xmlns:a="http://schemas.openxmlformats.org/drawingml/2006/main" xmlns:r="http://schemas.openxmlformats.org/officeDocument/2006/relationships" xmlns:p="http://schemas.openxmlformats.org/presentationml/2006/main">
-  <p:cSld>
-    <p:bg>
-      <p:bgPr>
-        <a:solidFill>
-          <a:schemeClr val="tx1"/>
-        </a:solidFill>
-        <a:effectLst/>
-      </p:bgPr>
-    </p:bg>
-    <p:spTree>
-      <p:nvGrpSpPr>
-        <p:cNvPr id="1" name=""/>
-        <p:cNvGrpSpPr/>
-        <p:nvPr/>
-      </p:nvGrpSpPr>
-      <p:grpSpPr>
-        <a:xfrm>
-          <a:off x="0" y="0"/>
-          <a:ext cx="0" cy="0"/>
-          <a:chOff x="0" y="0"/>
-          <a:chExt cx="0" cy="0"/>
-        </a:xfrm>
-      </p:grpSpPr>
-      <p:sp>
-        <p:nvSpPr>
-          <p:cNvPr id="2" name="Title 1">
-            <a:extLst>
-              <a:ext uri="{FF2B5EF4-FFF2-40B4-BE49-F238E27FC236}">
-                <a16:creationId xmlns:a16="http://schemas.microsoft.com/office/drawing/2014/main" id="{1E677DB8-E1E5-794A-88C5-4BABA330C591}"/>
-              </a:ext>
-            </a:extLst>
-          </p:cNvPr>
-          <p:cNvSpPr>
-            <a:spLocks noGrp="1"/>
-          </p:cNvSpPr>
-          <p:nvPr>
-            <p:ph type="title"/>
-          </p:nvPr>
-        </p:nvSpPr>
-        <p:spPr/>
-        <p:txBody>
-          <a:bodyPr/>
-          <a:lstStyle/>
-          <a:p>
-            <a:pPr algn="ctr"/>
-            <a:r>
-              <a:rPr lang="en-CN" b="1" dirty="0">
-                <a:solidFill>
-                  <a:schemeClr val="bg1"/>
-                </a:solidFill>
-              </a:rPr>
-              <a:t>Risks in Our Comfort Zone</a:t>
-            </a:r>
-            <a:endParaRPr b="1" dirty="0">
-              <a:solidFill>
-                <a:schemeClr val="bg1"/>
-              </a:solidFill>
-            </a:endParaRPr>
-          </a:p>
-        </p:txBody>
-      </p:sp>
-      <p:sp>
-        <p:nvSpPr>
-          <p:cNvPr id="3" name="Content Placeholder 2">
-            <a:extLst>
-              <a:ext uri="{FF2B5EF4-FFF2-40B4-BE49-F238E27FC236}">
-                <a16:creationId xmlns:a16="http://schemas.microsoft.com/office/drawing/2014/main" id="{E870FD49-7022-DE44-BC47-AB21B5FCA533}"/>
-              </a:ext>
-            </a:extLst>
-          </p:cNvPr>
-          <p:cNvSpPr>
-            <a:spLocks noGrp="1"/>
-          </p:cNvSpPr>
-          <p:nvPr>
-            <p:ph idx="1"/>
-          </p:nvPr>
-        </p:nvSpPr>
-        <p:spPr/>
-        <p:txBody>
-          <a:bodyPr/>
-          <a:lstStyle/>
-          <a:p>
-            <a:pPr>
-              <a:buClr>
-                <a:schemeClr val="bg1"/>
-              </a:buClr>
-              <a:buSzPct val="100000"/>
-              <a:buFont typeface="System Font Regular"/>
-              <a:buChar char="&gt;"/>
-            </a:pPr>
-            <a:r>
-              <a:rPr lang="en-US" dirty="0" err="1">
-                <a:solidFill>
-                  <a:schemeClr val="bg1"/>
-                </a:solidFill>
-              </a:rPr>
-              <a:t>RowHammer</a:t>
-            </a:r>
-            <a:r>
-              <a:rPr lang="en-US" dirty="0">
-                <a:solidFill>
-                  <a:schemeClr val="bg1"/>
-                </a:solidFill>
-              </a:rPr>
-              <a:t> can break through most of software security mechanisms.</a:t>
-            </a:r>
-          </a:p>
-          <a:p>
-            <a:pPr lvl="1">
-              <a:buClr>
-                <a:schemeClr val="bg1"/>
-              </a:buClr>
-              <a:buSzPct val="100000"/>
-              <a:buFont typeface="Wingdings" pitchFamily="2" charset="2"/>
-              <a:buChar char="Ø"/>
-            </a:pPr>
-            <a:r>
-              <a:rPr lang="en-US" dirty="0">
-                <a:solidFill>
-                  <a:schemeClr val="bg1"/>
-                </a:solidFill>
-              </a:rPr>
-              <a:t>Authority control: flip authority control bits to obtain authority.</a:t>
-            </a:r>
-          </a:p>
-          <a:p>
-            <a:pPr lvl="1">
-              <a:buClr>
-                <a:schemeClr val="bg1"/>
-              </a:buClr>
-              <a:buSzPct val="100000"/>
-              <a:buFont typeface="Wingdings" pitchFamily="2" charset="2"/>
-              <a:buChar char="Ø"/>
-            </a:pPr>
-            <a:r>
-              <a:rPr lang="en-US" dirty="0">
-                <a:solidFill>
-                  <a:schemeClr val="bg1"/>
-                </a:solidFill>
-              </a:rPr>
-              <a:t>Privilege control: flip instruction bits to escalate privilege.</a:t>
-            </a:r>
-          </a:p>
-          <a:p>
-            <a:pPr lvl="1">
-              <a:buClr>
-                <a:schemeClr val="bg1"/>
-              </a:buClr>
-              <a:buSzPct val="100000"/>
-              <a:buFont typeface="Wingdings" pitchFamily="2" charset="2"/>
-              <a:buChar char="Ø"/>
-            </a:pPr>
-            <a:r>
-              <a:rPr lang="en-US" dirty="0">
-                <a:solidFill>
-                  <a:schemeClr val="bg1"/>
-                </a:solidFill>
-              </a:rPr>
-              <a:t>Process isolation</a:t>
-            </a:r>
-            <a:r>
-              <a:rPr lang="zh-CN" altLang="en-US" dirty="0">
-                <a:solidFill>
-                  <a:schemeClr val="bg1"/>
-                </a:solidFill>
-              </a:rPr>
-              <a:t> </a:t>
-            </a:r>
-            <a:r>
-              <a:rPr lang="en-US" altLang="zh-CN" dirty="0">
-                <a:solidFill>
-                  <a:schemeClr val="bg1"/>
-                </a:solidFill>
-              </a:rPr>
-              <a:t>and sandbox</a:t>
-            </a:r>
-            <a:r>
-              <a:rPr lang="en-US" dirty="0">
-                <a:solidFill>
-                  <a:schemeClr val="bg1"/>
-                </a:solidFill>
-              </a:rPr>
-              <a:t>: easily corrupt process in adjacent rows by bit flips.</a:t>
-            </a:r>
-          </a:p>
-          <a:p>
-            <a:pPr lvl="1">
-              <a:buClr>
-                <a:schemeClr val="bg1"/>
-              </a:buClr>
-              <a:buSzPct val="100000"/>
-              <a:buFont typeface="Wingdings" pitchFamily="2" charset="2"/>
-              <a:buChar char="Ø"/>
-            </a:pPr>
-            <a:r>
-              <a:rPr lang="en-US" dirty="0">
-                <a:solidFill>
-                  <a:schemeClr val="bg1"/>
-                </a:solidFill>
-              </a:rPr>
-              <a:t>Digital signature and cryptosystems: flip bits in public key to factorize it easily and get the private key.</a:t>
-            </a:r>
-            <a:br>
-              <a:rPr lang="en-US" dirty="0">
-                <a:solidFill>
-                  <a:schemeClr val="bg1"/>
-                </a:solidFill>
-              </a:rPr>
-            </a:br>
-            <a:endParaRPr lang="en-US" dirty="0">
-              <a:solidFill>
-                <a:schemeClr val="bg1"/>
-              </a:solidFill>
-            </a:endParaRPr>
-          </a:p>
-          <a:p>
-            <a:pPr>
-              <a:buClr>
-                <a:schemeClr val="bg1"/>
-              </a:buClr>
-              <a:buSzPct val="100000"/>
-              <a:buFont typeface="System Font Regular"/>
-              <a:buChar char="&gt;"/>
-            </a:pPr>
-            <a:r>
-              <a:rPr lang="en-US" dirty="0">
-                <a:solidFill>
-                  <a:schemeClr val="bg1"/>
-                </a:solidFill>
-              </a:rPr>
-              <a:t>No comfort zone now, so get up and go to work </a:t>
-            </a:r>
-            <a:r>
-              <a:rPr lang="en-US" dirty="0">
-                <a:solidFill>
-                  <a:schemeClr val="bg1"/>
-                </a:solidFill>
-                <a:sym typeface="Wingdings" pitchFamily="2" charset="2"/>
-              </a:rPr>
-              <a:t>:-)</a:t>
-            </a:r>
-            <a:endParaRPr lang="en-US" dirty="0">
-              <a:solidFill>
-                <a:schemeClr val="bg1"/>
-              </a:solidFill>
-            </a:endParaRPr>
-          </a:p>
-        </p:txBody>
-      </p:sp>
-      <p:sp>
-        <p:nvSpPr>
-          <p:cNvPr id="4" name="Date Placeholder 3">
-            <a:extLst>
-              <a:ext uri="{FF2B5EF4-FFF2-40B4-BE49-F238E27FC236}">
-                <a16:creationId xmlns:a16="http://schemas.microsoft.com/office/drawing/2014/main" id="{D94934F8-B110-3C44-AE95-87FA7846C571}"/>
-              </a:ext>
-            </a:extLst>
-          </p:cNvPr>
-          <p:cNvSpPr>
-            <a:spLocks noGrp="1"/>
-          </p:cNvSpPr>
-          <p:nvPr>
-            <p:ph type="dt" sz="half" idx="10"/>
-          </p:nvPr>
-        </p:nvSpPr>
-        <p:spPr/>
-        <p:txBody>
-          <a:bodyPr/>
-          <a:lstStyle/>
-          <a:p>
-            <a:fld id="{D845548B-896B-4443-A799-EFD372AE4086}" type="datetime1">
-              <a:rPr lang="en-US" smtClean="0">
-                <a:solidFill>
-                  <a:schemeClr val="bg1"/>
-                </a:solidFill>
-              </a:rPr>
-              <a:t>12/20/20</a:t>
-            </a:fld>
-            <a:endParaRPr lang="en-CN" dirty="0">
-              <a:solidFill>
-                <a:schemeClr val="bg1"/>
-              </a:solidFill>
-            </a:endParaRPr>
-          </a:p>
-        </p:txBody>
-      </p:sp>
-      <p:sp>
-        <p:nvSpPr>
-          <p:cNvPr id="5" name="Footer Placeholder 4">
-            <a:extLst>
-              <a:ext uri="{FF2B5EF4-FFF2-40B4-BE49-F238E27FC236}">
-                <a16:creationId xmlns:a16="http://schemas.microsoft.com/office/drawing/2014/main" id="{809AF835-7846-924F-950D-492C801472AC}"/>
-              </a:ext>
-            </a:extLst>
-          </p:cNvPr>
-          <p:cNvSpPr>
-            <a:spLocks noGrp="1"/>
-          </p:cNvSpPr>
-          <p:nvPr>
-            <p:ph type="ftr" sz="quarter" idx="11"/>
-          </p:nvPr>
-        </p:nvSpPr>
-        <p:spPr/>
-        <p:txBody>
-          <a:bodyPr/>
-          <a:lstStyle/>
-          <a:p>
-            <a:r>
-              <a:rPr lang="en-US" dirty="0">
-                <a:solidFill>
-                  <a:schemeClr val="bg1"/>
-                </a:solidFill>
-              </a:rPr>
-              <a:t>CARAS Lab</a:t>
-            </a:r>
-            <a:endParaRPr lang="en-CN" dirty="0">
-              <a:solidFill>
-                <a:schemeClr val="bg1"/>
-              </a:solidFill>
-            </a:endParaRPr>
-          </a:p>
-        </p:txBody>
-      </p:sp>
-      <p:sp>
-        <p:nvSpPr>
-          <p:cNvPr id="6" name="Slide Number Placeholder 5">
-            <a:extLst>
-              <a:ext uri="{FF2B5EF4-FFF2-40B4-BE49-F238E27FC236}">
-                <a16:creationId xmlns:a16="http://schemas.microsoft.com/office/drawing/2014/main" id="{5B5F2698-1CAD-CA4D-BFCC-FD50373115BB}"/>
-              </a:ext>
-            </a:extLst>
-          </p:cNvPr>
-          <p:cNvSpPr>
-            <a:spLocks noGrp="1"/>
-          </p:cNvSpPr>
-          <p:nvPr>
-            <p:ph type="sldNum" sz="quarter" idx="12"/>
-          </p:nvPr>
-        </p:nvSpPr>
-        <p:spPr/>
-        <p:txBody>
-          <a:bodyPr/>
-          <a:lstStyle/>
-          <a:p>
-            <a:fld id="{5996DFBF-FD8F-6F45-AB3E-FF7BF960061F}" type="slidenum">
-              <a:rPr lang="en-CN" smtClean="0">
-                <a:solidFill>
-                  <a:schemeClr val="bg1"/>
-                </a:solidFill>
-              </a:rPr>
-              <a:t>6</a:t>
-            </a:fld>
-            <a:endParaRPr lang="en-CN" dirty="0">
-              <a:solidFill>
-                <a:schemeClr val="bg1"/>
-              </a:solidFill>
-            </a:endParaRPr>
-          </a:p>
-        </p:txBody>
-      </p:sp>
-    </p:spTree>
-    <p:extLst>
-      <p:ext uri="{BB962C8B-B14F-4D97-AF65-F5344CB8AC3E}">
-        <p14:creationId xmlns:p14="http://schemas.microsoft.com/office/powerpoint/2010/main" val="2594831196"/>
-      </p:ext>
-    </p:extLst>
-  </p:cSld>
-  <p:clrMapOvr>
-    <a:masterClrMapping/>
-  </p:clrMapOvr>
-</p:sld>
-</file>
-
 <file path=ppt/slides/slide7.xml><?xml version="1.0" encoding="utf-8"?>
 <p:sld xmlns:a="http://schemas.openxmlformats.org/drawingml/2006/main" xmlns:r="http://schemas.openxmlformats.org/officeDocument/2006/relationships" xmlns:p="http://schemas.openxmlformats.org/presentationml/2006/main">
   <p:cSld>
@@ -6301,7 +9372,7 @@
                   <a:schemeClr val="bg1"/>
                 </a:solidFill>
               </a:rPr>
-              <a:t>DRAM Background: Organization</a:t>
+              <a:t>Risks in Comfort Zone</a:t>
             </a:r>
             <a:endParaRPr b="1" dirty="0">
               <a:solidFill>
@@ -6341,12 +9412,20 @@
               <a:buChar char="&gt;"/>
             </a:pPr>
             <a:r>
+              <a:rPr lang="en-US" dirty="0" err="1">
+                <a:solidFill>
+                  <a:schemeClr val="bg1"/>
+                </a:solidFill>
+              </a:rPr>
+              <a:t>RowHammer</a:t>
+            </a:r>
+            <a:r>
               <a:rPr lang="en-US" dirty="0">
                 <a:solidFill>
                   <a:schemeClr val="bg1"/>
                 </a:solidFill>
               </a:rPr>
-              <a:t>How to describe a DRAM address of a bit?</a:t>
+              <a:t> can break through most of existing software-level security mechanisms, for it attacks the basis of all of them: DRAM.</a:t>
             </a:r>
           </a:p>
           <a:p>
@@ -6364,8 +9443,98 @@
                   <a:schemeClr val="bg1"/>
                 </a:solidFill>
               </a:rPr>
-              <a:t>a 6-tuple of the form &lt;channel, DIMM, rank, bank, row, column&gt;</a:t>
-            </a:r>
+              <a:t>Authority control: flip authority control bits to obtain authority.</a:t>
+            </a:r>
+          </a:p>
+          <a:p>
+            <a:pPr lvl="1">
+              <a:buClr>
+                <a:schemeClr val="bg1"/>
+              </a:buClr>
+              <a:buSzPct val="100000"/>
+              <a:buFont typeface="Wingdings" pitchFamily="2" charset="2"/>
+              <a:buChar char="Ø"/>
+            </a:pPr>
+            <a:r>
+              <a:rPr lang="en-US" dirty="0">
+                <a:solidFill>
+                  <a:schemeClr val="bg1"/>
+                </a:solidFill>
+              </a:rPr>
+              <a:t>Privilege control: flip instruction bits to escalate privilege.</a:t>
+            </a:r>
+          </a:p>
+          <a:p>
+            <a:pPr lvl="1">
+              <a:buClr>
+                <a:schemeClr val="bg1"/>
+              </a:buClr>
+              <a:buSzPct val="100000"/>
+              <a:buFont typeface="Wingdings" pitchFamily="2" charset="2"/>
+              <a:buChar char="Ø"/>
+            </a:pPr>
+            <a:r>
+              <a:rPr lang="en-US" dirty="0">
+                <a:solidFill>
+                  <a:schemeClr val="bg1"/>
+                </a:solidFill>
+              </a:rPr>
+              <a:t>Process isolation</a:t>
+            </a:r>
+            <a:r>
+              <a:rPr lang="zh-CN" altLang="en-US" dirty="0">
+                <a:solidFill>
+                  <a:schemeClr val="bg1"/>
+                </a:solidFill>
+              </a:rPr>
+              <a:t> </a:t>
+            </a:r>
+            <a:r>
+              <a:rPr lang="en-US" altLang="zh-CN" dirty="0">
+                <a:solidFill>
+                  <a:schemeClr val="bg1"/>
+                </a:solidFill>
+              </a:rPr>
+              <a:t>and sandbox</a:t>
+            </a:r>
+            <a:r>
+              <a:rPr lang="en-US" dirty="0">
+                <a:solidFill>
+                  <a:schemeClr val="bg1"/>
+                </a:solidFill>
+              </a:rPr>
+              <a:t>: corrupt processes in adjacent rows by bit flips.</a:t>
+            </a:r>
+          </a:p>
+          <a:p>
+            <a:pPr lvl="1">
+              <a:buClr>
+                <a:schemeClr val="bg1"/>
+              </a:buClr>
+              <a:buSzPct val="100000"/>
+              <a:buFont typeface="Wingdings" pitchFamily="2" charset="2"/>
+              <a:buChar char="Ø"/>
+            </a:pPr>
+            <a:r>
+              <a:rPr lang="en-US" dirty="0">
+                <a:solidFill>
+                  <a:schemeClr val="bg1"/>
+                </a:solidFill>
+              </a:rPr>
+              <a:t>Digital signature and cryptosystems: flip bits in public keys to factorize them.</a:t>
+            </a:r>
+            <a:br>
+              <a:rPr lang="en-US" dirty="0">
+                <a:solidFill>
+                  <a:schemeClr val="bg1"/>
+                </a:solidFill>
+              </a:rPr>
+            </a:br>
+            <a:endParaRPr lang="en-US" dirty="0">
+              <a:solidFill>
+                <a:schemeClr val="bg1"/>
+              </a:solidFill>
+            </a:endParaRPr>
           </a:p>
           <a:p>
             <a:pPr>
@@ -6376,6 +9545,23 @@
               <a:buFont typeface="System Font Regular"/>
               <a:buChar char="&gt;"/>
             </a:pPr>
+            <a:r>
+              <a:rPr lang="en-US" dirty="0">
+                <a:solidFill>
+                  <a:schemeClr val="bg1"/>
+                </a:solidFill>
+              </a:rPr>
+              <a:t>No comfort zone now, so get up and go to work </a:t>
+            </a:r>
+            <a:r>
+              <a:rPr lang="en-US" dirty="0">
+                <a:solidFill>
+                  <a:schemeClr val="bg1"/>
+                </a:solidFill>
+                <a:sym typeface="Wingdings" pitchFamily="2" charset="2"/>
+              </a:rPr>
+              <a:t>:-)</a:t>
+            </a:r>
             <a:endParaRPr lang="en-US" dirty="0">
               <a:solidFill>
                 <a:schemeClr val="bg1"/>
@@ -6498,7 +9684,7 @@
     </p:spTree>
     <p:extLst>
       <p:ext uri="{BB962C8B-B14F-4D97-AF65-F5344CB8AC3E}">
-        <p14:creationId xmlns:p14="http://schemas.microsoft.com/office/powerpoint/2010/main" val="1705034234"/>
+        <p14:creationId xmlns:p14="http://schemas.microsoft.com/office/powerpoint/2010/main" val="2594831196"/>
       </p:ext>
     </p:extLst>
   </p:cSld>
@@ -6549,6 +9735,116 @@
             <p:ph type="title"/>
           </p:nvPr>
         </p:nvSpPr>
+        <p:spPr>
+          <a:xfrm>
+            <a:off x="838200" y="2766218"/>
+            <a:ext cx="10515600" cy="1325563"/>
+          </a:xfrm>
+        </p:spPr>
+        <p:txBody>
+          <a:bodyPr/>
+          <a:lstStyle/>
+          <a:p>
+            <a:pPr algn="ctr"/>
+            <a:r>
+              <a:rPr lang="en-CN" b="1" dirty="0">
+                <a:solidFill>
+                  <a:schemeClr val="bg1"/>
+                </a:solidFill>
+              </a:rPr>
+              <a:t>DRAM Background</a:t>
+            </a:r>
+            <a:endParaRPr b="1" dirty="0">
+              <a:solidFill>
+                <a:schemeClr val="bg1"/>
+              </a:solidFill>
+            </a:endParaRPr>
+          </a:p>
+        </p:txBody>
+      </p:sp>
+      <p:sp>
+        <p:nvSpPr>
+          <p:cNvPr id="3" name="Footer Placeholder 2">
+            <a:extLst>
+              <a:ext uri="{FF2B5EF4-FFF2-40B4-BE49-F238E27FC236}">
+                <a16:creationId xmlns:a16="http://schemas.microsoft.com/office/drawing/2014/main" id="{F9FE3F41-73E8-EC4C-B83E-D35DA5C00A06}"/>
+              </a:ext>
+            </a:extLst>
+          </p:cNvPr>
+          <p:cNvSpPr>
+            <a:spLocks noGrp="1"/>
+          </p:cNvSpPr>
+          <p:nvPr>
+            <p:ph type="ftr" sz="quarter" idx="11"/>
+          </p:nvPr>
+        </p:nvSpPr>
+        <p:spPr/>
+        <p:txBody>
+          <a:bodyPr/>
+          <a:lstStyle/>
+          <a:p>
+            <a:r>
+              <a:rPr lang="en-US"/>
+              <a:t>CARAS Lab</a:t>
+            </a:r>
+            <a:endParaRPr lang="en-CN"/>
+          </a:p>
+        </p:txBody>
+      </p:sp>
+    </p:spTree>
+    <p:extLst>
+      <p:ext uri="{BB962C8B-B14F-4D97-AF65-F5344CB8AC3E}">
+        <p14:creationId xmlns:p14="http://schemas.microsoft.com/office/powerpoint/2010/main" val="3349213001"/>
+      </p:ext>
+    </p:extLst>
+  </p:cSld>
+  <p:clrMapOvr>
+    <a:masterClrMapping/>
+  </p:clrMapOvr>
+</p:sld>
+</file>
+
+<file path=ppt/slides/slide9.xml><?xml version="1.0" encoding="utf-8"?>
+<p:sld xmlns:a="http://schemas.openxmlformats.org/drawingml/2006/main" xmlns:r="http://schemas.openxmlformats.org/officeDocument/2006/relationships" xmlns:p="http://schemas.openxmlformats.org/presentationml/2006/main">
+  <p:cSld>
+    <p:bg>
+      <p:bgPr>
+        <a:solidFill>
+          <a:schemeClr val="tx1"/>
+        </a:solidFill>
+        <a:effectLst/>
+      </p:bgPr>
+    </p:bg>
+    <p:spTree>
+      <p:nvGrpSpPr>
+        <p:cNvPr id="1" name=""/>
+        <p:cNvGrpSpPr/>
+        <p:nvPr/>
+      </p:nvGrpSpPr>
+      <p:grpSpPr>
+        <a:xfrm>
+          <a:off x="0" y="0"/>
+          <a:ext cx="0" cy="0"/>
+          <a:chOff x="0" y="0"/>
+          <a:chExt cx="0" cy="0"/>
+        </a:xfrm>
+      </p:grpSpPr>
+      <p:sp>
+        <p:nvSpPr>
+          <p:cNvPr id="2" name="Title 1">
+            <a:extLst>
+              <a:ext uri="{FF2B5EF4-FFF2-40B4-BE49-F238E27FC236}">
+                <a16:creationId xmlns:a16="http://schemas.microsoft.com/office/drawing/2014/main" id="{1E677DB8-E1E5-794A-88C5-4BABA330C591}"/>
+              </a:ext>
+            </a:extLst>
+          </p:cNvPr>
+          <p:cNvSpPr>
+            <a:spLocks noGrp="1"/>
+          </p:cNvSpPr>
+          <p:nvPr>
+            <p:ph type="title"/>
+          </p:nvPr>
+        </p:nvSpPr>
         <p:spPr/>
         <p:txBody>
           <a:bodyPr/>
@@ -6745,7 +10041,7 @@
                   <a:schemeClr val="bg1"/>
                 </a:solidFill>
               </a:rPr>
-              <a:t>8</a:t>
+              <a:t>9</a:t>
             </a:fld>
             <a:endParaRPr lang="en-CN" dirty="0">
               <a:solidFill>
@@ -6755,10 +10051,70 @@
           </a:p>
         </p:txBody>
       </p:sp>
+      <p:pic>
+        <p:nvPicPr>
+          <p:cNvPr id="8" name="Picture 7" descr="Diagram, schematic&#10;&#10;Description automatically generated">
+            <a:extLst>
+              <a:ext uri="{FF2B5EF4-FFF2-40B4-BE49-F238E27FC236}">
+                <a16:creationId xmlns:a16="http://schemas.microsoft.com/office/drawing/2014/main" id="{B8C817DB-4648-5C45-B043-39503B209B18}"/>
+              </a:ext>
+            </a:extLst>
+          </p:cNvPr>
+          <p:cNvPicPr>
+            <a:picLocks noChangeAspect="1"/>
+          </p:cNvPicPr>
+          <p:nvPr/>
+        </p:nvPicPr>
+        <p:blipFill>
+          <a:blip r:embed="rId2"/>
+          <a:stretch>
+            <a:fillRect/>
+          </a:stretch>
+        </p:blipFill>
+        <p:spPr>
+          <a:xfrm>
+            <a:off x="441723" y="3445326"/>
+            <a:ext cx="5380604" cy="2002086"/>
+          </a:xfrm>
+          <a:prstGeom prst="rect">
+            <a:avLst/>
+          </a:prstGeom>
+        </p:spPr>
+      </p:pic>
+      <p:pic>
+        <p:nvPicPr>
+          <p:cNvPr id="10" name="Picture 9" descr="Diagram&#10;&#10;Description automatically generated">
+            <a:extLst>
+              <a:ext uri="{FF2B5EF4-FFF2-40B4-BE49-F238E27FC236}">
+                <a16:creationId xmlns:a16="http://schemas.microsoft.com/office/drawing/2014/main" id="{E03CEAF2-46CA-3E4E-924C-E4C0D03E7A48}"/>
+              </a:ext>
+            </a:extLst>
+          </p:cNvPr>
+          <p:cNvPicPr>
+            <a:picLocks noChangeAspect="1"/>
+          </p:cNvPicPr>
+          <p:nvPr/>
+        </p:nvPicPr>
+        <p:blipFill>
+          <a:blip r:embed="rId3"/>
+          <a:stretch>
+            <a:fillRect/>
+          </a:stretch>
+        </p:blipFill>
+        <p:spPr>
+          <a:xfrm>
+            <a:off x="6369672" y="3445326"/>
+            <a:ext cx="5380605" cy="2002086"/>
+          </a:xfrm>
+          <a:prstGeom prst="rect">
+            <a:avLst/>
+          </a:prstGeom>
+        </p:spPr>
+      </p:pic>
     </p:spTree>
     <p:extLst>
       <p:ext uri="{BB962C8B-B14F-4D97-AF65-F5344CB8AC3E}">
-        <p14:creationId xmlns:p14="http://schemas.microsoft.com/office/powerpoint/2010/main" val="2891233841"/>
+        <p14:creationId xmlns:p14="http://schemas.microsoft.com/office/powerpoint/2010/main" val="1705034234"/>
       </p:ext>
     </p:extLst>
   </p:cSld>
